--- a/Teaching/Chemistry/Lecture Slides/FCC Chem 3A Chap  7 Content.pptx
+++ b/Teaching/Chemistry/Lecture Slides/FCC Chem 3A Chap  7 Content.pptx
@@ -1,29 +1,38 @@
 
 <file path=ppt/presentation.xml><?xml version="1.0" encoding="utf-8"?>
-<p:presentation xmlns:a="http://schemas.openxmlformats.org/drawingml/2006/main" xmlns:r="http://schemas.openxmlformats.org/officeDocument/2006/relationships" xmlns:p="http://schemas.openxmlformats.org/presentationml/2006/main" saveSubsetFonts="1">
+<p:presentation xmlns:a="http://schemas.openxmlformats.org/drawingml/2006/main" xmlns:r="http://schemas.openxmlformats.org/officeDocument/2006/relationships" xmlns:p="http://schemas.openxmlformats.org/presentationml/2006/main" showSpecialPlsOnTitleSld="0" saveSubsetFonts="1">
   <p:sldMasterIdLst>
     <p:sldMasterId id="2147483803" r:id="rId1"/>
   </p:sldMasterIdLst>
   <p:notesMasterIdLst>
-    <p:notesMasterId r:id="rId18"/>
+    <p:notesMasterId r:id="rId27"/>
   </p:notesMasterIdLst>
   <p:sldIdLst>
     <p:sldId id="608" r:id="rId2"/>
     <p:sldId id="830" r:id="rId3"/>
     <p:sldId id="831" r:id="rId4"/>
-    <p:sldId id="832" r:id="rId5"/>
-    <p:sldId id="833" r:id="rId6"/>
-    <p:sldId id="834" r:id="rId7"/>
-    <p:sldId id="835" r:id="rId8"/>
-    <p:sldId id="836" r:id="rId9"/>
-    <p:sldId id="837" r:id="rId10"/>
-    <p:sldId id="838" r:id="rId11"/>
-    <p:sldId id="839" r:id="rId12"/>
-    <p:sldId id="840" r:id="rId13"/>
-    <p:sldId id="842" r:id="rId14"/>
-    <p:sldId id="841" r:id="rId15"/>
-    <p:sldId id="843" r:id="rId16"/>
-    <p:sldId id="844" r:id="rId17"/>
+    <p:sldId id="848" r:id="rId5"/>
+    <p:sldId id="849" r:id="rId6"/>
+    <p:sldId id="845" r:id="rId7"/>
+    <p:sldId id="853" r:id="rId8"/>
+    <p:sldId id="832" r:id="rId9"/>
+    <p:sldId id="851" r:id="rId10"/>
+    <p:sldId id="850" r:id="rId11"/>
+    <p:sldId id="846" r:id="rId12"/>
+    <p:sldId id="833" r:id="rId13"/>
+    <p:sldId id="854" r:id="rId14"/>
+    <p:sldId id="852" r:id="rId15"/>
+    <p:sldId id="835" r:id="rId16"/>
+    <p:sldId id="836" r:id="rId17"/>
+    <p:sldId id="837" r:id="rId18"/>
+    <p:sldId id="847" r:id="rId19"/>
+    <p:sldId id="838" r:id="rId20"/>
+    <p:sldId id="839" r:id="rId21"/>
+    <p:sldId id="840" r:id="rId22"/>
+    <p:sldId id="842" r:id="rId23"/>
+    <p:sldId id="841" r:id="rId24"/>
+    <p:sldId id="843" r:id="rId25"/>
+    <p:sldId id="844" r:id="rId26"/>
   </p:sldIdLst>
   <p:sldSz cx="9144000" cy="6858000" type="screen4x3"/>
   <p:notesSz cx="7315200" cy="9601200"/>
@@ -1947,6 +1956,36 @@
           </a:p>
         </p:txBody>
       </p:sp>
+      <p:sp>
+        <p:nvSpPr>
+          <p:cNvPr id="4" name="Slide Number Placeholder 3">
+            <a:extLst>
+              <a:ext uri="{FF2B5EF4-FFF2-40B4-BE49-F238E27FC236}">
+                <a16:creationId xmlns:a16="http://schemas.microsoft.com/office/drawing/2014/main" id="{326AD6E9-7D85-DC80-863A-991B5DB74813}"/>
+              </a:ext>
+            </a:extLst>
+          </p:cNvPr>
+          <p:cNvSpPr>
+            <a:spLocks noGrp="1"/>
+          </p:cNvSpPr>
+          <p:nvPr>
+            <p:ph type="sldNum" sz="quarter" idx="10"/>
+          </p:nvPr>
+        </p:nvSpPr>
+        <p:spPr/>
+        <p:txBody>
+          <a:bodyPr/>
+          <a:lstStyle/>
+          <a:p>
+            <a:fld id="{B434390E-5614-49FD-B636-0EE8DCB870C2}" type="slidenum">
+              <a:rPr lang="en-US" smtClean="0"/>
+              <a:pPr/>
+              <a:t>‹#›</a:t>
+            </a:fld>
+            <a:endParaRPr lang="en-US" dirty="0"/>
+          </a:p>
+        </p:txBody>
+      </p:sp>
     </p:spTree>
     <p:extLst>
       <p:ext uri="{BB962C8B-B14F-4D97-AF65-F5344CB8AC3E}">
@@ -2097,6 +2136,36 @@
               <a:rPr lang="en-US"/>
               <a:t>Click to edit Master text styles</a:t>
             </a:r>
+          </a:p>
+        </p:txBody>
+      </p:sp>
+      <p:sp>
+        <p:nvSpPr>
+          <p:cNvPr id="4" name="Slide Number Placeholder 3">
+            <a:extLst>
+              <a:ext uri="{FF2B5EF4-FFF2-40B4-BE49-F238E27FC236}">
+                <a16:creationId xmlns:a16="http://schemas.microsoft.com/office/drawing/2014/main" id="{C52D37A9-CEC1-FB88-574B-237641B885A7}"/>
+              </a:ext>
+            </a:extLst>
+          </p:cNvPr>
+          <p:cNvSpPr>
+            <a:spLocks noGrp="1"/>
+          </p:cNvSpPr>
+          <p:nvPr>
+            <p:ph type="sldNum" sz="quarter" idx="11"/>
+          </p:nvPr>
+        </p:nvSpPr>
+        <p:spPr/>
+        <p:txBody>
+          <a:bodyPr/>
+          <a:lstStyle/>
+          <a:p>
+            <a:fld id="{B434390E-5614-49FD-B636-0EE8DCB870C2}" type="slidenum">
+              <a:rPr lang="en-US" smtClean="0"/>
+              <a:pPr/>
+              <a:t>‹#›</a:t>
+            </a:fld>
+            <a:endParaRPr lang="en-US" dirty="0"/>
           </a:p>
         </p:txBody>
       </p:sp>
@@ -3243,37 +3312,82 @@
           <a:p>
             <a:pPr lvl="0"/>
             <a:r>
-              <a:rPr lang="en-US"/>
+              <a:rPr lang="en-US" dirty="0"/>
               <a:t>Click to edit Master text styles</a:t>
             </a:r>
           </a:p>
           <a:p>
             <a:pPr lvl="1"/>
             <a:r>
-              <a:rPr lang="en-US"/>
+              <a:rPr lang="en-US" dirty="0"/>
               <a:t>Second level</a:t>
             </a:r>
           </a:p>
           <a:p>
             <a:pPr lvl="2"/>
             <a:r>
-              <a:rPr lang="en-US"/>
+              <a:rPr lang="en-US" dirty="0"/>
               <a:t>Third level</a:t>
             </a:r>
           </a:p>
           <a:p>
             <a:pPr lvl="3"/>
             <a:r>
-              <a:rPr lang="en-US"/>
+              <a:rPr lang="en-US" dirty="0"/>
               <a:t>Fourth level</a:t>
             </a:r>
           </a:p>
           <a:p>
             <a:pPr lvl="4"/>
             <a:r>
-              <a:rPr lang="en-US"/>
+              <a:rPr lang="en-US" dirty="0"/>
               <a:t>Fifth level</a:t>
             </a:r>
+          </a:p>
+        </p:txBody>
+      </p:sp>
+      <p:sp>
+        <p:nvSpPr>
+          <p:cNvPr id="2" name="Slide Number Placeholder 1">
+            <a:extLst>
+              <a:ext uri="{FF2B5EF4-FFF2-40B4-BE49-F238E27FC236}">
+                <a16:creationId xmlns:a16="http://schemas.microsoft.com/office/drawing/2014/main" id="{CCBF3ED5-9D4B-F858-E8A9-311D34AFE28B}"/>
+              </a:ext>
+            </a:extLst>
+          </p:cNvPr>
+          <p:cNvSpPr>
+            <a:spLocks noGrp="1"/>
+          </p:cNvSpPr>
+          <p:nvPr>
+            <p:ph type="sldNum" sz="quarter" idx="4"/>
+          </p:nvPr>
+        </p:nvSpPr>
+        <p:spPr>
+          <a:xfrm>
+            <a:off x="6905625" y="6351485"/>
+            <a:ext cx="2057400" cy="365125"/>
+          </a:xfrm>
+          <a:prstGeom prst="rect">
+            <a:avLst/>
+          </a:prstGeom>
+        </p:spPr>
+        <p:txBody>
+          <a:bodyPr vert="horz" lIns="91440" tIns="45720" rIns="91440" bIns="45720" rtlCol="0" anchor="ctr"/>
+          <a:lstStyle>
+            <a:lvl1pPr algn="r">
+              <a:defRPr sz="1200">
+                <a:solidFill>
+                  <a:schemeClr val="bg1"/>
+                </a:solidFill>
+              </a:defRPr>
+            </a:lvl1pPr>
+          </a:lstStyle>
+          <a:p>
+            <a:fld id="{B434390E-5614-49FD-B636-0EE8DCB870C2}" type="slidenum">
+              <a:rPr lang="en-US" smtClean="0"/>
+              <a:pPr/>
+              <a:t>‹#›</a:t>
+            </a:fld>
             <a:endParaRPr lang="en-US" dirty="0"/>
           </a:p>
         </p:txBody>
@@ -3304,7 +3418,7 @@
     <p:sldLayoutId id="2147483818" r:id="rId15"/>
     <p:sldLayoutId id="2147483802" r:id="rId16"/>
   </p:sldLayoutIdLst>
-  <p:hf sldNum="0" hdr="0" ftr="0" dt="0"/>
+  <p:hf hdr="0" ftr="0" dt="0"/>
   <p:txStyles>
     <p:titleStyle>
       <a:lvl1pPr algn="l" rtl="0" eaLnBrk="1" fontAlgn="base" hangingPunct="1">
@@ -9929,6 +10043,1435 @@
         <p:cNvPr id="1" name="">
           <a:extLst>
             <a:ext uri="{FF2B5EF4-FFF2-40B4-BE49-F238E27FC236}">
+              <a16:creationId xmlns:a16="http://schemas.microsoft.com/office/drawing/2014/main" id="{786474BA-198E-6797-A7DD-EE1ED8821B40}"/>
+            </a:ext>
+          </a:extLst>
+        </p:cNvPr>
+        <p:cNvGrpSpPr/>
+        <p:nvPr/>
+      </p:nvGrpSpPr>
+      <p:grpSpPr>
+        <a:xfrm>
+          <a:off x="0" y="0"/>
+          <a:ext cx="0" cy="0"/>
+          <a:chOff x="0" y="0"/>
+          <a:chExt cx="0" cy="0"/>
+        </a:xfrm>
+      </p:grpSpPr>
+      <p:sp>
+        <p:nvSpPr>
+          <p:cNvPr id="2" name="Title 1">
+            <a:extLst>
+              <a:ext uri="{FF2B5EF4-FFF2-40B4-BE49-F238E27FC236}">
+                <a16:creationId xmlns:a16="http://schemas.microsoft.com/office/drawing/2014/main" id="{44567105-4EB6-F6C7-C2C5-60E44C770B01}"/>
+              </a:ext>
+            </a:extLst>
+          </p:cNvPr>
+          <p:cNvSpPr>
+            <a:spLocks noGrp="1"/>
+          </p:cNvSpPr>
+          <p:nvPr>
+            <p:ph type="title"/>
+          </p:nvPr>
+        </p:nvSpPr>
+        <p:spPr>
+          <a:xfrm>
+            <a:off x="338666" y="310445"/>
+            <a:ext cx="8421512" cy="830997"/>
+          </a:xfrm>
+        </p:spPr>
+        <p:txBody>
+          <a:bodyPr/>
+          <a:lstStyle/>
+          <a:p>
+            <a:r>
+              <a:rPr lang="en-US" dirty="0"/>
+              <a:t>Surface Tension Fun</a:t>
+            </a:r>
+          </a:p>
+        </p:txBody>
+      </p:sp>
+      <p:sp>
+        <p:nvSpPr>
+          <p:cNvPr id="3" name="Content Placeholder 2">
+            <a:extLst>
+              <a:ext uri="{FF2B5EF4-FFF2-40B4-BE49-F238E27FC236}">
+                <a16:creationId xmlns:a16="http://schemas.microsoft.com/office/drawing/2014/main" id="{B114970D-0050-24EE-1005-FA4A28929EC1}"/>
+              </a:ext>
+            </a:extLst>
+          </p:cNvPr>
+          <p:cNvSpPr>
+            <a:spLocks noGrp="1"/>
+          </p:cNvSpPr>
+          <p:nvPr>
+            <p:ph idx="1"/>
+          </p:nvPr>
+        </p:nvSpPr>
+        <p:spPr>
+          <a:xfrm>
+            <a:off x="372533" y="1272988"/>
+            <a:ext cx="8387645" cy="5274567"/>
+          </a:xfrm>
+        </p:spPr>
+        <p:txBody>
+          <a:bodyPr/>
+          <a:lstStyle/>
+          <a:p>
+            <a:r>
+              <a:rPr lang="en-US" sz="2200" dirty="0"/>
+              <a:t>Surface tension at zero gravity: check it out</a:t>
+            </a:r>
+          </a:p>
+          <a:p>
+            <a:r>
+              <a:rPr lang="en-US" sz="2200" dirty="0"/>
+              <a:t>https://www.youtube.com/watch?v=lMtXfwk7PXg</a:t>
+            </a:r>
+          </a:p>
+        </p:txBody>
+      </p:sp>
+      <p:pic>
+        <p:nvPicPr>
+          <p:cNvPr id="7" name="Picture 6">
+            <a:extLst>
+              <a:ext uri="{FF2B5EF4-FFF2-40B4-BE49-F238E27FC236}">
+                <a16:creationId xmlns:a16="http://schemas.microsoft.com/office/drawing/2014/main" id="{D0954E2D-C509-68E9-3A1A-42D78B9FDB65}"/>
+              </a:ext>
+            </a:extLst>
+          </p:cNvPr>
+          <p:cNvPicPr>
+            <a:picLocks noChangeAspect="1"/>
+          </p:cNvPicPr>
+          <p:nvPr/>
+        </p:nvPicPr>
+        <p:blipFill>
+          <a:blip r:embed="rId2"/>
+          <a:stretch>
+            <a:fillRect/>
+          </a:stretch>
+        </p:blipFill>
+        <p:spPr>
+          <a:xfrm>
+            <a:off x="1330254" y="2384612"/>
+            <a:ext cx="6020804" cy="3931566"/>
+          </a:xfrm>
+          <a:prstGeom prst="rect">
+            <a:avLst/>
+          </a:prstGeom>
+        </p:spPr>
+      </p:pic>
+      <p:sp>
+        <p:nvSpPr>
+          <p:cNvPr id="4" name="Slide Number Placeholder 3">
+            <a:extLst>
+              <a:ext uri="{FF2B5EF4-FFF2-40B4-BE49-F238E27FC236}">
+                <a16:creationId xmlns:a16="http://schemas.microsoft.com/office/drawing/2014/main" id="{3D581AEC-2FA0-340E-32E7-A9CA15C1B605}"/>
+              </a:ext>
+            </a:extLst>
+          </p:cNvPr>
+          <p:cNvSpPr>
+            <a:spLocks noGrp="1"/>
+          </p:cNvSpPr>
+          <p:nvPr>
+            <p:ph type="sldNum" sz="quarter" idx="10"/>
+          </p:nvPr>
+        </p:nvSpPr>
+        <p:spPr/>
+        <p:txBody>
+          <a:bodyPr/>
+          <a:lstStyle/>
+          <a:p>
+            <a:fld id="{B434390E-5614-49FD-B636-0EE8DCB870C2}" type="slidenum">
+              <a:rPr lang="en-US" smtClean="0"/>
+              <a:pPr/>
+              <a:t>10</a:t>
+            </a:fld>
+            <a:endParaRPr lang="en-US" dirty="0"/>
+          </a:p>
+        </p:txBody>
+      </p:sp>
+    </p:spTree>
+    <p:extLst>
+      <p:ext uri="{BB962C8B-B14F-4D97-AF65-F5344CB8AC3E}">
+        <p14:creationId xmlns:p14="http://schemas.microsoft.com/office/powerpoint/2010/main" val="3211291555"/>
+      </p:ext>
+    </p:extLst>
+  </p:cSld>
+  <p:clrMapOvr>
+    <a:masterClrMapping/>
+  </p:clrMapOvr>
+</p:sld>
+</file>
+
+<file path=ppt/slides/slide11.xml><?xml version="1.0" encoding="utf-8"?>
+<p:sld xmlns:a="http://schemas.openxmlformats.org/drawingml/2006/main" xmlns:r="http://schemas.openxmlformats.org/officeDocument/2006/relationships" xmlns:p="http://schemas.openxmlformats.org/presentationml/2006/main">
+  <p:cSld>
+    <p:spTree>
+      <p:nvGrpSpPr>
+        <p:cNvPr id="1" name="">
+          <a:extLst>
+            <a:ext uri="{FF2B5EF4-FFF2-40B4-BE49-F238E27FC236}">
+              <a16:creationId xmlns:a16="http://schemas.microsoft.com/office/drawing/2014/main" id="{8B671269-501D-6E0C-7CE7-817DD2E8E9D3}"/>
+            </a:ext>
+          </a:extLst>
+        </p:cNvPr>
+        <p:cNvGrpSpPr/>
+        <p:nvPr/>
+      </p:nvGrpSpPr>
+      <p:grpSpPr>
+        <a:xfrm>
+          <a:off x="0" y="0"/>
+          <a:ext cx="0" cy="0"/>
+          <a:chOff x="0" y="0"/>
+          <a:chExt cx="0" cy="0"/>
+        </a:xfrm>
+      </p:grpSpPr>
+      <p:sp>
+        <p:nvSpPr>
+          <p:cNvPr id="2" name="Title 1">
+            <a:extLst>
+              <a:ext uri="{FF2B5EF4-FFF2-40B4-BE49-F238E27FC236}">
+                <a16:creationId xmlns:a16="http://schemas.microsoft.com/office/drawing/2014/main" id="{1803578C-FFDC-8795-3741-E3751400EEE0}"/>
+              </a:ext>
+            </a:extLst>
+          </p:cNvPr>
+          <p:cNvSpPr>
+            <a:spLocks noGrp="1"/>
+          </p:cNvSpPr>
+          <p:nvPr>
+            <p:ph type="title"/>
+          </p:nvPr>
+        </p:nvSpPr>
+        <p:spPr/>
+        <p:txBody>
+          <a:bodyPr/>
+          <a:lstStyle/>
+          <a:p>
+            <a:r>
+              <a:rPr lang="en-US" dirty="0"/>
+              <a:t>Capillary Action</a:t>
+            </a:r>
+          </a:p>
+        </p:txBody>
+      </p:sp>
+      <p:sp>
+        <p:nvSpPr>
+          <p:cNvPr id="3" name="Content Placeholder 2">
+            <a:extLst>
+              <a:ext uri="{FF2B5EF4-FFF2-40B4-BE49-F238E27FC236}">
+                <a16:creationId xmlns:a16="http://schemas.microsoft.com/office/drawing/2014/main" id="{824BAC4A-4730-4B57-90E1-4A6173E49CE1}"/>
+              </a:ext>
+            </a:extLst>
+          </p:cNvPr>
+          <p:cNvSpPr>
+            <a:spLocks noGrp="1"/>
+          </p:cNvSpPr>
+          <p:nvPr>
+            <p:ph idx="1"/>
+          </p:nvPr>
+        </p:nvSpPr>
+        <p:spPr/>
+        <p:txBody>
+          <a:bodyPr/>
+          <a:lstStyle/>
+          <a:p>
+            <a:r>
+              <a:rPr lang="en-US" dirty="0"/>
+              <a:t>Capillary action is the movement of a liquid through or along a solid material, even against gravity, driven by the forces of cohesion (a liquid's attraction to itself), adhesion (a liquid's attraction to a solid surface), and surface tension. When the </a:t>
+            </a:r>
+            <a:r>
+              <a:rPr lang="en-US" dirty="0">
+                <a:hlinkClick r:id="rId2"/>
+              </a:rPr>
+              <a:t>adhesive</a:t>
+            </a:r>
+            <a:r>
+              <a:rPr lang="en-US" dirty="0"/>
+              <a:t> forces between the liquid and the solid are stronger than the cohesive forces within the liquid, the liquid will "climb" the solid, which is seen in examples like a paper towel absorbing a spill or water traveling up a plant's xylem.  </a:t>
+            </a:r>
+          </a:p>
+        </p:txBody>
+      </p:sp>
+      <p:sp>
+        <p:nvSpPr>
+          <p:cNvPr id="4" name="Slide Number Placeholder 3">
+            <a:extLst>
+              <a:ext uri="{FF2B5EF4-FFF2-40B4-BE49-F238E27FC236}">
+                <a16:creationId xmlns:a16="http://schemas.microsoft.com/office/drawing/2014/main" id="{FB6D5FD2-A709-A513-7F1F-34874934892B}"/>
+              </a:ext>
+            </a:extLst>
+          </p:cNvPr>
+          <p:cNvSpPr>
+            <a:spLocks noGrp="1"/>
+          </p:cNvSpPr>
+          <p:nvPr>
+            <p:ph type="sldNum" sz="quarter" idx="10"/>
+          </p:nvPr>
+        </p:nvSpPr>
+        <p:spPr/>
+        <p:txBody>
+          <a:bodyPr/>
+          <a:lstStyle/>
+          <a:p>
+            <a:fld id="{B434390E-5614-49FD-B636-0EE8DCB870C2}" type="slidenum">
+              <a:rPr lang="en-US" smtClean="0"/>
+              <a:pPr/>
+              <a:t>11</a:t>
+            </a:fld>
+            <a:endParaRPr lang="en-US" dirty="0"/>
+          </a:p>
+        </p:txBody>
+      </p:sp>
+    </p:spTree>
+    <p:extLst>
+      <p:ext uri="{BB962C8B-B14F-4D97-AF65-F5344CB8AC3E}">
+        <p14:creationId xmlns:p14="http://schemas.microsoft.com/office/powerpoint/2010/main" val="238446183"/>
+      </p:ext>
+    </p:extLst>
+  </p:cSld>
+  <p:clrMapOvr>
+    <a:masterClrMapping/>
+  </p:clrMapOvr>
+</p:sld>
+</file>
+
+<file path=ppt/slides/slide12.xml><?xml version="1.0" encoding="utf-8"?>
+<p:sld xmlns:a="http://schemas.openxmlformats.org/drawingml/2006/main" xmlns:r="http://schemas.openxmlformats.org/officeDocument/2006/relationships" xmlns:p="http://schemas.openxmlformats.org/presentationml/2006/main">
+  <p:cSld>
+    <p:spTree>
+      <p:nvGrpSpPr>
+        <p:cNvPr id="1" name=""/>
+        <p:cNvGrpSpPr/>
+        <p:nvPr/>
+      </p:nvGrpSpPr>
+      <p:grpSpPr>
+        <a:xfrm>
+          <a:off x="0" y="0"/>
+          <a:ext cx="0" cy="0"/>
+          <a:chOff x="0" y="0"/>
+          <a:chExt cx="0" cy="0"/>
+        </a:xfrm>
+      </p:grpSpPr>
+      <p:sp>
+        <p:nvSpPr>
+          <p:cNvPr id="2" name="Title 1">
+            <a:extLst>
+              <a:ext uri="{FF2B5EF4-FFF2-40B4-BE49-F238E27FC236}">
+                <a16:creationId xmlns:a16="http://schemas.microsoft.com/office/drawing/2014/main" id="{B7834DAF-9A42-3CDC-4E7B-43FFCD1B26A8}"/>
+              </a:ext>
+            </a:extLst>
+          </p:cNvPr>
+          <p:cNvSpPr>
+            <a:spLocks noGrp="1"/>
+          </p:cNvSpPr>
+          <p:nvPr>
+            <p:ph type="title"/>
+          </p:nvPr>
+        </p:nvSpPr>
+        <p:spPr/>
+        <p:txBody>
+          <a:bodyPr/>
+          <a:lstStyle/>
+          <a:p>
+            <a:r>
+              <a:rPr lang="en-US" dirty="0"/>
+              <a:t>Viscosity</a:t>
+            </a:r>
+          </a:p>
+        </p:txBody>
+      </p:sp>
+      <p:sp>
+        <p:nvSpPr>
+          <p:cNvPr id="3" name="Content Placeholder 2">
+            <a:extLst>
+              <a:ext uri="{FF2B5EF4-FFF2-40B4-BE49-F238E27FC236}">
+                <a16:creationId xmlns:a16="http://schemas.microsoft.com/office/drawing/2014/main" id="{0A9F6DE0-2CBF-1512-E352-BCCD7E6B917D}"/>
+              </a:ext>
+            </a:extLst>
+          </p:cNvPr>
+          <p:cNvSpPr>
+            <a:spLocks noGrp="1"/>
+          </p:cNvSpPr>
+          <p:nvPr>
+            <p:ph idx="1"/>
+          </p:nvPr>
+        </p:nvSpPr>
+        <p:spPr/>
+        <p:txBody>
+          <a:bodyPr/>
+          <a:lstStyle/>
+          <a:p>
+            <a:r>
+              <a:rPr lang="en-US" dirty="0"/>
+              <a:t>Viscosity (symbol Greek letter </a:t>
+            </a:r>
+            <a:r>
+              <a:rPr lang="en-US" i="1" dirty="0"/>
+              <a:t>eta</a:t>
+            </a:r>
+            <a:r>
+              <a:rPr lang="en-US" dirty="0"/>
+              <a:t> </a:t>
+            </a:r>
+            <a:r>
+              <a:rPr lang="en-US" dirty="0">
+                <a:sym typeface="Symbol" panose="05050102010706020507" pitchFamily="18" charset="2"/>
+              </a:rPr>
+              <a:t></a:t>
+            </a:r>
+            <a:r>
+              <a:rPr lang="en-US" dirty="0"/>
+              <a:t>) is the resistance of a fluid to flow, often described as its "thickness" or internal friction</a:t>
+            </a:r>
+          </a:p>
+          <a:p>
+            <a:r>
+              <a:rPr lang="en-US" dirty="0"/>
+              <a:t>A viscometer is a special glass device</a:t>
+            </a:r>
+            <a:br>
+              <a:rPr lang="en-US" dirty="0"/>
+            </a:br>
+            <a:r>
+              <a:rPr lang="en-US" dirty="0"/>
+              <a:t>that measures time it takes for test</a:t>
+            </a:r>
+            <a:br>
+              <a:rPr lang="en-US" dirty="0"/>
+            </a:br>
+            <a:r>
+              <a:rPr lang="en-US" dirty="0"/>
+              <a:t>liquid to flow through narrow vertical</a:t>
+            </a:r>
+            <a:br>
+              <a:rPr lang="en-US" dirty="0"/>
+            </a:br>
+            <a:r>
+              <a:rPr lang="en-US" dirty="0"/>
+              <a:t>tubing</a:t>
+            </a:r>
+          </a:p>
+          <a:p>
+            <a:r>
+              <a:rPr lang="en-US" sz="2000" dirty="0"/>
+              <a:t>Units of viscosity: poise (1 poise = 1 mPa s)</a:t>
+            </a:r>
+          </a:p>
+          <a:p>
+            <a:r>
+              <a:rPr lang="en-US" sz="2000" dirty="0"/>
+              <a:t>If a liquid has strong intermolecular forces,</a:t>
+            </a:r>
+            <a:br>
+              <a:rPr lang="en-US" sz="2000" dirty="0"/>
+            </a:br>
+            <a:r>
+              <a:rPr lang="en-US" sz="2000" dirty="0"/>
+              <a:t>the molecules will not move past each other</a:t>
+            </a:r>
+            <a:br>
+              <a:rPr lang="en-US" sz="2000" dirty="0"/>
+            </a:br>
+            <a:r>
+              <a:rPr lang="en-US" sz="2000" dirty="0"/>
+              <a:t>but slowly. Adding an –OH group to ethanol</a:t>
+            </a:r>
+            <a:br>
+              <a:rPr lang="en-US" sz="2000" dirty="0"/>
+            </a:br>
+            <a:r>
+              <a:rPr lang="en-US" sz="2000" dirty="0"/>
+              <a:t>(CH3CH2OH) to make ethylene glycol </a:t>
+            </a:r>
+            <a:br>
+              <a:rPr lang="en-US" sz="2000" dirty="0"/>
+            </a:br>
+            <a:r>
+              <a:rPr lang="en-US" sz="2000" dirty="0"/>
+              <a:t>(HOCH2CH2OH)</a:t>
+            </a:r>
+          </a:p>
+        </p:txBody>
+      </p:sp>
+      <p:sp>
+        <p:nvSpPr>
+          <p:cNvPr id="4" name="Slide Number Placeholder 3">
+            <a:extLst>
+              <a:ext uri="{FF2B5EF4-FFF2-40B4-BE49-F238E27FC236}">
+                <a16:creationId xmlns:a16="http://schemas.microsoft.com/office/drawing/2014/main" id="{F5E1B55B-96F7-3845-7480-A1CA49A6A665}"/>
+              </a:ext>
+            </a:extLst>
+          </p:cNvPr>
+          <p:cNvSpPr>
+            <a:spLocks noGrp="1"/>
+          </p:cNvSpPr>
+          <p:nvPr>
+            <p:ph type="sldNum" sz="quarter" idx="10"/>
+          </p:nvPr>
+        </p:nvSpPr>
+        <p:spPr/>
+        <p:txBody>
+          <a:bodyPr/>
+          <a:lstStyle/>
+          <a:p>
+            <a:fld id="{B434390E-5614-49FD-B636-0EE8DCB870C2}" type="slidenum">
+              <a:rPr lang="en-US" smtClean="0"/>
+              <a:pPr/>
+              <a:t>12</a:t>
+            </a:fld>
+            <a:endParaRPr lang="en-US" dirty="0"/>
+          </a:p>
+        </p:txBody>
+      </p:sp>
+      <p:pic>
+        <p:nvPicPr>
+          <p:cNvPr id="1026" name="Picture 2">
+            <a:extLst>
+              <a:ext uri="{FF2B5EF4-FFF2-40B4-BE49-F238E27FC236}">
+                <a16:creationId xmlns:a16="http://schemas.microsoft.com/office/drawing/2014/main" id="{A181FE7E-52A1-A683-834F-A0CBAE0B9D2E}"/>
+              </a:ext>
+            </a:extLst>
+          </p:cNvPr>
+          <p:cNvPicPr>
+            <a:picLocks noChangeAspect="1" noChangeArrowheads="1"/>
+          </p:cNvPicPr>
+          <p:nvPr/>
+        </p:nvPicPr>
+        <p:blipFill>
+          <a:blip r:embed="rId2" cstate="print">
+            <a:extLst>
+              <a:ext uri="{28A0092B-C50C-407E-A947-70E740481C1C}">
+                <a14:useLocalDpi xmlns:a14="http://schemas.microsoft.com/office/drawing/2010/main" val="0"/>
+              </a:ext>
+            </a:extLst>
+          </a:blip>
+          <a:srcRect/>
+          <a:stretch>
+            <a:fillRect/>
+          </a:stretch>
+        </p:blipFill>
+        <p:spPr bwMode="auto">
+          <a:xfrm>
+            <a:off x="6509893" y="1194784"/>
+            <a:ext cx="2284152" cy="5299427"/>
+          </a:xfrm>
+          <a:prstGeom prst="rect">
+            <a:avLst/>
+          </a:prstGeom>
+          <a:noFill/>
+          <a:extLst>
+            <a:ext uri="{909E8E84-426E-40DD-AFC4-6F175D3DCCD1}">
+              <a14:hiddenFill xmlns:a14="http://schemas.microsoft.com/office/drawing/2010/main">
+                <a:solidFill>
+                  <a:srgbClr val="FFFFFF"/>
+                </a:solidFill>
+              </a14:hiddenFill>
+            </a:ext>
+          </a:extLst>
+        </p:spPr>
+      </p:pic>
+    </p:spTree>
+    <p:extLst>
+      <p:ext uri="{BB962C8B-B14F-4D97-AF65-F5344CB8AC3E}">
+        <p14:creationId xmlns:p14="http://schemas.microsoft.com/office/powerpoint/2010/main" val="3800201995"/>
+      </p:ext>
+    </p:extLst>
+  </p:cSld>
+  <p:clrMapOvr>
+    <a:masterClrMapping/>
+  </p:clrMapOvr>
+</p:sld>
+</file>
+
+<file path=ppt/slides/slide13.xml><?xml version="1.0" encoding="utf-8"?>
+<p:sld xmlns:a="http://schemas.openxmlformats.org/drawingml/2006/main" xmlns:r="http://schemas.openxmlformats.org/officeDocument/2006/relationships" xmlns:p="http://schemas.openxmlformats.org/presentationml/2006/main">
+  <p:cSld>
+    <p:spTree>
+      <p:nvGrpSpPr>
+        <p:cNvPr id="1" name="">
+          <a:extLst>
+            <a:ext uri="{FF2B5EF4-FFF2-40B4-BE49-F238E27FC236}">
+              <a16:creationId xmlns:a16="http://schemas.microsoft.com/office/drawing/2014/main" id="{C153AEE6-33AD-43DC-9C85-B8EEA9D5AB6F}"/>
+            </a:ext>
+          </a:extLst>
+        </p:cNvPr>
+        <p:cNvGrpSpPr/>
+        <p:nvPr/>
+      </p:nvGrpSpPr>
+      <p:grpSpPr>
+        <a:xfrm>
+          <a:off x="0" y="0"/>
+          <a:ext cx="0" cy="0"/>
+          <a:chOff x="0" y="0"/>
+          <a:chExt cx="0" cy="0"/>
+        </a:xfrm>
+      </p:grpSpPr>
+      <p:sp>
+        <p:nvSpPr>
+          <p:cNvPr id="2" name="Title 1">
+            <a:extLst>
+              <a:ext uri="{FF2B5EF4-FFF2-40B4-BE49-F238E27FC236}">
+                <a16:creationId xmlns:a16="http://schemas.microsoft.com/office/drawing/2014/main" id="{E8E1245E-7E94-04D3-3555-B0DB70135507}"/>
+              </a:ext>
+            </a:extLst>
+          </p:cNvPr>
+          <p:cNvSpPr>
+            <a:spLocks noGrp="1"/>
+          </p:cNvSpPr>
+          <p:nvPr>
+            <p:ph type="title"/>
+          </p:nvPr>
+        </p:nvSpPr>
+        <p:spPr/>
+        <p:txBody>
+          <a:bodyPr/>
+          <a:lstStyle/>
+          <a:p>
+            <a:r>
+              <a:rPr lang="en-US" dirty="0"/>
+              <a:t>Viscosity</a:t>
+            </a:r>
+          </a:p>
+        </p:txBody>
+      </p:sp>
+      <p:sp>
+        <p:nvSpPr>
+          <p:cNvPr id="3" name="Content Placeholder 2">
+            <a:extLst>
+              <a:ext uri="{FF2B5EF4-FFF2-40B4-BE49-F238E27FC236}">
+                <a16:creationId xmlns:a16="http://schemas.microsoft.com/office/drawing/2014/main" id="{10B880C5-86D3-26E6-8EFB-385EBCDFD721}"/>
+              </a:ext>
+            </a:extLst>
+          </p:cNvPr>
+          <p:cNvSpPr>
+            <a:spLocks noGrp="1"/>
+          </p:cNvSpPr>
+          <p:nvPr>
+            <p:ph idx="1"/>
+          </p:nvPr>
+        </p:nvSpPr>
+        <p:spPr/>
+        <p:txBody>
+          <a:bodyPr/>
+          <a:lstStyle/>
+          <a:p>
+            <a:r>
+              <a:rPr lang="en-US" sz="2000" dirty="0"/>
+              <a:t>If a liquid has strong intermolecular forces, the molecules will not move past each other but slowly. Adding an –OH group to ethanol (CH</a:t>
+            </a:r>
+            <a:r>
+              <a:rPr lang="en-US" sz="2000" baseline="-25000" dirty="0"/>
+              <a:t>3</a:t>
+            </a:r>
+            <a:r>
+              <a:rPr lang="en-US" sz="2000" dirty="0"/>
+              <a:t>CH</a:t>
+            </a:r>
+            <a:r>
+              <a:rPr lang="en-US" sz="2000" baseline="-25000" dirty="0"/>
+              <a:t>2</a:t>
+            </a:r>
+            <a:r>
+              <a:rPr lang="en-US" sz="2000" dirty="0"/>
+              <a:t>OH) to make ethylene glycol (HOCH</a:t>
+            </a:r>
+            <a:r>
+              <a:rPr lang="en-US" sz="2000" baseline="-25000" dirty="0"/>
+              <a:t>2</a:t>
+            </a:r>
+            <a:r>
+              <a:rPr lang="en-US" sz="2000" dirty="0"/>
+              <a:t>CH</a:t>
+            </a:r>
+            <a:r>
+              <a:rPr lang="en-US" sz="2000" baseline="-25000" dirty="0"/>
+              <a:t>2</a:t>
+            </a:r>
+            <a:r>
+              <a:rPr lang="en-US" sz="2000" dirty="0"/>
+              <a:t>OH) increases viscosity by 15 times</a:t>
+            </a:r>
+          </a:p>
+        </p:txBody>
+      </p:sp>
+      <p:sp>
+        <p:nvSpPr>
+          <p:cNvPr id="4" name="Slide Number Placeholder 3">
+            <a:extLst>
+              <a:ext uri="{FF2B5EF4-FFF2-40B4-BE49-F238E27FC236}">
+                <a16:creationId xmlns:a16="http://schemas.microsoft.com/office/drawing/2014/main" id="{4FE03DC0-49AC-D33B-50E4-852AFF3EAE48}"/>
+              </a:ext>
+            </a:extLst>
+          </p:cNvPr>
+          <p:cNvSpPr>
+            <a:spLocks noGrp="1"/>
+          </p:cNvSpPr>
+          <p:nvPr>
+            <p:ph type="sldNum" sz="quarter" idx="10"/>
+          </p:nvPr>
+        </p:nvSpPr>
+        <p:spPr/>
+        <p:txBody>
+          <a:bodyPr/>
+          <a:lstStyle/>
+          <a:p>
+            <a:fld id="{B434390E-5614-49FD-B636-0EE8DCB870C2}" type="slidenum">
+              <a:rPr lang="en-US" smtClean="0"/>
+              <a:pPr/>
+              <a:t>13</a:t>
+            </a:fld>
+            <a:endParaRPr lang="en-US" dirty="0"/>
+          </a:p>
+        </p:txBody>
+      </p:sp>
+      <p:pic>
+        <p:nvPicPr>
+          <p:cNvPr id="9" name="Picture 8">
+            <a:extLst>
+              <a:ext uri="{FF2B5EF4-FFF2-40B4-BE49-F238E27FC236}">
+                <a16:creationId xmlns:a16="http://schemas.microsoft.com/office/drawing/2014/main" id="{46065493-1217-0CE2-7070-4DD021CE31B3}"/>
+              </a:ext>
+            </a:extLst>
+          </p:cNvPr>
+          <p:cNvPicPr>
+            <a:picLocks noChangeAspect="1"/>
+          </p:cNvPicPr>
+          <p:nvPr/>
+        </p:nvPicPr>
+        <p:blipFill>
+          <a:blip r:embed="rId2"/>
+          <a:stretch>
+            <a:fillRect/>
+          </a:stretch>
+        </p:blipFill>
+        <p:spPr>
+          <a:xfrm>
+            <a:off x="1452282" y="3021874"/>
+            <a:ext cx="5916706" cy="3694736"/>
+          </a:xfrm>
+          <a:prstGeom prst="rect">
+            <a:avLst/>
+          </a:prstGeom>
+        </p:spPr>
+      </p:pic>
+    </p:spTree>
+    <p:extLst>
+      <p:ext uri="{BB962C8B-B14F-4D97-AF65-F5344CB8AC3E}">
+        <p14:creationId xmlns:p14="http://schemas.microsoft.com/office/powerpoint/2010/main" val="2002100364"/>
+      </p:ext>
+    </p:extLst>
+  </p:cSld>
+  <p:clrMapOvr>
+    <a:masterClrMapping/>
+  </p:clrMapOvr>
+</p:sld>
+</file>
+
+<file path=ppt/slides/slide14.xml><?xml version="1.0" encoding="utf-8"?>
+<p:sld xmlns:a="http://schemas.openxmlformats.org/drawingml/2006/main" xmlns:r="http://schemas.openxmlformats.org/officeDocument/2006/relationships" xmlns:p="http://schemas.openxmlformats.org/presentationml/2006/main">
+  <p:cSld>
+    <p:spTree>
+      <p:nvGrpSpPr>
+        <p:cNvPr id="1" name="">
+          <a:extLst>
+            <a:ext uri="{FF2B5EF4-FFF2-40B4-BE49-F238E27FC236}">
+              <a16:creationId xmlns:a16="http://schemas.microsoft.com/office/drawing/2014/main" id="{DBFB2987-D0E3-2DC7-BE4F-EDA8B9A00F51}"/>
+            </a:ext>
+          </a:extLst>
+        </p:cNvPr>
+        <p:cNvGrpSpPr/>
+        <p:nvPr/>
+      </p:nvGrpSpPr>
+      <p:grpSpPr>
+        <a:xfrm>
+          <a:off x="0" y="0"/>
+          <a:ext cx="0" cy="0"/>
+          <a:chOff x="0" y="0"/>
+          <a:chExt cx="0" cy="0"/>
+        </a:xfrm>
+      </p:grpSpPr>
+      <p:sp>
+        <p:nvSpPr>
+          <p:cNvPr id="2" name="Title 1">
+            <a:extLst>
+              <a:ext uri="{FF2B5EF4-FFF2-40B4-BE49-F238E27FC236}">
+                <a16:creationId xmlns:a16="http://schemas.microsoft.com/office/drawing/2014/main" id="{B82A3AD0-6EAF-4EF3-19A7-6562CFCC4D1F}"/>
+              </a:ext>
+            </a:extLst>
+          </p:cNvPr>
+          <p:cNvSpPr>
+            <a:spLocks noGrp="1"/>
+          </p:cNvSpPr>
+          <p:nvPr>
+            <p:ph type="title"/>
+          </p:nvPr>
+        </p:nvSpPr>
+        <p:spPr>
+          <a:xfrm>
+            <a:off x="338666" y="310445"/>
+            <a:ext cx="8421512" cy="830997"/>
+          </a:xfrm>
+        </p:spPr>
+        <p:txBody>
+          <a:bodyPr/>
+          <a:lstStyle/>
+          <a:p>
+            <a:r>
+              <a:rPr lang="en-US" dirty="0"/>
+              <a:t>Liquid Properties in Review</a:t>
+            </a:r>
+          </a:p>
+        </p:txBody>
+      </p:sp>
+      <p:sp>
+        <p:nvSpPr>
+          <p:cNvPr id="3" name="Content Placeholder 2">
+            <a:extLst>
+              <a:ext uri="{FF2B5EF4-FFF2-40B4-BE49-F238E27FC236}">
+                <a16:creationId xmlns:a16="http://schemas.microsoft.com/office/drawing/2014/main" id="{A110FDDF-0008-C787-BEE7-8A18D8F47604}"/>
+              </a:ext>
+            </a:extLst>
+          </p:cNvPr>
+          <p:cNvSpPr>
+            <a:spLocks noGrp="1"/>
+          </p:cNvSpPr>
+          <p:nvPr>
+            <p:ph idx="1"/>
+          </p:nvPr>
+        </p:nvSpPr>
+        <p:spPr>
+          <a:xfrm>
+            <a:off x="372533" y="1272988"/>
+            <a:ext cx="8387645" cy="5274567"/>
+          </a:xfrm>
+        </p:spPr>
+        <p:txBody>
+          <a:bodyPr/>
+          <a:lstStyle/>
+          <a:p>
+            <a:endParaRPr lang="en-US" dirty="0"/>
+          </a:p>
+        </p:txBody>
+      </p:sp>
+      <p:pic>
+        <p:nvPicPr>
+          <p:cNvPr id="6" name="Picture 5">
+            <a:extLst>
+              <a:ext uri="{FF2B5EF4-FFF2-40B4-BE49-F238E27FC236}">
+                <a16:creationId xmlns:a16="http://schemas.microsoft.com/office/drawing/2014/main" id="{9EFFB986-421D-BDAD-5859-68D7EA2E1869}"/>
+              </a:ext>
+            </a:extLst>
+          </p:cNvPr>
+          <p:cNvPicPr>
+            <a:picLocks noChangeAspect="1"/>
+          </p:cNvPicPr>
+          <p:nvPr/>
+        </p:nvPicPr>
+        <p:blipFill>
+          <a:blip r:embed="rId2"/>
+          <a:stretch>
+            <a:fillRect/>
+          </a:stretch>
+        </p:blipFill>
+        <p:spPr>
+          <a:xfrm>
+            <a:off x="695926" y="1857989"/>
+            <a:ext cx="7740857" cy="4449153"/>
+          </a:xfrm>
+          <a:prstGeom prst="rect">
+            <a:avLst/>
+          </a:prstGeom>
+        </p:spPr>
+      </p:pic>
+      <p:sp>
+        <p:nvSpPr>
+          <p:cNvPr id="7" name="Slide Number Placeholder 6">
+            <a:extLst>
+              <a:ext uri="{FF2B5EF4-FFF2-40B4-BE49-F238E27FC236}">
+                <a16:creationId xmlns:a16="http://schemas.microsoft.com/office/drawing/2014/main" id="{C64A10A5-4B3B-7047-FC34-FEDAA09DA2A3}"/>
+              </a:ext>
+            </a:extLst>
+          </p:cNvPr>
+          <p:cNvSpPr>
+            <a:spLocks noGrp="1"/>
+          </p:cNvSpPr>
+          <p:nvPr>
+            <p:ph type="sldNum" sz="quarter" idx="10"/>
+          </p:nvPr>
+        </p:nvSpPr>
+        <p:spPr/>
+        <p:txBody>
+          <a:bodyPr/>
+          <a:lstStyle/>
+          <a:p>
+            <a:fld id="{B434390E-5614-49FD-B636-0EE8DCB870C2}" type="slidenum">
+              <a:rPr lang="en-US" smtClean="0"/>
+              <a:pPr/>
+              <a:t>14</a:t>
+            </a:fld>
+            <a:endParaRPr lang="en-US" dirty="0"/>
+          </a:p>
+        </p:txBody>
+      </p:sp>
+    </p:spTree>
+    <p:extLst>
+      <p:ext uri="{BB962C8B-B14F-4D97-AF65-F5344CB8AC3E}">
+        <p14:creationId xmlns:p14="http://schemas.microsoft.com/office/powerpoint/2010/main" val="2830952135"/>
+      </p:ext>
+    </p:extLst>
+  </p:cSld>
+  <p:clrMapOvr>
+    <a:masterClrMapping/>
+  </p:clrMapOvr>
+</p:sld>
+</file>
+
+<file path=ppt/slides/slide15.xml><?xml version="1.0" encoding="utf-8"?>
+<p:sld xmlns:a="http://schemas.openxmlformats.org/drawingml/2006/main" xmlns:r="http://schemas.openxmlformats.org/officeDocument/2006/relationships" xmlns:p="http://schemas.openxmlformats.org/presentationml/2006/main">
+  <p:cSld>
+    <p:spTree>
+      <p:nvGrpSpPr>
+        <p:cNvPr id="1" name=""/>
+        <p:cNvGrpSpPr/>
+        <p:nvPr/>
+      </p:nvGrpSpPr>
+      <p:grpSpPr>
+        <a:xfrm>
+          <a:off x="0" y="0"/>
+          <a:ext cx="0" cy="0"/>
+          <a:chOff x="0" y="0"/>
+          <a:chExt cx="0" cy="0"/>
+        </a:xfrm>
+      </p:grpSpPr>
+      <p:sp>
+        <p:nvSpPr>
+          <p:cNvPr id="2" name="Title 1">
+            <a:extLst>
+              <a:ext uri="{FF2B5EF4-FFF2-40B4-BE49-F238E27FC236}">
+                <a16:creationId xmlns:a16="http://schemas.microsoft.com/office/drawing/2014/main" id="{B9C2640B-47F0-1DEC-82B8-B9CC67E1B5E8}"/>
+              </a:ext>
+            </a:extLst>
+          </p:cNvPr>
+          <p:cNvSpPr>
+            <a:spLocks noGrp="1"/>
+          </p:cNvSpPr>
+          <p:nvPr>
+            <p:ph type="title"/>
+          </p:nvPr>
+        </p:nvSpPr>
+        <p:spPr/>
+        <p:txBody>
+          <a:bodyPr/>
+          <a:lstStyle/>
+          <a:p>
+            <a:r>
+              <a:rPr lang="en-US" dirty="0"/>
+              <a:t>Crystalline Solid Classes</a:t>
+            </a:r>
+          </a:p>
+        </p:txBody>
+      </p:sp>
+      <p:sp>
+        <p:nvSpPr>
+          <p:cNvPr id="3" name="Content Placeholder 2">
+            <a:extLst>
+              <a:ext uri="{FF2B5EF4-FFF2-40B4-BE49-F238E27FC236}">
+                <a16:creationId xmlns:a16="http://schemas.microsoft.com/office/drawing/2014/main" id="{C7A057BA-8575-05EB-1794-60AEC2A3449E}"/>
+              </a:ext>
+            </a:extLst>
+          </p:cNvPr>
+          <p:cNvSpPr>
+            <a:spLocks noGrp="1"/>
+          </p:cNvSpPr>
+          <p:nvPr>
+            <p:ph idx="1"/>
+          </p:nvPr>
+        </p:nvSpPr>
+        <p:spPr/>
+        <p:txBody>
+          <a:bodyPr/>
+          <a:lstStyle/>
+          <a:p>
+            <a:r>
+              <a:rPr lang="en-US" dirty="0"/>
+              <a:t>Ionic</a:t>
+            </a:r>
+          </a:p>
+          <a:p>
+            <a:r>
+              <a:rPr lang="en-US" dirty="0"/>
+              <a:t>Metallic</a:t>
+            </a:r>
+          </a:p>
+          <a:p>
+            <a:r>
+              <a:rPr lang="en-US" dirty="0"/>
+              <a:t>Covalent Network</a:t>
+            </a:r>
+          </a:p>
+          <a:p>
+            <a:r>
+              <a:rPr lang="en-US" dirty="0"/>
+              <a:t>Molecular</a:t>
+            </a:r>
+          </a:p>
+        </p:txBody>
+      </p:sp>
+      <p:sp>
+        <p:nvSpPr>
+          <p:cNvPr id="4" name="Slide Number Placeholder 3">
+            <a:extLst>
+              <a:ext uri="{FF2B5EF4-FFF2-40B4-BE49-F238E27FC236}">
+                <a16:creationId xmlns:a16="http://schemas.microsoft.com/office/drawing/2014/main" id="{017B3247-3E4D-6020-0880-C9F1D8B23E27}"/>
+              </a:ext>
+            </a:extLst>
+          </p:cNvPr>
+          <p:cNvSpPr>
+            <a:spLocks noGrp="1"/>
+          </p:cNvSpPr>
+          <p:nvPr>
+            <p:ph type="sldNum" sz="quarter" idx="10"/>
+          </p:nvPr>
+        </p:nvSpPr>
+        <p:spPr/>
+        <p:txBody>
+          <a:bodyPr/>
+          <a:lstStyle/>
+          <a:p>
+            <a:fld id="{B434390E-5614-49FD-B636-0EE8DCB870C2}" type="slidenum">
+              <a:rPr lang="en-US" smtClean="0"/>
+              <a:pPr/>
+              <a:t>15</a:t>
+            </a:fld>
+            <a:endParaRPr lang="en-US" dirty="0"/>
+          </a:p>
+        </p:txBody>
+      </p:sp>
+    </p:spTree>
+    <p:extLst>
+      <p:ext uri="{BB962C8B-B14F-4D97-AF65-F5344CB8AC3E}">
+        <p14:creationId xmlns:p14="http://schemas.microsoft.com/office/powerpoint/2010/main" val="1531776802"/>
+      </p:ext>
+    </p:extLst>
+  </p:cSld>
+  <p:clrMapOvr>
+    <a:masterClrMapping/>
+  </p:clrMapOvr>
+</p:sld>
+</file>
+
+<file path=ppt/slides/slide16.xml><?xml version="1.0" encoding="utf-8"?>
+<p:sld xmlns:a="http://schemas.openxmlformats.org/drawingml/2006/main" xmlns:r="http://schemas.openxmlformats.org/officeDocument/2006/relationships" xmlns:p="http://schemas.openxmlformats.org/presentationml/2006/main">
+  <p:cSld>
+    <p:spTree>
+      <p:nvGrpSpPr>
+        <p:cNvPr id="1" name=""/>
+        <p:cNvGrpSpPr/>
+        <p:nvPr/>
+      </p:nvGrpSpPr>
+      <p:grpSpPr>
+        <a:xfrm>
+          <a:off x="0" y="0"/>
+          <a:ext cx="0" cy="0"/>
+          <a:chOff x="0" y="0"/>
+          <a:chExt cx="0" cy="0"/>
+        </a:xfrm>
+      </p:grpSpPr>
+      <p:sp>
+        <p:nvSpPr>
+          <p:cNvPr id="2" name="Title 1">
+            <a:extLst>
+              <a:ext uri="{FF2B5EF4-FFF2-40B4-BE49-F238E27FC236}">
+                <a16:creationId xmlns:a16="http://schemas.microsoft.com/office/drawing/2014/main" id="{6C6EF278-0B78-20F3-1C32-7E883331388E}"/>
+              </a:ext>
+            </a:extLst>
+          </p:cNvPr>
+          <p:cNvSpPr>
+            <a:spLocks noGrp="1"/>
+          </p:cNvSpPr>
+          <p:nvPr>
+            <p:ph type="title"/>
+          </p:nvPr>
+        </p:nvSpPr>
+        <p:spPr>
+          <a:xfrm>
+            <a:off x="349955" y="394566"/>
+            <a:ext cx="8421512" cy="769441"/>
+          </a:xfrm>
+        </p:spPr>
+        <p:txBody>
+          <a:bodyPr/>
+          <a:lstStyle/>
+          <a:p>
+            <a:r>
+              <a:rPr lang="en-US" sz="4400" dirty="0"/>
+              <a:t>LAW of Conservation of Energy</a:t>
+            </a:r>
+          </a:p>
+        </p:txBody>
+      </p:sp>
+      <p:sp>
+        <p:nvSpPr>
+          <p:cNvPr id="3" name="Content Placeholder 2">
+            <a:extLst>
+              <a:ext uri="{FF2B5EF4-FFF2-40B4-BE49-F238E27FC236}">
+                <a16:creationId xmlns:a16="http://schemas.microsoft.com/office/drawing/2014/main" id="{5CD1001B-BA36-3610-32EC-DA7E2F68D37E}"/>
+              </a:ext>
+            </a:extLst>
+          </p:cNvPr>
+          <p:cNvSpPr>
+            <a:spLocks noGrp="1"/>
+          </p:cNvSpPr>
+          <p:nvPr>
+            <p:ph idx="1"/>
+          </p:nvPr>
+        </p:nvSpPr>
+        <p:spPr/>
+        <p:txBody>
+          <a:bodyPr/>
+          <a:lstStyle/>
+          <a:p>
+            <a:r>
+              <a:rPr lang="en-US" dirty="0"/>
+              <a:t>Exothermic</a:t>
+            </a:r>
+          </a:p>
+          <a:p>
+            <a:r>
+              <a:rPr lang="en-US" dirty="0"/>
+              <a:t>Endothermic</a:t>
+            </a:r>
+          </a:p>
+          <a:p>
+            <a:endParaRPr lang="en-US" dirty="0"/>
+          </a:p>
+        </p:txBody>
+      </p:sp>
+      <p:sp>
+        <p:nvSpPr>
+          <p:cNvPr id="4" name="Slide Number Placeholder 3">
+            <a:extLst>
+              <a:ext uri="{FF2B5EF4-FFF2-40B4-BE49-F238E27FC236}">
+                <a16:creationId xmlns:a16="http://schemas.microsoft.com/office/drawing/2014/main" id="{70C183F8-F398-088C-D0F6-F2FBDD339582}"/>
+              </a:ext>
+            </a:extLst>
+          </p:cNvPr>
+          <p:cNvSpPr>
+            <a:spLocks noGrp="1"/>
+          </p:cNvSpPr>
+          <p:nvPr>
+            <p:ph type="sldNum" sz="quarter" idx="10"/>
+          </p:nvPr>
+        </p:nvSpPr>
+        <p:spPr/>
+        <p:txBody>
+          <a:bodyPr/>
+          <a:lstStyle/>
+          <a:p>
+            <a:fld id="{B434390E-5614-49FD-B636-0EE8DCB870C2}" type="slidenum">
+              <a:rPr lang="en-US" smtClean="0"/>
+              <a:pPr/>
+              <a:t>16</a:t>
+            </a:fld>
+            <a:endParaRPr lang="en-US" dirty="0"/>
+          </a:p>
+        </p:txBody>
+      </p:sp>
+    </p:spTree>
+    <p:extLst>
+      <p:ext uri="{BB962C8B-B14F-4D97-AF65-F5344CB8AC3E}">
+        <p14:creationId xmlns:p14="http://schemas.microsoft.com/office/powerpoint/2010/main" val="3530750774"/>
+      </p:ext>
+    </p:extLst>
+  </p:cSld>
+  <p:clrMapOvr>
+    <a:masterClrMapping/>
+  </p:clrMapOvr>
+</p:sld>
+</file>
+
+<file path=ppt/slides/slide17.xml><?xml version="1.0" encoding="utf-8"?>
+<p:sld xmlns:a="http://schemas.openxmlformats.org/drawingml/2006/main" xmlns:r="http://schemas.openxmlformats.org/officeDocument/2006/relationships" xmlns:p="http://schemas.openxmlformats.org/presentationml/2006/main">
+  <p:cSld>
+    <p:spTree>
+      <p:nvGrpSpPr>
+        <p:cNvPr id="1" name=""/>
+        <p:cNvGrpSpPr/>
+        <p:nvPr/>
+      </p:nvGrpSpPr>
+      <p:grpSpPr>
+        <a:xfrm>
+          <a:off x="0" y="0"/>
+          <a:ext cx="0" cy="0"/>
+          <a:chOff x="0" y="0"/>
+          <a:chExt cx="0" cy="0"/>
+        </a:xfrm>
+      </p:grpSpPr>
+      <p:sp>
+        <p:nvSpPr>
+          <p:cNvPr id="2" name="Title 1">
+            <a:extLst>
+              <a:ext uri="{FF2B5EF4-FFF2-40B4-BE49-F238E27FC236}">
+                <a16:creationId xmlns:a16="http://schemas.microsoft.com/office/drawing/2014/main" id="{17E81964-9C7F-AFB8-9BF6-3D127A705423}"/>
+              </a:ext>
+            </a:extLst>
+          </p:cNvPr>
+          <p:cNvSpPr>
+            <a:spLocks noGrp="1"/>
+          </p:cNvSpPr>
+          <p:nvPr>
+            <p:ph type="title"/>
+          </p:nvPr>
+        </p:nvSpPr>
+        <p:spPr/>
+        <p:txBody>
+          <a:bodyPr/>
+          <a:lstStyle/>
+          <a:p>
+            <a:r>
+              <a:rPr lang="en-US" dirty="0"/>
+              <a:t>Energy: Heat &amp; Work</a:t>
+            </a:r>
+          </a:p>
+        </p:txBody>
+      </p:sp>
+      <p:sp>
+        <p:nvSpPr>
+          <p:cNvPr id="3" name="Content Placeholder 2">
+            <a:extLst>
+              <a:ext uri="{FF2B5EF4-FFF2-40B4-BE49-F238E27FC236}">
+                <a16:creationId xmlns:a16="http://schemas.microsoft.com/office/drawing/2014/main" id="{88F2E7C4-CE10-A6EA-5A0A-004DAA22E05B}"/>
+              </a:ext>
+            </a:extLst>
+          </p:cNvPr>
+          <p:cNvSpPr>
+            <a:spLocks noGrp="1"/>
+          </p:cNvSpPr>
+          <p:nvPr>
+            <p:ph idx="1"/>
+          </p:nvPr>
+        </p:nvSpPr>
+        <p:spPr/>
+        <p:txBody>
+          <a:bodyPr/>
+          <a:lstStyle/>
+          <a:p>
+            <a:r>
+              <a:rPr lang="en-US" dirty="0"/>
+              <a:t>Kinetic Energy</a:t>
+            </a:r>
+          </a:p>
+          <a:p>
+            <a:r>
+              <a:rPr lang="en-US" dirty="0"/>
+              <a:t>Potential Energy</a:t>
+            </a:r>
+          </a:p>
+          <a:p>
+            <a:r>
+              <a:rPr lang="en-US" dirty="0"/>
+              <a:t>Chemical Energy</a:t>
+            </a:r>
+          </a:p>
+          <a:p>
+            <a:r>
+              <a:rPr lang="en-US" dirty="0"/>
+              <a:t>Measuring Energy</a:t>
+            </a:r>
+          </a:p>
+        </p:txBody>
+      </p:sp>
+      <p:sp>
+        <p:nvSpPr>
+          <p:cNvPr id="4" name="Slide Number Placeholder 3">
+            <a:extLst>
+              <a:ext uri="{FF2B5EF4-FFF2-40B4-BE49-F238E27FC236}">
+                <a16:creationId xmlns:a16="http://schemas.microsoft.com/office/drawing/2014/main" id="{F9391FE0-E77E-4986-187C-7B59A217DCD8}"/>
+              </a:ext>
+            </a:extLst>
+          </p:cNvPr>
+          <p:cNvSpPr>
+            <a:spLocks noGrp="1"/>
+          </p:cNvSpPr>
+          <p:nvPr>
+            <p:ph type="sldNum" sz="quarter" idx="10"/>
+          </p:nvPr>
+        </p:nvSpPr>
+        <p:spPr/>
+        <p:txBody>
+          <a:bodyPr/>
+          <a:lstStyle/>
+          <a:p>
+            <a:fld id="{B434390E-5614-49FD-B636-0EE8DCB870C2}" type="slidenum">
+              <a:rPr lang="en-US" smtClean="0"/>
+              <a:pPr/>
+              <a:t>17</a:t>
+            </a:fld>
+            <a:endParaRPr lang="en-US" dirty="0"/>
+          </a:p>
+        </p:txBody>
+      </p:sp>
+    </p:spTree>
+    <p:extLst>
+      <p:ext uri="{BB962C8B-B14F-4D97-AF65-F5344CB8AC3E}">
+        <p14:creationId xmlns:p14="http://schemas.microsoft.com/office/powerpoint/2010/main" val="644269312"/>
+      </p:ext>
+    </p:extLst>
+  </p:cSld>
+  <p:clrMapOvr>
+    <a:masterClrMapping/>
+  </p:clrMapOvr>
+</p:sld>
+</file>
+
+<file path=ppt/slides/slide18.xml><?xml version="1.0" encoding="utf-8"?>
+<p:sld xmlns:a="http://schemas.openxmlformats.org/drawingml/2006/main" xmlns:r="http://schemas.openxmlformats.org/officeDocument/2006/relationships" xmlns:p="http://schemas.openxmlformats.org/presentationml/2006/main">
+  <p:cSld>
+    <p:spTree>
+      <p:nvGrpSpPr>
+        <p:cNvPr id="1" name="">
+          <a:extLst>
+            <a:ext uri="{FF2B5EF4-FFF2-40B4-BE49-F238E27FC236}">
+              <a16:creationId xmlns:a16="http://schemas.microsoft.com/office/drawing/2014/main" id="{0A255D0D-D0AF-3D41-B23B-C6A60239FDC3}"/>
+            </a:ext>
+          </a:extLst>
+        </p:cNvPr>
+        <p:cNvGrpSpPr/>
+        <p:nvPr/>
+      </p:nvGrpSpPr>
+      <p:grpSpPr>
+        <a:xfrm>
+          <a:off x="0" y="0"/>
+          <a:ext cx="0" cy="0"/>
+          <a:chOff x="0" y="0"/>
+          <a:chExt cx="0" cy="0"/>
+        </a:xfrm>
+      </p:grpSpPr>
+      <p:sp>
+        <p:nvSpPr>
+          <p:cNvPr id="2" name="Title 1">
+            <a:extLst>
+              <a:ext uri="{FF2B5EF4-FFF2-40B4-BE49-F238E27FC236}">
+                <a16:creationId xmlns:a16="http://schemas.microsoft.com/office/drawing/2014/main" id="{881D4A03-6DB3-380B-4CBD-C5801457B578}"/>
+              </a:ext>
+            </a:extLst>
+          </p:cNvPr>
+          <p:cNvSpPr>
+            <a:spLocks noGrp="1"/>
+          </p:cNvSpPr>
+          <p:nvPr>
+            <p:ph type="title"/>
+          </p:nvPr>
+        </p:nvSpPr>
+        <p:spPr/>
+        <p:txBody>
+          <a:bodyPr/>
+          <a:lstStyle/>
+          <a:p>
+            <a:r>
+              <a:rPr lang="en-US" dirty="0"/>
+              <a:t>Calculations of Heat &amp; Energy</a:t>
+            </a:r>
+          </a:p>
+        </p:txBody>
+      </p:sp>
+      <p:sp>
+        <p:nvSpPr>
+          <p:cNvPr id="3" name="Content Placeholder 2">
+            <a:extLst>
+              <a:ext uri="{FF2B5EF4-FFF2-40B4-BE49-F238E27FC236}">
+                <a16:creationId xmlns:a16="http://schemas.microsoft.com/office/drawing/2014/main" id="{31F3FE83-4FA4-F198-FF6C-B4BC7834B144}"/>
+              </a:ext>
+            </a:extLst>
+          </p:cNvPr>
+          <p:cNvSpPr>
+            <a:spLocks noGrp="1"/>
+          </p:cNvSpPr>
+          <p:nvPr>
+            <p:ph idx="1"/>
+          </p:nvPr>
+        </p:nvSpPr>
+        <p:spPr/>
+        <p:txBody>
+          <a:bodyPr/>
+          <a:lstStyle/>
+          <a:p>
+            <a:r>
+              <a:rPr lang="en-US" dirty="0"/>
+              <a:t>Kinetic Energy</a:t>
+            </a:r>
+          </a:p>
+          <a:p>
+            <a:r>
+              <a:rPr lang="en-US" dirty="0"/>
+              <a:t>Potential Energy</a:t>
+            </a:r>
+          </a:p>
+          <a:p>
+            <a:r>
+              <a:rPr lang="en-US" dirty="0"/>
+              <a:t>Chemical Energy</a:t>
+            </a:r>
+          </a:p>
+          <a:p>
+            <a:r>
+              <a:rPr lang="en-US" dirty="0"/>
+              <a:t>Measuring Energy</a:t>
+            </a:r>
+          </a:p>
+        </p:txBody>
+      </p:sp>
+      <p:sp>
+        <p:nvSpPr>
+          <p:cNvPr id="4" name="Slide Number Placeholder 3">
+            <a:extLst>
+              <a:ext uri="{FF2B5EF4-FFF2-40B4-BE49-F238E27FC236}">
+                <a16:creationId xmlns:a16="http://schemas.microsoft.com/office/drawing/2014/main" id="{6FF267C4-204A-792A-5EDE-6BDF558AE969}"/>
+              </a:ext>
+            </a:extLst>
+          </p:cNvPr>
+          <p:cNvSpPr>
+            <a:spLocks noGrp="1"/>
+          </p:cNvSpPr>
+          <p:nvPr>
+            <p:ph type="sldNum" sz="quarter" idx="10"/>
+          </p:nvPr>
+        </p:nvSpPr>
+        <p:spPr/>
+        <p:txBody>
+          <a:bodyPr/>
+          <a:lstStyle/>
+          <a:p>
+            <a:fld id="{B434390E-5614-49FD-B636-0EE8DCB870C2}" type="slidenum">
+              <a:rPr lang="en-US" smtClean="0"/>
+              <a:pPr/>
+              <a:t>18</a:t>
+            </a:fld>
+            <a:endParaRPr lang="en-US" dirty="0"/>
+          </a:p>
+        </p:txBody>
+      </p:sp>
+    </p:spTree>
+    <p:extLst>
+      <p:ext uri="{BB962C8B-B14F-4D97-AF65-F5344CB8AC3E}">
+        <p14:creationId xmlns:p14="http://schemas.microsoft.com/office/powerpoint/2010/main" val="1710178439"/>
+      </p:ext>
+    </p:extLst>
+  </p:cSld>
+  <p:clrMapOvr>
+    <a:masterClrMapping/>
+  </p:clrMapOvr>
+</p:sld>
+</file>
+
+<file path=ppt/slides/slide19.xml><?xml version="1.0" encoding="utf-8"?>
+<p:sld xmlns:a="http://schemas.openxmlformats.org/drawingml/2006/main" xmlns:r="http://schemas.openxmlformats.org/officeDocument/2006/relationships" xmlns:p="http://schemas.openxmlformats.org/presentationml/2006/main">
+  <p:cSld>
+    <p:spTree>
+      <p:nvGrpSpPr>
+        <p:cNvPr id="1" name="">
+          <a:extLst>
+            <a:ext uri="{FF2B5EF4-FFF2-40B4-BE49-F238E27FC236}">
               <a16:creationId xmlns:a16="http://schemas.microsoft.com/office/drawing/2014/main" id="{10D13ACF-5D38-94B0-6BC0-2F339A421736}"/>
             </a:ext>
           </a:extLst>
@@ -9997,42 +11540,12 @@
           </a:p>
         </p:txBody>
       </p:sp>
-    </p:spTree>
-    <p:extLst>
-      <p:ext uri="{BB962C8B-B14F-4D97-AF65-F5344CB8AC3E}">
-        <p14:creationId xmlns:p14="http://schemas.microsoft.com/office/powerpoint/2010/main" val="3227098613"/>
-      </p:ext>
-    </p:extLst>
-  </p:cSld>
-  <p:clrMapOvr>
-    <a:masterClrMapping/>
-  </p:clrMapOvr>
-</p:sld>
-</file>
-
-<file path=ppt/slides/slide11.xml><?xml version="1.0" encoding="utf-8"?>
-<p:sld xmlns:a="http://schemas.openxmlformats.org/drawingml/2006/main" xmlns:r="http://schemas.openxmlformats.org/officeDocument/2006/relationships" xmlns:p="http://schemas.openxmlformats.org/presentationml/2006/main">
-  <p:cSld>
-    <p:spTree>
-      <p:nvGrpSpPr>
-        <p:cNvPr id="1" name=""/>
-        <p:cNvGrpSpPr/>
-        <p:nvPr/>
-      </p:nvGrpSpPr>
-      <p:grpSpPr>
-        <a:xfrm>
-          <a:off x="0" y="0"/>
-          <a:ext cx="0" cy="0"/>
-          <a:chOff x="0" y="0"/>
-          <a:chExt cx="0" cy="0"/>
-        </a:xfrm>
-      </p:grpSpPr>
       <p:sp>
         <p:nvSpPr>
-          <p:cNvPr id="2" name="Title 1">
+          <p:cNvPr id="4" name="Slide Number Placeholder 3">
             <a:extLst>
               <a:ext uri="{FF2B5EF4-FFF2-40B4-BE49-F238E27FC236}">
-                <a16:creationId xmlns:a16="http://schemas.microsoft.com/office/drawing/2014/main" id="{ADC7B93C-53A6-311C-5C93-BD02B926B171}"/>
+                <a16:creationId xmlns:a16="http://schemas.microsoft.com/office/drawing/2014/main" id="{87DEEE98-9DE3-6789-E927-5FFED780FB69}"/>
               </a:ext>
             </a:extLst>
           </p:cNvPr>
@@ -10040,7 +11553,7 @@
             <a:spLocks noGrp="1"/>
           </p:cNvSpPr>
           <p:nvPr>
-            <p:ph type="title"/>
+            <p:ph type="sldNum" sz="quarter" idx="10"/>
           </p:nvPr>
         </p:nvSpPr>
         <p:spPr/>
@@ -10048,535 +11561,19 @@
           <a:bodyPr/>
           <a:lstStyle/>
           <a:p>
-            <a:r>
-              <a:rPr lang="en-US" dirty="0"/>
-              <a:t>Specific Heat</a:t>
-            </a:r>
-          </a:p>
-        </p:txBody>
-      </p:sp>
-      <p:sp>
-        <p:nvSpPr>
-          <p:cNvPr id="3" name="Content Placeholder 2">
-            <a:extLst>
-              <a:ext uri="{FF2B5EF4-FFF2-40B4-BE49-F238E27FC236}">
-                <a16:creationId xmlns:a16="http://schemas.microsoft.com/office/drawing/2014/main" id="{7C5904C2-8E7D-776E-9E06-11E560C2849A}"/>
-              </a:ext>
-            </a:extLst>
-          </p:cNvPr>
-          <p:cNvSpPr>
-            <a:spLocks noGrp="1"/>
-          </p:cNvSpPr>
-          <p:nvPr>
-            <p:ph idx="1"/>
-          </p:nvPr>
-        </p:nvSpPr>
-        <p:spPr/>
-        <p:txBody>
-          <a:bodyPr/>
-          <a:lstStyle/>
-          <a:p>
-            <a:endParaRPr lang="en-US"/>
+            <a:fld id="{B434390E-5614-49FD-B636-0EE8DCB870C2}" type="slidenum">
+              <a:rPr lang="en-US" smtClean="0"/>
+              <a:pPr/>
+              <a:t>19</a:t>
+            </a:fld>
+            <a:endParaRPr lang="en-US" dirty="0"/>
           </a:p>
         </p:txBody>
       </p:sp>
     </p:spTree>
     <p:extLst>
       <p:ext uri="{BB962C8B-B14F-4D97-AF65-F5344CB8AC3E}">
-        <p14:creationId xmlns:p14="http://schemas.microsoft.com/office/powerpoint/2010/main" val="4023711609"/>
-      </p:ext>
-    </p:extLst>
-  </p:cSld>
-  <p:clrMapOvr>
-    <a:masterClrMapping/>
-  </p:clrMapOvr>
-</p:sld>
-</file>
-
-<file path=ppt/slides/slide12.xml><?xml version="1.0" encoding="utf-8"?>
-<p:sld xmlns:a="http://schemas.openxmlformats.org/drawingml/2006/main" xmlns:r="http://schemas.openxmlformats.org/officeDocument/2006/relationships" xmlns:p="http://schemas.openxmlformats.org/presentationml/2006/main">
-  <p:cSld>
-    <p:spTree>
-      <p:nvGrpSpPr>
-        <p:cNvPr id="1" name=""/>
-        <p:cNvGrpSpPr/>
-        <p:nvPr/>
-      </p:nvGrpSpPr>
-      <p:grpSpPr>
-        <a:xfrm>
-          <a:off x="0" y="0"/>
-          <a:ext cx="0" cy="0"/>
-          <a:chOff x="0" y="0"/>
-          <a:chExt cx="0" cy="0"/>
-        </a:xfrm>
-      </p:grpSpPr>
-      <p:sp>
-        <p:nvSpPr>
-          <p:cNvPr id="2" name="Title 1">
-            <a:extLst>
-              <a:ext uri="{FF2B5EF4-FFF2-40B4-BE49-F238E27FC236}">
-                <a16:creationId xmlns:a16="http://schemas.microsoft.com/office/drawing/2014/main" id="{E45C40D7-CCC5-44B3-06EB-46855DAD8F5F}"/>
-              </a:ext>
-            </a:extLst>
-          </p:cNvPr>
-          <p:cNvSpPr>
-            <a:spLocks noGrp="1"/>
-          </p:cNvSpPr>
-          <p:nvPr>
-            <p:ph type="title"/>
-          </p:nvPr>
-        </p:nvSpPr>
-        <p:spPr/>
-        <p:txBody>
-          <a:bodyPr/>
-          <a:lstStyle/>
-          <a:p>
-            <a:r>
-              <a:rPr lang="en-US" dirty="0"/>
-              <a:t>Phase Transitions</a:t>
-            </a:r>
-          </a:p>
-        </p:txBody>
-      </p:sp>
-      <p:sp>
-        <p:nvSpPr>
-          <p:cNvPr id="3" name="Content Placeholder 2">
-            <a:extLst>
-              <a:ext uri="{FF2B5EF4-FFF2-40B4-BE49-F238E27FC236}">
-                <a16:creationId xmlns:a16="http://schemas.microsoft.com/office/drawing/2014/main" id="{CA57AC60-E6A2-BCC7-0ED9-3103CFA403CE}"/>
-              </a:ext>
-            </a:extLst>
-          </p:cNvPr>
-          <p:cNvSpPr>
-            <a:spLocks noGrp="1"/>
-          </p:cNvSpPr>
-          <p:nvPr>
-            <p:ph idx="1"/>
-          </p:nvPr>
-        </p:nvSpPr>
-        <p:spPr/>
-        <p:txBody>
-          <a:bodyPr/>
-          <a:lstStyle/>
-          <a:p>
-            <a:r>
-              <a:rPr lang="en-US" dirty="0"/>
-              <a:t>Melting</a:t>
-            </a:r>
-          </a:p>
-          <a:p>
-            <a:r>
-              <a:rPr lang="en-US" dirty="0"/>
-              <a:t>Freezing</a:t>
-            </a:r>
-          </a:p>
-          <a:p>
-            <a:r>
-              <a:rPr lang="en-US" dirty="0"/>
-              <a:t>Boiling/Vaporization</a:t>
-            </a:r>
-          </a:p>
-          <a:p>
-            <a:r>
-              <a:rPr lang="en-US" dirty="0"/>
-              <a:t>Condensation</a:t>
-            </a:r>
-          </a:p>
-          <a:p>
-            <a:r>
-              <a:rPr lang="en-US" dirty="0"/>
-              <a:t>Evaporation</a:t>
-            </a:r>
-          </a:p>
-          <a:p>
-            <a:r>
-              <a:rPr lang="en-US" dirty="0"/>
-              <a:t>Sublimation</a:t>
-            </a:r>
-          </a:p>
-        </p:txBody>
-      </p:sp>
-    </p:spTree>
-    <p:extLst>
-      <p:ext uri="{BB962C8B-B14F-4D97-AF65-F5344CB8AC3E}">
-        <p14:creationId xmlns:p14="http://schemas.microsoft.com/office/powerpoint/2010/main" val="3562721100"/>
-      </p:ext>
-    </p:extLst>
-  </p:cSld>
-  <p:clrMapOvr>
-    <a:masterClrMapping/>
-  </p:clrMapOvr>
-</p:sld>
-</file>
-
-<file path=ppt/slides/slide13.xml><?xml version="1.0" encoding="utf-8"?>
-<p:sld xmlns:a="http://schemas.openxmlformats.org/drawingml/2006/main" xmlns:r="http://schemas.openxmlformats.org/officeDocument/2006/relationships" xmlns:p="http://schemas.openxmlformats.org/presentationml/2006/main">
-  <p:cSld>
-    <p:spTree>
-      <p:nvGrpSpPr>
-        <p:cNvPr id="1" name="">
-          <a:extLst>
-            <a:ext uri="{FF2B5EF4-FFF2-40B4-BE49-F238E27FC236}">
-              <a16:creationId xmlns:a16="http://schemas.microsoft.com/office/drawing/2014/main" id="{A9F8311B-304C-EEDC-BD9F-DE89724E73C6}"/>
-            </a:ext>
-          </a:extLst>
-        </p:cNvPr>
-        <p:cNvGrpSpPr/>
-        <p:nvPr/>
-      </p:nvGrpSpPr>
-      <p:grpSpPr>
-        <a:xfrm>
-          <a:off x="0" y="0"/>
-          <a:ext cx="0" cy="0"/>
-          <a:chOff x="0" y="0"/>
-          <a:chExt cx="0" cy="0"/>
-        </a:xfrm>
-      </p:grpSpPr>
-      <p:sp>
-        <p:nvSpPr>
-          <p:cNvPr id="2" name="Title 1">
-            <a:extLst>
-              <a:ext uri="{FF2B5EF4-FFF2-40B4-BE49-F238E27FC236}">
-                <a16:creationId xmlns:a16="http://schemas.microsoft.com/office/drawing/2014/main" id="{E9F93641-4870-A3A8-CCBE-A257610B5B2C}"/>
-              </a:ext>
-            </a:extLst>
-          </p:cNvPr>
-          <p:cNvSpPr>
-            <a:spLocks noGrp="1"/>
-          </p:cNvSpPr>
-          <p:nvPr>
-            <p:ph type="title"/>
-          </p:nvPr>
-        </p:nvSpPr>
-        <p:spPr/>
-        <p:txBody>
-          <a:bodyPr/>
-          <a:lstStyle/>
-          <a:p>
-            <a:r>
-              <a:rPr lang="en-US" dirty="0"/>
-              <a:t>Melting/Freezing/Sublimation</a:t>
-            </a:r>
-          </a:p>
-        </p:txBody>
-      </p:sp>
-      <p:sp>
-        <p:nvSpPr>
-          <p:cNvPr id="3" name="Content Placeholder 2">
-            <a:extLst>
-              <a:ext uri="{FF2B5EF4-FFF2-40B4-BE49-F238E27FC236}">
-                <a16:creationId xmlns:a16="http://schemas.microsoft.com/office/drawing/2014/main" id="{061CBFEC-B85F-2D46-1151-E22BE809EC08}"/>
-              </a:ext>
-            </a:extLst>
-          </p:cNvPr>
-          <p:cNvSpPr>
-            <a:spLocks noGrp="1"/>
-          </p:cNvSpPr>
-          <p:nvPr>
-            <p:ph idx="1"/>
-          </p:nvPr>
-        </p:nvSpPr>
-        <p:spPr/>
-        <p:txBody>
-          <a:bodyPr/>
-          <a:lstStyle/>
-          <a:p>
-            <a:r>
-              <a:rPr lang="en-US" dirty="0"/>
-              <a:t>Melting Point</a:t>
-            </a:r>
-          </a:p>
-          <a:p>
-            <a:r>
-              <a:rPr lang="en-US" dirty="0"/>
-              <a:t>Sublimation/Deposition</a:t>
-            </a:r>
-          </a:p>
-        </p:txBody>
-      </p:sp>
-    </p:spTree>
-    <p:extLst>
-      <p:ext uri="{BB962C8B-B14F-4D97-AF65-F5344CB8AC3E}">
-        <p14:creationId xmlns:p14="http://schemas.microsoft.com/office/powerpoint/2010/main" val="3883884069"/>
-      </p:ext>
-    </p:extLst>
-  </p:cSld>
-  <p:clrMapOvr>
-    <a:masterClrMapping/>
-  </p:clrMapOvr>
-</p:sld>
-</file>
-
-<file path=ppt/slides/slide14.xml><?xml version="1.0" encoding="utf-8"?>
-<p:sld xmlns:a="http://schemas.openxmlformats.org/drawingml/2006/main" xmlns:r="http://schemas.openxmlformats.org/officeDocument/2006/relationships" xmlns:p="http://schemas.openxmlformats.org/presentationml/2006/main">
-  <p:cSld>
-    <p:spTree>
-      <p:nvGrpSpPr>
-        <p:cNvPr id="1" name="">
-          <a:extLst>
-            <a:ext uri="{FF2B5EF4-FFF2-40B4-BE49-F238E27FC236}">
-              <a16:creationId xmlns:a16="http://schemas.microsoft.com/office/drawing/2014/main" id="{8416C0CD-A05C-D4BD-0CD2-2A5B0236F9AA}"/>
-            </a:ext>
-          </a:extLst>
-        </p:cNvPr>
-        <p:cNvGrpSpPr/>
-        <p:nvPr/>
-      </p:nvGrpSpPr>
-      <p:grpSpPr>
-        <a:xfrm>
-          <a:off x="0" y="0"/>
-          <a:ext cx="0" cy="0"/>
-          <a:chOff x="0" y="0"/>
-          <a:chExt cx="0" cy="0"/>
-        </a:xfrm>
-      </p:grpSpPr>
-      <p:sp>
-        <p:nvSpPr>
-          <p:cNvPr id="2" name="Title 1">
-            <a:extLst>
-              <a:ext uri="{FF2B5EF4-FFF2-40B4-BE49-F238E27FC236}">
-                <a16:creationId xmlns:a16="http://schemas.microsoft.com/office/drawing/2014/main" id="{D0D7156C-2517-D35B-448B-EA699F4341EC}"/>
-              </a:ext>
-            </a:extLst>
-          </p:cNvPr>
-          <p:cNvSpPr>
-            <a:spLocks noGrp="1"/>
-          </p:cNvSpPr>
-          <p:nvPr>
-            <p:ph type="title"/>
-          </p:nvPr>
-        </p:nvSpPr>
-        <p:spPr>
-          <a:xfrm>
-            <a:off x="349955" y="425344"/>
-            <a:ext cx="8421512" cy="707886"/>
-          </a:xfrm>
-        </p:spPr>
-        <p:txBody>
-          <a:bodyPr/>
-          <a:lstStyle/>
-          <a:p>
-            <a:r>
-              <a:rPr lang="en-US" sz="4000" dirty="0"/>
-              <a:t>Boiling/Evaporation/Condensation</a:t>
-            </a:r>
-          </a:p>
-        </p:txBody>
-      </p:sp>
-      <p:sp>
-        <p:nvSpPr>
-          <p:cNvPr id="3" name="Content Placeholder 2">
-            <a:extLst>
-              <a:ext uri="{FF2B5EF4-FFF2-40B4-BE49-F238E27FC236}">
-                <a16:creationId xmlns:a16="http://schemas.microsoft.com/office/drawing/2014/main" id="{DF8AE251-08D9-ACA3-3552-0AD24D597164}"/>
-              </a:ext>
-            </a:extLst>
-          </p:cNvPr>
-          <p:cNvSpPr>
-            <a:spLocks noGrp="1"/>
-          </p:cNvSpPr>
-          <p:nvPr>
-            <p:ph idx="1"/>
-          </p:nvPr>
-        </p:nvSpPr>
-        <p:spPr/>
-        <p:txBody>
-          <a:bodyPr/>
-          <a:lstStyle/>
-          <a:p>
-            <a:r>
-              <a:rPr lang="en-US" dirty="0"/>
-              <a:t>Boiling Point</a:t>
-            </a:r>
-          </a:p>
-          <a:p>
-            <a:r>
-              <a:rPr lang="en-US" dirty="0"/>
-              <a:t>Sublimation/Deposition</a:t>
-            </a:r>
-          </a:p>
-        </p:txBody>
-      </p:sp>
-    </p:spTree>
-    <p:extLst>
-      <p:ext uri="{BB962C8B-B14F-4D97-AF65-F5344CB8AC3E}">
-        <p14:creationId xmlns:p14="http://schemas.microsoft.com/office/powerpoint/2010/main" val="1493514829"/>
-      </p:ext>
-    </p:extLst>
-  </p:cSld>
-  <p:clrMapOvr>
-    <a:masterClrMapping/>
-  </p:clrMapOvr>
-</p:sld>
-</file>
-
-<file path=ppt/slides/slide15.xml><?xml version="1.0" encoding="utf-8"?>
-<p:sld xmlns:a="http://schemas.openxmlformats.org/drawingml/2006/main" xmlns:r="http://schemas.openxmlformats.org/officeDocument/2006/relationships" xmlns:p="http://schemas.openxmlformats.org/presentationml/2006/main">
-  <p:cSld>
-    <p:spTree>
-      <p:nvGrpSpPr>
-        <p:cNvPr id="1" name=""/>
-        <p:cNvGrpSpPr/>
-        <p:nvPr/>
-      </p:nvGrpSpPr>
-      <p:grpSpPr>
-        <a:xfrm>
-          <a:off x="0" y="0"/>
-          <a:ext cx="0" cy="0"/>
-          <a:chOff x="0" y="0"/>
-          <a:chExt cx="0" cy="0"/>
-        </a:xfrm>
-      </p:grpSpPr>
-      <p:sp>
-        <p:nvSpPr>
-          <p:cNvPr id="2" name="Title 1">
-            <a:extLst>
-              <a:ext uri="{FF2B5EF4-FFF2-40B4-BE49-F238E27FC236}">
-                <a16:creationId xmlns:a16="http://schemas.microsoft.com/office/drawing/2014/main" id="{A3B7A0F0-0814-B459-E7C6-5EC5D40576DF}"/>
-              </a:ext>
-            </a:extLst>
-          </p:cNvPr>
-          <p:cNvSpPr>
-            <a:spLocks noGrp="1"/>
-          </p:cNvSpPr>
-          <p:nvPr>
-            <p:ph type="title"/>
-          </p:nvPr>
-        </p:nvSpPr>
-        <p:spPr>
-          <a:xfrm>
-            <a:off x="349955" y="425344"/>
-            <a:ext cx="8421512" cy="707886"/>
-          </a:xfrm>
-        </p:spPr>
-        <p:txBody>
-          <a:bodyPr/>
-          <a:lstStyle/>
-          <a:p>
-            <a:r>
-              <a:rPr lang="en-US" sz="4000" dirty="0"/>
-              <a:t>Phase Change Energy Calculations</a:t>
-            </a:r>
-          </a:p>
-        </p:txBody>
-      </p:sp>
-      <p:sp>
-        <p:nvSpPr>
-          <p:cNvPr id="3" name="Content Placeholder 2">
-            <a:extLst>
-              <a:ext uri="{FF2B5EF4-FFF2-40B4-BE49-F238E27FC236}">
-                <a16:creationId xmlns:a16="http://schemas.microsoft.com/office/drawing/2014/main" id="{150857E0-72B3-B855-402C-0C2DD082B49D}"/>
-              </a:ext>
-            </a:extLst>
-          </p:cNvPr>
-          <p:cNvSpPr>
-            <a:spLocks noGrp="1"/>
-          </p:cNvSpPr>
-          <p:nvPr>
-            <p:ph idx="1"/>
-          </p:nvPr>
-        </p:nvSpPr>
-        <p:spPr/>
-        <p:txBody>
-          <a:bodyPr/>
-          <a:lstStyle/>
-          <a:p>
-            <a:endParaRPr lang="en-US" dirty="0"/>
-          </a:p>
-        </p:txBody>
-      </p:sp>
-    </p:spTree>
-    <p:extLst>
-      <p:ext uri="{BB962C8B-B14F-4D97-AF65-F5344CB8AC3E}">
-        <p14:creationId xmlns:p14="http://schemas.microsoft.com/office/powerpoint/2010/main" val="295106000"/>
-      </p:ext>
-    </p:extLst>
-  </p:cSld>
-  <p:clrMapOvr>
-    <a:masterClrMapping/>
-  </p:clrMapOvr>
-</p:sld>
-</file>
-
-<file path=ppt/slides/slide16.xml><?xml version="1.0" encoding="utf-8"?>
-<p:sld xmlns:a="http://schemas.openxmlformats.org/drawingml/2006/main" xmlns:r="http://schemas.openxmlformats.org/officeDocument/2006/relationships" xmlns:p="http://schemas.openxmlformats.org/presentationml/2006/main">
-  <p:cSld>
-    <p:spTree>
-      <p:nvGrpSpPr>
-        <p:cNvPr id="1" name=""/>
-        <p:cNvGrpSpPr/>
-        <p:nvPr/>
-      </p:nvGrpSpPr>
-      <p:grpSpPr>
-        <a:xfrm>
-          <a:off x="0" y="0"/>
-          <a:ext cx="0" cy="0"/>
-          <a:chOff x="0" y="0"/>
-          <a:chExt cx="0" cy="0"/>
-        </a:xfrm>
-      </p:grpSpPr>
-      <p:sp>
-        <p:nvSpPr>
-          <p:cNvPr id="2" name="Title 1">
-            <a:extLst>
-              <a:ext uri="{FF2B5EF4-FFF2-40B4-BE49-F238E27FC236}">
-                <a16:creationId xmlns:a16="http://schemas.microsoft.com/office/drawing/2014/main" id="{14A075A4-E151-332C-5AB4-26DC6C23FBC6}"/>
-              </a:ext>
-            </a:extLst>
-          </p:cNvPr>
-          <p:cNvSpPr>
-            <a:spLocks noGrp="1"/>
-          </p:cNvSpPr>
-          <p:nvPr>
-            <p:ph type="title"/>
-          </p:nvPr>
-        </p:nvSpPr>
-        <p:spPr>
-          <a:xfrm>
-            <a:off x="349955" y="394566"/>
-            <a:ext cx="8421512" cy="769441"/>
-          </a:xfrm>
-        </p:spPr>
-        <p:txBody>
-          <a:bodyPr/>
-          <a:lstStyle/>
-          <a:p>
-            <a:r>
-              <a:rPr lang="en-US" sz="4400" dirty="0"/>
-              <a:t>Heating Curves/Cooling Curves</a:t>
-            </a:r>
-          </a:p>
-        </p:txBody>
-      </p:sp>
-      <p:sp>
-        <p:nvSpPr>
-          <p:cNvPr id="3" name="Content Placeholder 2">
-            <a:extLst>
-              <a:ext uri="{FF2B5EF4-FFF2-40B4-BE49-F238E27FC236}">
-                <a16:creationId xmlns:a16="http://schemas.microsoft.com/office/drawing/2014/main" id="{BD335C28-B81D-E23D-33E1-5206505AA5CB}"/>
-              </a:ext>
-            </a:extLst>
-          </p:cNvPr>
-          <p:cNvSpPr>
-            <a:spLocks noGrp="1"/>
-          </p:cNvSpPr>
-          <p:nvPr>
-            <p:ph idx="1"/>
-          </p:nvPr>
-        </p:nvSpPr>
-        <p:spPr/>
-        <p:txBody>
-          <a:bodyPr/>
-          <a:lstStyle/>
-          <a:p>
-            <a:endParaRPr lang="en-US"/>
-          </a:p>
-        </p:txBody>
-      </p:sp>
-    </p:spTree>
-    <p:extLst>
-      <p:ext uri="{BB962C8B-B14F-4D97-AF65-F5344CB8AC3E}">
-        <p14:creationId xmlns:p14="http://schemas.microsoft.com/office/powerpoint/2010/main" val="2341094555"/>
+        <p14:creationId xmlns:p14="http://schemas.microsoft.com/office/powerpoint/2010/main" val="3227098613"/>
       </p:ext>
     </p:extLst>
   </p:cSld>
@@ -10692,13 +11689,8 @@
           <a:p>
             <a:r>
               <a:rPr lang="en-US" sz="2800" dirty="0"/>
-              <a:t>Describing Transitions of Phases: Melting, Freezing, Sublimation, Boiling, Evaporation</a:t>
-            </a:r>
-            <a:r>
-              <a:rPr lang="en-US" sz="2800"/>
-              <a:t>, Condensation</a:t>
-            </a:r>
-            <a:endParaRPr lang="en-US" sz="2800" dirty="0"/>
+              <a:t>Describing Transitions of Phases: Melting, Freezing, Sublimation, Boiling, Evaporation, Condensation</a:t>
+            </a:r>
           </a:p>
           <a:p>
             <a:endParaRPr lang="en-US" sz="2800" dirty="0"/>
@@ -10714,6 +11706,36 @@
           </a:p>
           <a:p>
             <a:endParaRPr lang="en-US" sz="2800" dirty="0"/>
+          </a:p>
+        </p:txBody>
+      </p:sp>
+      <p:sp>
+        <p:nvSpPr>
+          <p:cNvPr id="2" name="Slide Number Placeholder 1">
+            <a:extLst>
+              <a:ext uri="{FF2B5EF4-FFF2-40B4-BE49-F238E27FC236}">
+                <a16:creationId xmlns:a16="http://schemas.microsoft.com/office/drawing/2014/main" id="{C0E753BD-F1D2-D1A4-7502-C4FFFAD6B20B}"/>
+              </a:ext>
+            </a:extLst>
+          </p:cNvPr>
+          <p:cNvSpPr>
+            <a:spLocks noGrp="1"/>
+          </p:cNvSpPr>
+          <p:nvPr>
+            <p:ph type="sldNum" sz="quarter" idx="10"/>
+          </p:nvPr>
+        </p:nvSpPr>
+        <p:spPr/>
+        <p:txBody>
+          <a:bodyPr/>
+          <a:lstStyle/>
+          <a:p>
+            <a:fld id="{B434390E-5614-49FD-B636-0EE8DCB870C2}" type="slidenum">
+              <a:rPr lang="en-US" smtClean="0"/>
+              <a:pPr/>
+              <a:t>2</a:t>
+            </a:fld>
+            <a:endParaRPr lang="en-US" dirty="0"/>
           </a:p>
         </p:txBody>
       </p:sp>
@@ -10721,6 +11743,762 @@
     <p:extLst>
       <p:ext uri="{BB962C8B-B14F-4D97-AF65-F5344CB8AC3E}">
         <p14:creationId xmlns:p14="http://schemas.microsoft.com/office/powerpoint/2010/main" val="4269390694"/>
+      </p:ext>
+    </p:extLst>
+  </p:cSld>
+  <p:clrMapOvr>
+    <a:masterClrMapping/>
+  </p:clrMapOvr>
+</p:sld>
+</file>
+
+<file path=ppt/slides/slide20.xml><?xml version="1.0" encoding="utf-8"?>
+<p:sld xmlns:a="http://schemas.openxmlformats.org/drawingml/2006/main" xmlns:r="http://schemas.openxmlformats.org/officeDocument/2006/relationships" xmlns:p="http://schemas.openxmlformats.org/presentationml/2006/main">
+  <p:cSld>
+    <p:spTree>
+      <p:nvGrpSpPr>
+        <p:cNvPr id="1" name=""/>
+        <p:cNvGrpSpPr/>
+        <p:nvPr/>
+      </p:nvGrpSpPr>
+      <p:grpSpPr>
+        <a:xfrm>
+          <a:off x="0" y="0"/>
+          <a:ext cx="0" cy="0"/>
+          <a:chOff x="0" y="0"/>
+          <a:chExt cx="0" cy="0"/>
+        </a:xfrm>
+      </p:grpSpPr>
+      <p:sp>
+        <p:nvSpPr>
+          <p:cNvPr id="2" name="Title 1">
+            <a:extLst>
+              <a:ext uri="{FF2B5EF4-FFF2-40B4-BE49-F238E27FC236}">
+                <a16:creationId xmlns:a16="http://schemas.microsoft.com/office/drawing/2014/main" id="{ADC7B93C-53A6-311C-5C93-BD02B926B171}"/>
+              </a:ext>
+            </a:extLst>
+          </p:cNvPr>
+          <p:cNvSpPr>
+            <a:spLocks noGrp="1"/>
+          </p:cNvSpPr>
+          <p:nvPr>
+            <p:ph type="title"/>
+          </p:nvPr>
+        </p:nvSpPr>
+        <p:spPr/>
+        <p:txBody>
+          <a:bodyPr/>
+          <a:lstStyle/>
+          <a:p>
+            <a:r>
+              <a:rPr lang="en-US" dirty="0"/>
+              <a:t>Specific Heat</a:t>
+            </a:r>
+          </a:p>
+        </p:txBody>
+      </p:sp>
+      <p:sp>
+        <p:nvSpPr>
+          <p:cNvPr id="3" name="Content Placeholder 2">
+            <a:extLst>
+              <a:ext uri="{FF2B5EF4-FFF2-40B4-BE49-F238E27FC236}">
+                <a16:creationId xmlns:a16="http://schemas.microsoft.com/office/drawing/2014/main" id="{7C5904C2-8E7D-776E-9E06-11E560C2849A}"/>
+              </a:ext>
+            </a:extLst>
+          </p:cNvPr>
+          <p:cNvSpPr>
+            <a:spLocks noGrp="1"/>
+          </p:cNvSpPr>
+          <p:nvPr>
+            <p:ph idx="1"/>
+          </p:nvPr>
+        </p:nvSpPr>
+        <p:spPr/>
+        <p:txBody>
+          <a:bodyPr/>
+          <a:lstStyle/>
+          <a:p>
+            <a:endParaRPr lang="en-US"/>
+          </a:p>
+        </p:txBody>
+      </p:sp>
+      <p:sp>
+        <p:nvSpPr>
+          <p:cNvPr id="4" name="Slide Number Placeholder 3">
+            <a:extLst>
+              <a:ext uri="{FF2B5EF4-FFF2-40B4-BE49-F238E27FC236}">
+                <a16:creationId xmlns:a16="http://schemas.microsoft.com/office/drawing/2014/main" id="{9C7EF427-D8B5-1C9A-D279-18F274470B7F}"/>
+              </a:ext>
+            </a:extLst>
+          </p:cNvPr>
+          <p:cNvSpPr>
+            <a:spLocks noGrp="1"/>
+          </p:cNvSpPr>
+          <p:nvPr>
+            <p:ph type="sldNum" sz="quarter" idx="10"/>
+          </p:nvPr>
+        </p:nvSpPr>
+        <p:spPr/>
+        <p:txBody>
+          <a:bodyPr/>
+          <a:lstStyle/>
+          <a:p>
+            <a:fld id="{B434390E-5614-49FD-B636-0EE8DCB870C2}" type="slidenum">
+              <a:rPr lang="en-US" smtClean="0"/>
+              <a:pPr/>
+              <a:t>20</a:t>
+            </a:fld>
+            <a:endParaRPr lang="en-US" dirty="0"/>
+          </a:p>
+        </p:txBody>
+      </p:sp>
+    </p:spTree>
+    <p:extLst>
+      <p:ext uri="{BB962C8B-B14F-4D97-AF65-F5344CB8AC3E}">
+        <p14:creationId xmlns:p14="http://schemas.microsoft.com/office/powerpoint/2010/main" val="4023711609"/>
+      </p:ext>
+    </p:extLst>
+  </p:cSld>
+  <p:clrMapOvr>
+    <a:masterClrMapping/>
+  </p:clrMapOvr>
+</p:sld>
+</file>
+
+<file path=ppt/slides/slide21.xml><?xml version="1.0" encoding="utf-8"?>
+<p:sld xmlns:a="http://schemas.openxmlformats.org/drawingml/2006/main" xmlns:r="http://schemas.openxmlformats.org/officeDocument/2006/relationships" xmlns:p="http://schemas.openxmlformats.org/presentationml/2006/main">
+  <p:cSld>
+    <p:spTree>
+      <p:nvGrpSpPr>
+        <p:cNvPr id="1" name=""/>
+        <p:cNvGrpSpPr/>
+        <p:nvPr/>
+      </p:nvGrpSpPr>
+      <p:grpSpPr>
+        <a:xfrm>
+          <a:off x="0" y="0"/>
+          <a:ext cx="0" cy="0"/>
+          <a:chOff x="0" y="0"/>
+          <a:chExt cx="0" cy="0"/>
+        </a:xfrm>
+      </p:grpSpPr>
+      <p:sp>
+        <p:nvSpPr>
+          <p:cNvPr id="2" name="Title 1">
+            <a:extLst>
+              <a:ext uri="{FF2B5EF4-FFF2-40B4-BE49-F238E27FC236}">
+                <a16:creationId xmlns:a16="http://schemas.microsoft.com/office/drawing/2014/main" id="{E45C40D7-CCC5-44B3-06EB-46855DAD8F5F}"/>
+              </a:ext>
+            </a:extLst>
+          </p:cNvPr>
+          <p:cNvSpPr>
+            <a:spLocks noGrp="1"/>
+          </p:cNvSpPr>
+          <p:nvPr>
+            <p:ph type="title"/>
+          </p:nvPr>
+        </p:nvSpPr>
+        <p:spPr/>
+        <p:txBody>
+          <a:bodyPr/>
+          <a:lstStyle/>
+          <a:p>
+            <a:r>
+              <a:rPr lang="en-US" dirty="0"/>
+              <a:t>Phase Transitions</a:t>
+            </a:r>
+          </a:p>
+        </p:txBody>
+      </p:sp>
+      <p:sp>
+        <p:nvSpPr>
+          <p:cNvPr id="3" name="Content Placeholder 2">
+            <a:extLst>
+              <a:ext uri="{FF2B5EF4-FFF2-40B4-BE49-F238E27FC236}">
+                <a16:creationId xmlns:a16="http://schemas.microsoft.com/office/drawing/2014/main" id="{CA57AC60-E6A2-BCC7-0ED9-3103CFA403CE}"/>
+              </a:ext>
+            </a:extLst>
+          </p:cNvPr>
+          <p:cNvSpPr>
+            <a:spLocks noGrp="1"/>
+          </p:cNvSpPr>
+          <p:nvPr>
+            <p:ph idx="1"/>
+          </p:nvPr>
+        </p:nvSpPr>
+        <p:spPr/>
+        <p:txBody>
+          <a:bodyPr/>
+          <a:lstStyle/>
+          <a:p>
+            <a:r>
+              <a:rPr lang="en-US" dirty="0"/>
+              <a:t>Melting</a:t>
+            </a:r>
+          </a:p>
+          <a:p>
+            <a:r>
+              <a:rPr lang="en-US" dirty="0"/>
+              <a:t>Freezing</a:t>
+            </a:r>
+          </a:p>
+          <a:p>
+            <a:r>
+              <a:rPr lang="en-US" dirty="0"/>
+              <a:t>Boiling/Vaporization</a:t>
+            </a:r>
+          </a:p>
+          <a:p>
+            <a:r>
+              <a:rPr lang="en-US" dirty="0"/>
+              <a:t>Condensation</a:t>
+            </a:r>
+          </a:p>
+          <a:p>
+            <a:r>
+              <a:rPr lang="en-US" dirty="0"/>
+              <a:t>Evaporation</a:t>
+            </a:r>
+          </a:p>
+          <a:p>
+            <a:r>
+              <a:rPr lang="en-US" dirty="0"/>
+              <a:t>Sublimation</a:t>
+            </a:r>
+          </a:p>
+        </p:txBody>
+      </p:sp>
+      <p:sp>
+        <p:nvSpPr>
+          <p:cNvPr id="4" name="Slide Number Placeholder 3">
+            <a:extLst>
+              <a:ext uri="{FF2B5EF4-FFF2-40B4-BE49-F238E27FC236}">
+                <a16:creationId xmlns:a16="http://schemas.microsoft.com/office/drawing/2014/main" id="{3ED68B64-F730-94D5-1F88-A9FAAB1782D2}"/>
+              </a:ext>
+            </a:extLst>
+          </p:cNvPr>
+          <p:cNvSpPr>
+            <a:spLocks noGrp="1"/>
+          </p:cNvSpPr>
+          <p:nvPr>
+            <p:ph type="sldNum" sz="quarter" idx="10"/>
+          </p:nvPr>
+        </p:nvSpPr>
+        <p:spPr/>
+        <p:txBody>
+          <a:bodyPr/>
+          <a:lstStyle/>
+          <a:p>
+            <a:fld id="{B434390E-5614-49FD-B636-0EE8DCB870C2}" type="slidenum">
+              <a:rPr lang="en-US" smtClean="0"/>
+              <a:pPr/>
+              <a:t>21</a:t>
+            </a:fld>
+            <a:endParaRPr lang="en-US" dirty="0"/>
+          </a:p>
+        </p:txBody>
+      </p:sp>
+    </p:spTree>
+    <p:extLst>
+      <p:ext uri="{BB962C8B-B14F-4D97-AF65-F5344CB8AC3E}">
+        <p14:creationId xmlns:p14="http://schemas.microsoft.com/office/powerpoint/2010/main" val="3562721100"/>
+      </p:ext>
+    </p:extLst>
+  </p:cSld>
+  <p:clrMapOvr>
+    <a:masterClrMapping/>
+  </p:clrMapOvr>
+</p:sld>
+</file>
+
+<file path=ppt/slides/slide22.xml><?xml version="1.0" encoding="utf-8"?>
+<p:sld xmlns:a="http://schemas.openxmlformats.org/drawingml/2006/main" xmlns:r="http://schemas.openxmlformats.org/officeDocument/2006/relationships" xmlns:p="http://schemas.openxmlformats.org/presentationml/2006/main">
+  <p:cSld>
+    <p:spTree>
+      <p:nvGrpSpPr>
+        <p:cNvPr id="1" name="">
+          <a:extLst>
+            <a:ext uri="{FF2B5EF4-FFF2-40B4-BE49-F238E27FC236}">
+              <a16:creationId xmlns:a16="http://schemas.microsoft.com/office/drawing/2014/main" id="{A9F8311B-304C-EEDC-BD9F-DE89724E73C6}"/>
+            </a:ext>
+          </a:extLst>
+        </p:cNvPr>
+        <p:cNvGrpSpPr/>
+        <p:nvPr/>
+      </p:nvGrpSpPr>
+      <p:grpSpPr>
+        <a:xfrm>
+          <a:off x="0" y="0"/>
+          <a:ext cx="0" cy="0"/>
+          <a:chOff x="0" y="0"/>
+          <a:chExt cx="0" cy="0"/>
+        </a:xfrm>
+      </p:grpSpPr>
+      <p:sp>
+        <p:nvSpPr>
+          <p:cNvPr id="2" name="Title 1">
+            <a:extLst>
+              <a:ext uri="{FF2B5EF4-FFF2-40B4-BE49-F238E27FC236}">
+                <a16:creationId xmlns:a16="http://schemas.microsoft.com/office/drawing/2014/main" id="{E9F93641-4870-A3A8-CCBE-A257610B5B2C}"/>
+              </a:ext>
+            </a:extLst>
+          </p:cNvPr>
+          <p:cNvSpPr>
+            <a:spLocks noGrp="1"/>
+          </p:cNvSpPr>
+          <p:nvPr>
+            <p:ph type="title"/>
+          </p:nvPr>
+        </p:nvSpPr>
+        <p:spPr/>
+        <p:txBody>
+          <a:bodyPr/>
+          <a:lstStyle/>
+          <a:p>
+            <a:r>
+              <a:rPr lang="en-US" dirty="0"/>
+              <a:t>Melting/Freezing/Sublimation</a:t>
+            </a:r>
+          </a:p>
+        </p:txBody>
+      </p:sp>
+      <p:sp>
+        <p:nvSpPr>
+          <p:cNvPr id="3" name="Content Placeholder 2">
+            <a:extLst>
+              <a:ext uri="{FF2B5EF4-FFF2-40B4-BE49-F238E27FC236}">
+                <a16:creationId xmlns:a16="http://schemas.microsoft.com/office/drawing/2014/main" id="{061CBFEC-B85F-2D46-1151-E22BE809EC08}"/>
+              </a:ext>
+            </a:extLst>
+          </p:cNvPr>
+          <p:cNvSpPr>
+            <a:spLocks noGrp="1"/>
+          </p:cNvSpPr>
+          <p:nvPr>
+            <p:ph idx="1"/>
+          </p:nvPr>
+        </p:nvSpPr>
+        <p:spPr/>
+        <p:txBody>
+          <a:bodyPr/>
+          <a:lstStyle/>
+          <a:p>
+            <a:r>
+              <a:rPr lang="en-US" dirty="0"/>
+              <a:t>Melting Point</a:t>
+            </a:r>
+          </a:p>
+          <a:p>
+            <a:r>
+              <a:rPr lang="en-US" dirty="0"/>
+              <a:t>Sublimation/Deposition</a:t>
+            </a:r>
+          </a:p>
+        </p:txBody>
+      </p:sp>
+      <p:sp>
+        <p:nvSpPr>
+          <p:cNvPr id="4" name="Slide Number Placeholder 3">
+            <a:extLst>
+              <a:ext uri="{FF2B5EF4-FFF2-40B4-BE49-F238E27FC236}">
+                <a16:creationId xmlns:a16="http://schemas.microsoft.com/office/drawing/2014/main" id="{3FB1D40D-3A16-E221-6DF7-008D51249440}"/>
+              </a:ext>
+            </a:extLst>
+          </p:cNvPr>
+          <p:cNvSpPr>
+            <a:spLocks noGrp="1"/>
+          </p:cNvSpPr>
+          <p:nvPr>
+            <p:ph type="sldNum" sz="quarter" idx="10"/>
+          </p:nvPr>
+        </p:nvSpPr>
+        <p:spPr/>
+        <p:txBody>
+          <a:bodyPr/>
+          <a:lstStyle/>
+          <a:p>
+            <a:fld id="{B434390E-5614-49FD-B636-0EE8DCB870C2}" type="slidenum">
+              <a:rPr lang="en-US" smtClean="0"/>
+              <a:pPr/>
+              <a:t>22</a:t>
+            </a:fld>
+            <a:endParaRPr lang="en-US" dirty="0"/>
+          </a:p>
+        </p:txBody>
+      </p:sp>
+    </p:spTree>
+    <p:extLst>
+      <p:ext uri="{BB962C8B-B14F-4D97-AF65-F5344CB8AC3E}">
+        <p14:creationId xmlns:p14="http://schemas.microsoft.com/office/powerpoint/2010/main" val="3883884069"/>
+      </p:ext>
+    </p:extLst>
+  </p:cSld>
+  <p:clrMapOvr>
+    <a:masterClrMapping/>
+  </p:clrMapOvr>
+</p:sld>
+</file>
+
+<file path=ppt/slides/slide23.xml><?xml version="1.0" encoding="utf-8"?>
+<p:sld xmlns:a="http://schemas.openxmlformats.org/drawingml/2006/main" xmlns:r="http://schemas.openxmlformats.org/officeDocument/2006/relationships" xmlns:p="http://schemas.openxmlformats.org/presentationml/2006/main">
+  <p:cSld>
+    <p:spTree>
+      <p:nvGrpSpPr>
+        <p:cNvPr id="1" name="">
+          <a:extLst>
+            <a:ext uri="{FF2B5EF4-FFF2-40B4-BE49-F238E27FC236}">
+              <a16:creationId xmlns:a16="http://schemas.microsoft.com/office/drawing/2014/main" id="{8416C0CD-A05C-D4BD-0CD2-2A5B0236F9AA}"/>
+            </a:ext>
+          </a:extLst>
+        </p:cNvPr>
+        <p:cNvGrpSpPr/>
+        <p:nvPr/>
+      </p:nvGrpSpPr>
+      <p:grpSpPr>
+        <a:xfrm>
+          <a:off x="0" y="0"/>
+          <a:ext cx="0" cy="0"/>
+          <a:chOff x="0" y="0"/>
+          <a:chExt cx="0" cy="0"/>
+        </a:xfrm>
+      </p:grpSpPr>
+      <p:sp>
+        <p:nvSpPr>
+          <p:cNvPr id="2" name="Title 1">
+            <a:extLst>
+              <a:ext uri="{FF2B5EF4-FFF2-40B4-BE49-F238E27FC236}">
+                <a16:creationId xmlns:a16="http://schemas.microsoft.com/office/drawing/2014/main" id="{D0D7156C-2517-D35B-448B-EA699F4341EC}"/>
+              </a:ext>
+            </a:extLst>
+          </p:cNvPr>
+          <p:cNvSpPr>
+            <a:spLocks noGrp="1"/>
+          </p:cNvSpPr>
+          <p:nvPr>
+            <p:ph type="title"/>
+          </p:nvPr>
+        </p:nvSpPr>
+        <p:spPr>
+          <a:xfrm>
+            <a:off x="349955" y="425344"/>
+            <a:ext cx="8421512" cy="707886"/>
+          </a:xfrm>
+        </p:spPr>
+        <p:txBody>
+          <a:bodyPr/>
+          <a:lstStyle/>
+          <a:p>
+            <a:r>
+              <a:rPr lang="en-US" sz="4000" dirty="0"/>
+              <a:t>Boiling/Evaporation/Condensation</a:t>
+            </a:r>
+          </a:p>
+        </p:txBody>
+      </p:sp>
+      <p:sp>
+        <p:nvSpPr>
+          <p:cNvPr id="3" name="Content Placeholder 2">
+            <a:extLst>
+              <a:ext uri="{FF2B5EF4-FFF2-40B4-BE49-F238E27FC236}">
+                <a16:creationId xmlns:a16="http://schemas.microsoft.com/office/drawing/2014/main" id="{DF8AE251-08D9-ACA3-3552-0AD24D597164}"/>
+              </a:ext>
+            </a:extLst>
+          </p:cNvPr>
+          <p:cNvSpPr>
+            <a:spLocks noGrp="1"/>
+          </p:cNvSpPr>
+          <p:nvPr>
+            <p:ph idx="1"/>
+          </p:nvPr>
+        </p:nvSpPr>
+        <p:spPr/>
+        <p:txBody>
+          <a:bodyPr/>
+          <a:lstStyle/>
+          <a:p>
+            <a:r>
+              <a:rPr lang="en-US" dirty="0"/>
+              <a:t>Boiling Point</a:t>
+            </a:r>
+          </a:p>
+          <a:p>
+            <a:r>
+              <a:rPr lang="en-US" dirty="0"/>
+              <a:t>Sublimation/Deposition</a:t>
+            </a:r>
+          </a:p>
+        </p:txBody>
+      </p:sp>
+      <p:sp>
+        <p:nvSpPr>
+          <p:cNvPr id="4" name="Slide Number Placeholder 3">
+            <a:extLst>
+              <a:ext uri="{FF2B5EF4-FFF2-40B4-BE49-F238E27FC236}">
+                <a16:creationId xmlns:a16="http://schemas.microsoft.com/office/drawing/2014/main" id="{86C06BD2-9254-A8B9-00B7-36E685381C21}"/>
+              </a:ext>
+            </a:extLst>
+          </p:cNvPr>
+          <p:cNvSpPr>
+            <a:spLocks noGrp="1"/>
+          </p:cNvSpPr>
+          <p:nvPr>
+            <p:ph type="sldNum" sz="quarter" idx="10"/>
+          </p:nvPr>
+        </p:nvSpPr>
+        <p:spPr/>
+        <p:txBody>
+          <a:bodyPr/>
+          <a:lstStyle/>
+          <a:p>
+            <a:fld id="{B434390E-5614-49FD-B636-0EE8DCB870C2}" type="slidenum">
+              <a:rPr lang="en-US" smtClean="0"/>
+              <a:pPr/>
+              <a:t>23</a:t>
+            </a:fld>
+            <a:endParaRPr lang="en-US" dirty="0"/>
+          </a:p>
+        </p:txBody>
+      </p:sp>
+    </p:spTree>
+    <p:extLst>
+      <p:ext uri="{BB962C8B-B14F-4D97-AF65-F5344CB8AC3E}">
+        <p14:creationId xmlns:p14="http://schemas.microsoft.com/office/powerpoint/2010/main" val="1493514829"/>
+      </p:ext>
+    </p:extLst>
+  </p:cSld>
+  <p:clrMapOvr>
+    <a:masterClrMapping/>
+  </p:clrMapOvr>
+</p:sld>
+</file>
+
+<file path=ppt/slides/slide24.xml><?xml version="1.0" encoding="utf-8"?>
+<p:sld xmlns:a="http://schemas.openxmlformats.org/drawingml/2006/main" xmlns:r="http://schemas.openxmlformats.org/officeDocument/2006/relationships" xmlns:p="http://schemas.openxmlformats.org/presentationml/2006/main">
+  <p:cSld>
+    <p:spTree>
+      <p:nvGrpSpPr>
+        <p:cNvPr id="1" name=""/>
+        <p:cNvGrpSpPr/>
+        <p:nvPr/>
+      </p:nvGrpSpPr>
+      <p:grpSpPr>
+        <a:xfrm>
+          <a:off x="0" y="0"/>
+          <a:ext cx="0" cy="0"/>
+          <a:chOff x="0" y="0"/>
+          <a:chExt cx="0" cy="0"/>
+        </a:xfrm>
+      </p:grpSpPr>
+      <p:sp>
+        <p:nvSpPr>
+          <p:cNvPr id="2" name="Title 1">
+            <a:extLst>
+              <a:ext uri="{FF2B5EF4-FFF2-40B4-BE49-F238E27FC236}">
+                <a16:creationId xmlns:a16="http://schemas.microsoft.com/office/drawing/2014/main" id="{A3B7A0F0-0814-B459-E7C6-5EC5D40576DF}"/>
+              </a:ext>
+            </a:extLst>
+          </p:cNvPr>
+          <p:cNvSpPr>
+            <a:spLocks noGrp="1"/>
+          </p:cNvSpPr>
+          <p:nvPr>
+            <p:ph type="title"/>
+          </p:nvPr>
+        </p:nvSpPr>
+        <p:spPr>
+          <a:xfrm>
+            <a:off x="349955" y="425344"/>
+            <a:ext cx="8421512" cy="707886"/>
+          </a:xfrm>
+        </p:spPr>
+        <p:txBody>
+          <a:bodyPr/>
+          <a:lstStyle/>
+          <a:p>
+            <a:r>
+              <a:rPr lang="en-US" sz="4000" dirty="0"/>
+              <a:t>Phase Change Energy Calculations</a:t>
+            </a:r>
+          </a:p>
+        </p:txBody>
+      </p:sp>
+      <p:sp>
+        <p:nvSpPr>
+          <p:cNvPr id="3" name="Content Placeholder 2">
+            <a:extLst>
+              <a:ext uri="{FF2B5EF4-FFF2-40B4-BE49-F238E27FC236}">
+                <a16:creationId xmlns:a16="http://schemas.microsoft.com/office/drawing/2014/main" id="{150857E0-72B3-B855-402C-0C2DD082B49D}"/>
+              </a:ext>
+            </a:extLst>
+          </p:cNvPr>
+          <p:cNvSpPr>
+            <a:spLocks noGrp="1"/>
+          </p:cNvSpPr>
+          <p:nvPr>
+            <p:ph idx="1"/>
+          </p:nvPr>
+        </p:nvSpPr>
+        <p:spPr/>
+        <p:txBody>
+          <a:bodyPr/>
+          <a:lstStyle/>
+          <a:p>
+            <a:endParaRPr lang="en-US" dirty="0"/>
+          </a:p>
+        </p:txBody>
+      </p:sp>
+      <p:sp>
+        <p:nvSpPr>
+          <p:cNvPr id="4" name="Slide Number Placeholder 3">
+            <a:extLst>
+              <a:ext uri="{FF2B5EF4-FFF2-40B4-BE49-F238E27FC236}">
+                <a16:creationId xmlns:a16="http://schemas.microsoft.com/office/drawing/2014/main" id="{9B56B7B0-3C4D-A28D-DF7D-6374D35F3B22}"/>
+              </a:ext>
+            </a:extLst>
+          </p:cNvPr>
+          <p:cNvSpPr>
+            <a:spLocks noGrp="1"/>
+          </p:cNvSpPr>
+          <p:nvPr>
+            <p:ph type="sldNum" sz="quarter" idx="10"/>
+          </p:nvPr>
+        </p:nvSpPr>
+        <p:spPr/>
+        <p:txBody>
+          <a:bodyPr/>
+          <a:lstStyle/>
+          <a:p>
+            <a:fld id="{B434390E-5614-49FD-B636-0EE8DCB870C2}" type="slidenum">
+              <a:rPr lang="en-US" smtClean="0"/>
+              <a:pPr/>
+              <a:t>24</a:t>
+            </a:fld>
+            <a:endParaRPr lang="en-US" dirty="0"/>
+          </a:p>
+        </p:txBody>
+      </p:sp>
+    </p:spTree>
+    <p:extLst>
+      <p:ext uri="{BB962C8B-B14F-4D97-AF65-F5344CB8AC3E}">
+        <p14:creationId xmlns:p14="http://schemas.microsoft.com/office/powerpoint/2010/main" val="295106000"/>
+      </p:ext>
+    </p:extLst>
+  </p:cSld>
+  <p:clrMapOvr>
+    <a:masterClrMapping/>
+  </p:clrMapOvr>
+</p:sld>
+</file>
+
+<file path=ppt/slides/slide25.xml><?xml version="1.0" encoding="utf-8"?>
+<p:sld xmlns:a="http://schemas.openxmlformats.org/drawingml/2006/main" xmlns:r="http://schemas.openxmlformats.org/officeDocument/2006/relationships" xmlns:p="http://schemas.openxmlformats.org/presentationml/2006/main">
+  <p:cSld>
+    <p:spTree>
+      <p:nvGrpSpPr>
+        <p:cNvPr id="1" name=""/>
+        <p:cNvGrpSpPr/>
+        <p:nvPr/>
+      </p:nvGrpSpPr>
+      <p:grpSpPr>
+        <a:xfrm>
+          <a:off x="0" y="0"/>
+          <a:ext cx="0" cy="0"/>
+          <a:chOff x="0" y="0"/>
+          <a:chExt cx="0" cy="0"/>
+        </a:xfrm>
+      </p:grpSpPr>
+      <p:sp>
+        <p:nvSpPr>
+          <p:cNvPr id="2" name="Title 1">
+            <a:extLst>
+              <a:ext uri="{FF2B5EF4-FFF2-40B4-BE49-F238E27FC236}">
+                <a16:creationId xmlns:a16="http://schemas.microsoft.com/office/drawing/2014/main" id="{14A075A4-E151-332C-5AB4-26DC6C23FBC6}"/>
+              </a:ext>
+            </a:extLst>
+          </p:cNvPr>
+          <p:cNvSpPr>
+            <a:spLocks noGrp="1"/>
+          </p:cNvSpPr>
+          <p:nvPr>
+            <p:ph type="title"/>
+          </p:nvPr>
+        </p:nvSpPr>
+        <p:spPr>
+          <a:xfrm>
+            <a:off x="349955" y="394566"/>
+            <a:ext cx="8421512" cy="769441"/>
+          </a:xfrm>
+        </p:spPr>
+        <p:txBody>
+          <a:bodyPr/>
+          <a:lstStyle/>
+          <a:p>
+            <a:r>
+              <a:rPr lang="en-US" sz="4400" dirty="0"/>
+              <a:t>Heating Curves/Cooling Curves</a:t>
+            </a:r>
+          </a:p>
+        </p:txBody>
+      </p:sp>
+      <p:sp>
+        <p:nvSpPr>
+          <p:cNvPr id="3" name="Content Placeholder 2">
+            <a:extLst>
+              <a:ext uri="{FF2B5EF4-FFF2-40B4-BE49-F238E27FC236}">
+                <a16:creationId xmlns:a16="http://schemas.microsoft.com/office/drawing/2014/main" id="{BD335C28-B81D-E23D-33E1-5206505AA5CB}"/>
+              </a:ext>
+            </a:extLst>
+          </p:cNvPr>
+          <p:cNvSpPr>
+            <a:spLocks noGrp="1"/>
+          </p:cNvSpPr>
+          <p:nvPr>
+            <p:ph idx="1"/>
+          </p:nvPr>
+        </p:nvSpPr>
+        <p:spPr/>
+        <p:txBody>
+          <a:bodyPr/>
+          <a:lstStyle/>
+          <a:p>
+            <a:endParaRPr lang="en-US"/>
+          </a:p>
+        </p:txBody>
+      </p:sp>
+      <p:sp>
+        <p:nvSpPr>
+          <p:cNvPr id="4" name="Slide Number Placeholder 3">
+            <a:extLst>
+              <a:ext uri="{FF2B5EF4-FFF2-40B4-BE49-F238E27FC236}">
+                <a16:creationId xmlns:a16="http://schemas.microsoft.com/office/drawing/2014/main" id="{184D81A6-AB9C-EAE3-837F-36122FD378FE}"/>
+              </a:ext>
+            </a:extLst>
+          </p:cNvPr>
+          <p:cNvSpPr>
+            <a:spLocks noGrp="1"/>
+          </p:cNvSpPr>
+          <p:nvPr>
+            <p:ph type="sldNum" sz="quarter" idx="10"/>
+          </p:nvPr>
+        </p:nvSpPr>
+        <p:spPr/>
+        <p:txBody>
+          <a:bodyPr/>
+          <a:lstStyle/>
+          <a:p>
+            <a:fld id="{B434390E-5614-49FD-B636-0EE8DCB870C2}" type="slidenum">
+              <a:rPr lang="en-US" smtClean="0"/>
+              <a:pPr/>
+              <a:t>25</a:t>
+            </a:fld>
+            <a:endParaRPr lang="en-US" dirty="0"/>
+          </a:p>
+        </p:txBody>
+      </p:sp>
+    </p:spTree>
+    <p:extLst>
+      <p:ext uri="{BB962C8B-B14F-4D97-AF65-F5344CB8AC3E}">
+        <p14:creationId xmlns:p14="http://schemas.microsoft.com/office/powerpoint/2010/main" val="2341094555"/>
       </p:ext>
     </p:extLst>
   </p:cSld>
@@ -10763,14 +12541,19 @@
             <p:ph type="title"/>
           </p:nvPr>
         </p:nvSpPr>
-        <p:spPr/>
+        <p:spPr>
+          <a:xfrm>
+            <a:off x="349955" y="394566"/>
+            <a:ext cx="8421512" cy="769441"/>
+          </a:xfrm>
+        </p:spPr>
         <p:txBody>
           <a:bodyPr/>
           <a:lstStyle/>
           <a:p>
             <a:r>
-              <a:rPr lang="en-US" dirty="0"/>
-              <a:t>Liquid &amp; Solids: Properties</a:t>
+              <a:rPr lang="en-US" sz="4400" dirty="0"/>
+              <a:t>Liquid, Solids, Gases: Properties</a:t>
             </a:r>
           </a:p>
         </p:txBody>
@@ -10796,7 +12579,130 @@
           <a:bodyPr/>
           <a:lstStyle/>
           <a:p>
-            <a:endParaRPr lang="en-US"/>
+            <a:r>
+              <a:rPr lang="en-US" dirty="0"/>
+              <a:t>Liquids and solids: condensed phases because particles in contact</a:t>
+            </a:r>
+          </a:p>
+          <a:p>
+            <a:pPr marL="0" indent="0">
+              <a:buNone/>
+            </a:pPr>
+            <a:r>
+              <a:rPr lang="en-US" dirty="0"/>
+              <a:t>Solids</a:t>
+            </a:r>
+          </a:p>
+          <a:p>
+            <a:r>
+              <a:rPr lang="en-US" dirty="0"/>
+              <a:t>particles in fixed positions</a:t>
+            </a:r>
+          </a:p>
+          <a:p>
+            <a:r>
+              <a:rPr lang="en-US" dirty="0"/>
+              <a:t>Definite shape and volume</a:t>
+            </a:r>
+          </a:p>
+          <a:p>
+            <a:r>
+              <a:rPr lang="en-US" dirty="0"/>
+              <a:t>Usually hard (crystals/rock),</a:t>
+            </a:r>
+            <a:br>
+              <a:rPr lang="en-US" dirty="0"/>
+            </a:br>
+            <a:r>
+              <a:rPr lang="en-US" dirty="0"/>
+              <a:t>but sometimes soft (fat/wax)</a:t>
+            </a:r>
+          </a:p>
+          <a:p>
+            <a:r>
+              <a:rPr lang="en-US" dirty="0"/>
+              <a:t>Ionic solids quite brittle: </a:t>
+            </a:r>
+            <a:br>
+              <a:rPr lang="en-US" dirty="0"/>
+            </a:br>
+            <a:r>
+              <a:rPr lang="en-US" dirty="0"/>
+              <a:t>3-D array of positive &amp; negative ions (crystal)</a:t>
+            </a:r>
+          </a:p>
+          <a:p>
+            <a:r>
+              <a:rPr lang="en-US" dirty="0"/>
+              <a:t>Large molecule solids (glass) cannot organize particles as crystals </a:t>
+            </a:r>
+            <a:r>
+              <a:rPr lang="en-US" dirty="0">
+                <a:sym typeface="Wingdings" panose="05000000000000000000" pitchFamily="2" charset="2"/>
+              </a:rPr>
+              <a:t> amorphous solids</a:t>
+            </a:r>
+            <a:endParaRPr lang="en-US" dirty="0"/>
+          </a:p>
+        </p:txBody>
+      </p:sp>
+      <p:pic>
+        <p:nvPicPr>
+          <p:cNvPr id="5" name="Picture 4">
+            <a:extLst>
+              <a:ext uri="{FF2B5EF4-FFF2-40B4-BE49-F238E27FC236}">
+                <a16:creationId xmlns:a16="http://schemas.microsoft.com/office/drawing/2014/main" id="{C77923B8-9D08-B6D9-6310-1430E110862B}"/>
+              </a:ext>
+            </a:extLst>
+          </p:cNvPr>
+          <p:cNvPicPr>
+            <a:picLocks noChangeAspect="1"/>
+          </p:cNvPicPr>
+          <p:nvPr/>
+        </p:nvPicPr>
+        <p:blipFill>
+          <a:blip r:embed="rId2"/>
+          <a:stretch>
+            <a:fillRect/>
+          </a:stretch>
+        </p:blipFill>
+        <p:spPr>
+          <a:xfrm>
+            <a:off x="5457599" y="2023654"/>
+            <a:ext cx="3428259" cy="2490121"/>
+          </a:xfrm>
+          <a:prstGeom prst="rect">
+            <a:avLst/>
+          </a:prstGeom>
+        </p:spPr>
+      </p:pic>
+      <p:sp>
+        <p:nvSpPr>
+          <p:cNvPr id="4" name="Slide Number Placeholder 3">
+            <a:extLst>
+              <a:ext uri="{FF2B5EF4-FFF2-40B4-BE49-F238E27FC236}">
+                <a16:creationId xmlns:a16="http://schemas.microsoft.com/office/drawing/2014/main" id="{DB254F54-0A57-4D09-A020-82B13F569877}"/>
+              </a:ext>
+            </a:extLst>
+          </p:cNvPr>
+          <p:cNvSpPr>
+            <a:spLocks noGrp="1"/>
+          </p:cNvSpPr>
+          <p:nvPr>
+            <p:ph type="sldNum" sz="quarter" idx="10"/>
+          </p:nvPr>
+        </p:nvSpPr>
+        <p:spPr/>
+        <p:txBody>
+          <a:bodyPr/>
+          <a:lstStyle/>
+          <a:p>
+            <a:fld id="{B434390E-5614-49FD-B636-0EE8DCB870C2}" type="slidenum">
+              <a:rPr lang="en-US" smtClean="0"/>
+              <a:pPr/>
+              <a:t>3</a:t>
+            </a:fld>
+            <a:endParaRPr lang="en-US" dirty="0"/>
           </a:p>
         </p:txBody>
       </p:sp>
@@ -10814,6 +12720,1214 @@
 </file>
 
 <file path=ppt/slides/slide4.xml><?xml version="1.0" encoding="utf-8"?>
+<p:sld xmlns:a="http://schemas.openxmlformats.org/drawingml/2006/main" xmlns:r="http://schemas.openxmlformats.org/officeDocument/2006/relationships" xmlns:p="http://schemas.openxmlformats.org/presentationml/2006/main">
+  <p:cSld>
+    <p:spTree>
+      <p:nvGrpSpPr>
+        <p:cNvPr id="1" name="">
+          <a:extLst>
+            <a:ext uri="{FF2B5EF4-FFF2-40B4-BE49-F238E27FC236}">
+              <a16:creationId xmlns:a16="http://schemas.microsoft.com/office/drawing/2014/main" id="{F46881BC-6317-4F2A-0C68-58CA2F6DCBAC}"/>
+            </a:ext>
+          </a:extLst>
+        </p:cNvPr>
+        <p:cNvGrpSpPr/>
+        <p:nvPr/>
+      </p:nvGrpSpPr>
+      <p:grpSpPr>
+        <a:xfrm>
+          <a:off x="0" y="0"/>
+          <a:ext cx="0" cy="0"/>
+          <a:chOff x="0" y="0"/>
+          <a:chExt cx="0" cy="0"/>
+        </a:xfrm>
+      </p:grpSpPr>
+      <p:sp>
+        <p:nvSpPr>
+          <p:cNvPr id="2" name="Title 1">
+            <a:extLst>
+              <a:ext uri="{FF2B5EF4-FFF2-40B4-BE49-F238E27FC236}">
+                <a16:creationId xmlns:a16="http://schemas.microsoft.com/office/drawing/2014/main" id="{839B9C1A-C4E7-F8F3-A0E0-7795521BC217}"/>
+              </a:ext>
+            </a:extLst>
+          </p:cNvPr>
+          <p:cNvSpPr>
+            <a:spLocks noGrp="1"/>
+          </p:cNvSpPr>
+          <p:nvPr>
+            <p:ph type="title"/>
+          </p:nvPr>
+        </p:nvSpPr>
+        <p:spPr>
+          <a:xfrm>
+            <a:off x="349955" y="394566"/>
+            <a:ext cx="8421512" cy="769441"/>
+          </a:xfrm>
+        </p:spPr>
+        <p:txBody>
+          <a:bodyPr/>
+          <a:lstStyle/>
+          <a:p>
+            <a:r>
+              <a:rPr lang="en-US" sz="4400" dirty="0"/>
+              <a:t>Liquid, Solids, Gases: Properties</a:t>
+            </a:r>
+          </a:p>
+        </p:txBody>
+      </p:sp>
+      <p:sp>
+        <p:nvSpPr>
+          <p:cNvPr id="3" name="Content Placeholder 2">
+            <a:extLst>
+              <a:ext uri="{FF2B5EF4-FFF2-40B4-BE49-F238E27FC236}">
+                <a16:creationId xmlns:a16="http://schemas.microsoft.com/office/drawing/2014/main" id="{59719B40-C7A9-9671-443F-08ABC4C94056}"/>
+              </a:ext>
+            </a:extLst>
+          </p:cNvPr>
+          <p:cNvSpPr>
+            <a:spLocks noGrp="1"/>
+          </p:cNvSpPr>
+          <p:nvPr>
+            <p:ph idx="1"/>
+          </p:nvPr>
+        </p:nvSpPr>
+        <p:spPr/>
+        <p:txBody>
+          <a:bodyPr/>
+          <a:lstStyle/>
+          <a:p>
+            <a:pPr marL="0" indent="0">
+              <a:buNone/>
+            </a:pPr>
+            <a:r>
+              <a:rPr lang="en-US" dirty="0"/>
+              <a:t>Liquids</a:t>
+            </a:r>
+          </a:p>
+          <a:p>
+            <a:r>
+              <a:rPr lang="en-US" sz="2200" dirty="0"/>
+              <a:t>particles have enough</a:t>
+            </a:r>
+            <a:br>
+              <a:rPr lang="en-US" sz="2200" dirty="0"/>
+            </a:br>
+            <a:r>
+              <a:rPr lang="en-US" sz="2200" dirty="0"/>
+              <a:t>(thermal) energy to overcome</a:t>
+            </a:r>
+            <a:br>
+              <a:rPr lang="en-US" sz="2200" dirty="0"/>
+            </a:br>
+            <a:r>
+              <a:rPr lang="en-US" sz="2200" dirty="0"/>
+              <a:t>intermolecular interactions,</a:t>
+            </a:r>
+            <a:br>
+              <a:rPr lang="en-US" sz="2200" dirty="0"/>
+            </a:br>
+            <a:r>
+              <a:rPr lang="en-US" sz="2200" dirty="0"/>
+              <a:t>but particles still move while</a:t>
+            </a:r>
+            <a:br>
+              <a:rPr lang="en-US" sz="2200" dirty="0"/>
+            </a:br>
+            <a:r>
+              <a:rPr lang="en-US" sz="2200" dirty="0"/>
+              <a:t>contacting each other</a:t>
+            </a:r>
+          </a:p>
+          <a:p>
+            <a:r>
+              <a:rPr lang="en-US" sz="2200" dirty="0"/>
+              <a:t>Definite volume, but no definite</a:t>
+            </a:r>
+            <a:br>
+              <a:rPr lang="en-US" sz="2200" dirty="0"/>
+            </a:br>
+            <a:r>
+              <a:rPr lang="en-US" sz="2200" dirty="0"/>
+              <a:t>shape</a:t>
+            </a:r>
+          </a:p>
+        </p:txBody>
+      </p:sp>
+      <p:pic>
+        <p:nvPicPr>
+          <p:cNvPr id="6" name="Picture 5">
+            <a:extLst>
+              <a:ext uri="{FF2B5EF4-FFF2-40B4-BE49-F238E27FC236}">
+                <a16:creationId xmlns:a16="http://schemas.microsoft.com/office/drawing/2014/main" id="{88CA95D6-600F-780D-D344-5C612D8FBAB0}"/>
+              </a:ext>
+            </a:extLst>
+          </p:cNvPr>
+          <p:cNvPicPr>
+            <a:picLocks noChangeAspect="1"/>
+          </p:cNvPicPr>
+          <p:nvPr/>
+        </p:nvPicPr>
+        <p:blipFill>
+          <a:blip r:embed="rId2"/>
+          <a:stretch>
+            <a:fillRect/>
+          </a:stretch>
+        </p:blipFill>
+        <p:spPr>
+          <a:xfrm>
+            <a:off x="5249106" y="1332090"/>
+            <a:ext cx="3832141" cy="2522597"/>
+          </a:xfrm>
+          <a:prstGeom prst="rect">
+            <a:avLst/>
+          </a:prstGeom>
+        </p:spPr>
+      </p:pic>
+      <p:sp>
+        <p:nvSpPr>
+          <p:cNvPr id="4" name="Slide Number Placeholder 3">
+            <a:extLst>
+              <a:ext uri="{FF2B5EF4-FFF2-40B4-BE49-F238E27FC236}">
+                <a16:creationId xmlns:a16="http://schemas.microsoft.com/office/drawing/2014/main" id="{728AE8C6-D3C1-6C61-D406-5EB2FC65E6DC}"/>
+              </a:ext>
+            </a:extLst>
+          </p:cNvPr>
+          <p:cNvSpPr>
+            <a:spLocks noGrp="1"/>
+          </p:cNvSpPr>
+          <p:nvPr>
+            <p:ph type="sldNum" sz="quarter" idx="10"/>
+          </p:nvPr>
+        </p:nvSpPr>
+        <p:spPr/>
+        <p:txBody>
+          <a:bodyPr/>
+          <a:lstStyle/>
+          <a:p>
+            <a:fld id="{B434390E-5614-49FD-B636-0EE8DCB870C2}" type="slidenum">
+              <a:rPr lang="en-US" smtClean="0"/>
+              <a:pPr/>
+              <a:t>4</a:t>
+            </a:fld>
+            <a:endParaRPr lang="en-US" dirty="0"/>
+          </a:p>
+        </p:txBody>
+      </p:sp>
+    </p:spTree>
+    <p:extLst>
+      <p:ext uri="{BB962C8B-B14F-4D97-AF65-F5344CB8AC3E}">
+        <p14:creationId xmlns:p14="http://schemas.microsoft.com/office/powerpoint/2010/main" val="4292808514"/>
+      </p:ext>
+    </p:extLst>
+  </p:cSld>
+  <p:clrMapOvr>
+    <a:masterClrMapping/>
+  </p:clrMapOvr>
+</p:sld>
+</file>
+
+<file path=ppt/slides/slide5.xml><?xml version="1.0" encoding="utf-8"?>
+<p:sld xmlns:a="http://schemas.openxmlformats.org/drawingml/2006/main" xmlns:r="http://schemas.openxmlformats.org/officeDocument/2006/relationships" xmlns:p="http://schemas.openxmlformats.org/presentationml/2006/main">
+  <p:cSld>
+    <p:spTree>
+      <p:nvGrpSpPr>
+        <p:cNvPr id="1" name="">
+          <a:extLst>
+            <a:ext uri="{FF2B5EF4-FFF2-40B4-BE49-F238E27FC236}">
+              <a16:creationId xmlns:a16="http://schemas.microsoft.com/office/drawing/2014/main" id="{A3291F28-B023-A296-1BA3-1EFBE847AA73}"/>
+            </a:ext>
+          </a:extLst>
+        </p:cNvPr>
+        <p:cNvGrpSpPr/>
+        <p:nvPr/>
+      </p:nvGrpSpPr>
+      <p:grpSpPr>
+        <a:xfrm>
+          <a:off x="0" y="0"/>
+          <a:ext cx="0" cy="0"/>
+          <a:chOff x="0" y="0"/>
+          <a:chExt cx="0" cy="0"/>
+        </a:xfrm>
+      </p:grpSpPr>
+      <p:sp>
+        <p:nvSpPr>
+          <p:cNvPr id="2" name="Title 1">
+            <a:extLst>
+              <a:ext uri="{FF2B5EF4-FFF2-40B4-BE49-F238E27FC236}">
+                <a16:creationId xmlns:a16="http://schemas.microsoft.com/office/drawing/2014/main" id="{4AA35D3B-03FA-EF6E-B1C1-3468A5136FB1}"/>
+              </a:ext>
+            </a:extLst>
+          </p:cNvPr>
+          <p:cNvSpPr>
+            <a:spLocks noGrp="1"/>
+          </p:cNvSpPr>
+          <p:nvPr>
+            <p:ph type="title"/>
+          </p:nvPr>
+        </p:nvSpPr>
+        <p:spPr>
+          <a:xfrm>
+            <a:off x="349954" y="344385"/>
+            <a:ext cx="8421512" cy="769441"/>
+          </a:xfrm>
+        </p:spPr>
+        <p:txBody>
+          <a:bodyPr/>
+          <a:lstStyle/>
+          <a:p>
+            <a:r>
+              <a:rPr lang="en-US" sz="4400" dirty="0"/>
+              <a:t>Liquid, Solids, Gases: Properties</a:t>
+            </a:r>
+          </a:p>
+        </p:txBody>
+      </p:sp>
+      <p:sp>
+        <p:nvSpPr>
+          <p:cNvPr id="3" name="Content Placeholder 2">
+            <a:extLst>
+              <a:ext uri="{FF2B5EF4-FFF2-40B4-BE49-F238E27FC236}">
+                <a16:creationId xmlns:a16="http://schemas.microsoft.com/office/drawing/2014/main" id="{E72B200E-2712-CC7A-D180-64547AE50399}"/>
+              </a:ext>
+            </a:extLst>
+          </p:cNvPr>
+          <p:cNvSpPr>
+            <a:spLocks noGrp="1"/>
+          </p:cNvSpPr>
+          <p:nvPr>
+            <p:ph idx="1"/>
+          </p:nvPr>
+        </p:nvSpPr>
+        <p:spPr>
+          <a:xfrm>
+            <a:off x="366888" y="1264369"/>
+            <a:ext cx="8387645" cy="5215465"/>
+          </a:xfrm>
+        </p:spPr>
+        <p:txBody>
+          <a:bodyPr/>
+          <a:lstStyle/>
+          <a:p>
+            <a:pPr marL="0" indent="0">
+              <a:buNone/>
+            </a:pPr>
+            <a:r>
+              <a:rPr lang="en-US" dirty="0"/>
+              <a:t>Gases</a:t>
+            </a:r>
+          </a:p>
+          <a:p>
+            <a:r>
+              <a:rPr lang="en-US" sz="2200" dirty="0"/>
+              <a:t>Like liquids, particles have</a:t>
+            </a:r>
+            <a:br>
+              <a:rPr lang="en-US" sz="2200" dirty="0"/>
+            </a:br>
+            <a:r>
+              <a:rPr lang="en-US" sz="2200" dirty="0"/>
+              <a:t>enough (thermal) energy</a:t>
+            </a:r>
+            <a:br>
+              <a:rPr lang="en-US" sz="2200" dirty="0"/>
+            </a:br>
+            <a:r>
+              <a:rPr lang="en-US" sz="2200" dirty="0"/>
+              <a:t>to overcome intermolecular</a:t>
+            </a:r>
+            <a:br>
+              <a:rPr lang="en-US" sz="2200" dirty="0"/>
+            </a:br>
+            <a:r>
+              <a:rPr lang="en-US" sz="2200" dirty="0"/>
+              <a:t>interactions &amp; separate from</a:t>
+            </a:r>
+            <a:br>
+              <a:rPr lang="en-US" sz="2200" dirty="0"/>
+            </a:br>
+            <a:r>
+              <a:rPr lang="en-US" sz="2200" dirty="0"/>
+              <a:t>each other, moving randomly in space</a:t>
+            </a:r>
+          </a:p>
+          <a:p>
+            <a:r>
+              <a:rPr lang="en-US" sz="2200" dirty="0"/>
+              <a:t>NO definite shape or volume</a:t>
+            </a:r>
+          </a:p>
+          <a:p>
+            <a:r>
+              <a:rPr lang="en-US" sz="2200" dirty="0"/>
+              <a:t>Volume increases by a 1000 times or more</a:t>
+            </a:r>
+          </a:p>
+        </p:txBody>
+      </p:sp>
+      <p:pic>
+        <p:nvPicPr>
+          <p:cNvPr id="5" name="Picture 4">
+            <a:extLst>
+              <a:ext uri="{FF2B5EF4-FFF2-40B4-BE49-F238E27FC236}">
+                <a16:creationId xmlns:a16="http://schemas.microsoft.com/office/drawing/2014/main" id="{5D33EB99-BF2D-959C-2237-D11D41430083}"/>
+              </a:ext>
+            </a:extLst>
+          </p:cNvPr>
+          <p:cNvPicPr>
+            <a:picLocks noChangeAspect="1"/>
+          </p:cNvPicPr>
+          <p:nvPr/>
+        </p:nvPicPr>
+        <p:blipFill>
+          <a:blip r:embed="rId2"/>
+          <a:stretch>
+            <a:fillRect/>
+          </a:stretch>
+        </p:blipFill>
+        <p:spPr>
+          <a:xfrm>
+            <a:off x="5154706" y="1113826"/>
+            <a:ext cx="3832091" cy="1938654"/>
+          </a:xfrm>
+          <a:prstGeom prst="rect">
+            <a:avLst/>
+          </a:prstGeom>
+        </p:spPr>
+      </p:pic>
+      <p:pic>
+        <p:nvPicPr>
+          <p:cNvPr id="8" name="Picture 7">
+            <a:extLst>
+              <a:ext uri="{FF2B5EF4-FFF2-40B4-BE49-F238E27FC236}">
+                <a16:creationId xmlns:a16="http://schemas.microsoft.com/office/drawing/2014/main" id="{BEB8CD09-32D6-D328-6DE8-F0788BBF6B62}"/>
+              </a:ext>
+            </a:extLst>
+          </p:cNvPr>
+          <p:cNvPicPr>
+            <a:picLocks noChangeAspect="1"/>
+          </p:cNvPicPr>
+          <p:nvPr/>
+        </p:nvPicPr>
+        <p:blipFill>
+          <a:blip r:embed="rId3"/>
+          <a:stretch>
+            <a:fillRect/>
+          </a:stretch>
+        </p:blipFill>
+        <p:spPr>
+          <a:xfrm>
+            <a:off x="1482289" y="4387531"/>
+            <a:ext cx="5863968" cy="2328107"/>
+          </a:xfrm>
+          <a:prstGeom prst="rect">
+            <a:avLst/>
+          </a:prstGeom>
+        </p:spPr>
+      </p:pic>
+      <p:sp>
+        <p:nvSpPr>
+          <p:cNvPr id="9" name="Slide Number Placeholder 8">
+            <a:extLst>
+              <a:ext uri="{FF2B5EF4-FFF2-40B4-BE49-F238E27FC236}">
+                <a16:creationId xmlns:a16="http://schemas.microsoft.com/office/drawing/2014/main" id="{3A7CA47D-A9C1-8E26-E805-C33C81FF84D9}"/>
+              </a:ext>
+            </a:extLst>
+          </p:cNvPr>
+          <p:cNvSpPr>
+            <a:spLocks noGrp="1"/>
+          </p:cNvSpPr>
+          <p:nvPr>
+            <p:ph type="sldNum" sz="quarter" idx="10"/>
+          </p:nvPr>
+        </p:nvSpPr>
+        <p:spPr/>
+        <p:txBody>
+          <a:bodyPr/>
+          <a:lstStyle/>
+          <a:p>
+            <a:fld id="{B434390E-5614-49FD-B636-0EE8DCB870C2}" type="slidenum">
+              <a:rPr lang="en-US" smtClean="0"/>
+              <a:pPr/>
+              <a:t>5</a:t>
+            </a:fld>
+            <a:endParaRPr lang="en-US" dirty="0"/>
+          </a:p>
+        </p:txBody>
+      </p:sp>
+    </p:spTree>
+    <p:extLst>
+      <p:ext uri="{BB962C8B-B14F-4D97-AF65-F5344CB8AC3E}">
+        <p14:creationId xmlns:p14="http://schemas.microsoft.com/office/powerpoint/2010/main" val="1823806218"/>
+      </p:ext>
+    </p:extLst>
+  </p:cSld>
+  <p:clrMapOvr>
+    <a:masterClrMapping/>
+  </p:clrMapOvr>
+</p:sld>
+</file>
+
+<file path=ppt/slides/slide6.xml><?xml version="1.0" encoding="utf-8"?>
+<p:sld xmlns:a="http://schemas.openxmlformats.org/drawingml/2006/main" xmlns:r="http://schemas.openxmlformats.org/officeDocument/2006/relationships" xmlns:p="http://schemas.openxmlformats.org/presentationml/2006/main">
+  <p:cSld>
+    <p:spTree>
+      <p:nvGrpSpPr>
+        <p:cNvPr id="1" name="">
+          <a:extLst>
+            <a:ext uri="{FF2B5EF4-FFF2-40B4-BE49-F238E27FC236}">
+              <a16:creationId xmlns:a16="http://schemas.microsoft.com/office/drawing/2014/main" id="{7BD5F1D7-F5D1-EB83-C487-C6CCDA33F1D0}"/>
+            </a:ext>
+          </a:extLst>
+        </p:cNvPr>
+        <p:cNvGrpSpPr/>
+        <p:nvPr/>
+      </p:nvGrpSpPr>
+      <p:grpSpPr>
+        <a:xfrm>
+          <a:off x="0" y="0"/>
+          <a:ext cx="0" cy="0"/>
+          <a:chOff x="0" y="0"/>
+          <a:chExt cx="0" cy="0"/>
+        </a:xfrm>
+      </p:grpSpPr>
+      <p:sp>
+        <p:nvSpPr>
+          <p:cNvPr id="2" name="Title 1">
+            <a:extLst>
+              <a:ext uri="{FF2B5EF4-FFF2-40B4-BE49-F238E27FC236}">
+                <a16:creationId xmlns:a16="http://schemas.microsoft.com/office/drawing/2014/main" id="{31AE5C02-05F5-3AFC-E144-C37B8DA587F6}"/>
+              </a:ext>
+            </a:extLst>
+          </p:cNvPr>
+          <p:cNvSpPr>
+            <a:spLocks noGrp="1"/>
+          </p:cNvSpPr>
+          <p:nvPr>
+            <p:ph type="title"/>
+          </p:nvPr>
+        </p:nvSpPr>
+        <p:spPr>
+          <a:xfrm>
+            <a:off x="349955" y="394566"/>
+            <a:ext cx="8421512" cy="769441"/>
+          </a:xfrm>
+        </p:spPr>
+        <p:txBody>
+          <a:bodyPr/>
+          <a:lstStyle/>
+          <a:p>
+            <a:r>
+              <a:rPr lang="en-US" sz="4400" dirty="0"/>
+              <a:t>Water</a:t>
+            </a:r>
+          </a:p>
+        </p:txBody>
+      </p:sp>
+      <p:sp>
+        <p:nvSpPr>
+          <p:cNvPr id="3" name="Content Placeholder 2">
+            <a:extLst>
+              <a:ext uri="{FF2B5EF4-FFF2-40B4-BE49-F238E27FC236}">
+                <a16:creationId xmlns:a16="http://schemas.microsoft.com/office/drawing/2014/main" id="{EEDE3667-9E14-C54F-8F5B-990ABF664124}"/>
+              </a:ext>
+            </a:extLst>
+          </p:cNvPr>
+          <p:cNvSpPr>
+            <a:spLocks noGrp="1"/>
+          </p:cNvSpPr>
+          <p:nvPr>
+            <p:ph idx="1"/>
+          </p:nvPr>
+        </p:nvSpPr>
+        <p:spPr/>
+        <p:txBody>
+          <a:bodyPr/>
+          <a:lstStyle/>
+          <a:p>
+            <a:r>
+              <a:rPr lang="en-US" dirty="0"/>
+              <a:t>The liquid of life, </a:t>
+            </a:r>
+            <a:br>
+              <a:rPr lang="en-US" dirty="0"/>
+            </a:br>
+            <a:r>
+              <a:rPr lang="en-US" dirty="0"/>
+              <a:t>the “universal solvent”</a:t>
+            </a:r>
+          </a:p>
+          <a:p>
+            <a:r>
+              <a:rPr lang="en-US" dirty="0"/>
+              <a:t>The density of ice is lower</a:t>
+            </a:r>
+            <a:br>
+              <a:rPr lang="en-US" dirty="0"/>
+            </a:br>
+            <a:r>
+              <a:rPr lang="en-US" dirty="0"/>
+              <a:t>than for water</a:t>
+            </a:r>
+          </a:p>
+          <a:p>
+            <a:r>
+              <a:rPr lang="en-US" dirty="0"/>
+              <a:t>Water also absorbs and </a:t>
+            </a:r>
+            <a:br>
+              <a:rPr lang="en-US" dirty="0"/>
+            </a:br>
+            <a:r>
+              <a:rPr lang="en-US" dirty="0"/>
+              <a:t>releases energy (as heat) without large changes in</a:t>
+            </a:r>
+            <a:br>
+              <a:rPr lang="en-US" dirty="0"/>
+            </a:br>
+            <a:r>
+              <a:rPr lang="en-US" dirty="0"/>
+              <a:t>temperature, unlike solid metals like steel, made</a:t>
+            </a:r>
+            <a:br>
+              <a:rPr lang="en-US" dirty="0"/>
+            </a:br>
+            <a:r>
+              <a:rPr lang="en-US" dirty="0"/>
+              <a:t>up of element iron (Fe)</a:t>
+            </a:r>
+          </a:p>
+          <a:p>
+            <a:pPr marL="0" indent="0">
+              <a:buNone/>
+            </a:pPr>
+            <a:endParaRPr lang="en-US" dirty="0"/>
+          </a:p>
+        </p:txBody>
+      </p:sp>
+      <p:graphicFrame>
+        <p:nvGraphicFramePr>
+          <p:cNvPr id="4" name="Table 3">
+            <a:extLst>
+              <a:ext uri="{FF2B5EF4-FFF2-40B4-BE49-F238E27FC236}">
+                <a16:creationId xmlns:a16="http://schemas.microsoft.com/office/drawing/2014/main" id="{320167E5-8FE6-12D2-F9D7-37A074F15F22}"/>
+              </a:ext>
+            </a:extLst>
+          </p:cNvPr>
+          <p:cNvGraphicFramePr>
+            <a:graphicFrameLocks noGrp="1"/>
+          </p:cNvGraphicFramePr>
+          <p:nvPr>
+            <p:extLst>
+              <p:ext uri="{D42A27DB-BD31-4B8C-83A1-F6EECF244321}">
+                <p14:modId xmlns:p14="http://schemas.microsoft.com/office/powerpoint/2010/main" val="2219567595"/>
+              </p:ext>
+            </p:extLst>
+          </p:nvPr>
+        </p:nvGraphicFramePr>
+        <p:xfrm>
+          <a:off x="4903697" y="1414929"/>
+          <a:ext cx="3980327" cy="1694159"/>
+        </p:xfrm>
+        <a:graphic>
+          <a:graphicData uri="http://schemas.openxmlformats.org/drawingml/2006/table">
+            <a:tbl>
+              <a:tblPr firstRow="1" bandRow="1">
+                <a:tableStyleId>{073A0DAA-6AF3-43AB-8588-CEC1D06C72B9}</a:tableStyleId>
+              </a:tblPr>
+              <a:tblGrid>
+                <a:gridCol w="1559856">
+                  <a:extLst>
+                    <a:ext uri="{9D8B030D-6E8A-4147-A177-3AD203B41FA5}">
+                      <a16:colId xmlns:a16="http://schemas.microsoft.com/office/drawing/2014/main" val="4217568825"/>
+                    </a:ext>
+                  </a:extLst>
+                </a:gridCol>
+                <a:gridCol w="1138518">
+                  <a:extLst>
+                    <a:ext uri="{9D8B030D-6E8A-4147-A177-3AD203B41FA5}">
+                      <a16:colId xmlns:a16="http://schemas.microsoft.com/office/drawing/2014/main" val="89508976"/>
+                    </a:ext>
+                  </a:extLst>
+                </a:gridCol>
+                <a:gridCol w="1281953">
+                  <a:extLst>
+                    <a:ext uri="{9D8B030D-6E8A-4147-A177-3AD203B41FA5}">
+                      <a16:colId xmlns:a16="http://schemas.microsoft.com/office/drawing/2014/main" val="967342141"/>
+                    </a:ext>
+                  </a:extLst>
+                </a:gridCol>
+              </a:tblGrid>
+              <a:tr h="596879">
+                <a:tc>
+                  <a:txBody>
+                    <a:bodyPr/>
+                    <a:lstStyle/>
+                    <a:p>
+                      <a:r>
+                        <a:rPr lang="en-US" dirty="0"/>
+                        <a:t>Substance</a:t>
+                      </a:r>
+                    </a:p>
+                  </a:txBody>
+                  <a:tcPr anchor="b"/>
+                </a:tc>
+                <a:tc>
+                  <a:txBody>
+                    <a:bodyPr/>
+                    <a:lstStyle/>
+                    <a:p>
+                      <a:pPr algn="ctr"/>
+                      <a:r>
+                        <a:rPr lang="en-US" sz="1600" dirty="0"/>
+                        <a:t>Melting Point</a:t>
+                      </a:r>
+                    </a:p>
+                  </a:txBody>
+                  <a:tcPr anchor="b"/>
+                </a:tc>
+                <a:tc>
+                  <a:txBody>
+                    <a:bodyPr/>
+                    <a:lstStyle/>
+                    <a:p>
+                      <a:pPr algn="ctr"/>
+                      <a:r>
+                        <a:rPr lang="en-US" sz="1600" dirty="0"/>
+                        <a:t>Boiling Point</a:t>
+                      </a:r>
+                    </a:p>
+                  </a:txBody>
+                  <a:tcPr anchor="b"/>
+                </a:tc>
+                <a:extLst>
+                  <a:ext uri="{0D108BD9-81ED-4DB2-BD59-A6C34878D82A}">
+                    <a16:rowId xmlns:a16="http://schemas.microsoft.com/office/drawing/2014/main" val="792438173"/>
+                  </a:ext>
+                </a:extLst>
+              </a:tr>
+              <a:tr h="347767">
+                <a:tc>
+                  <a:txBody>
+                    <a:bodyPr/>
+                    <a:lstStyle/>
+                    <a:p>
+                      <a:r>
+                        <a:rPr lang="en-US" b="1" dirty="0"/>
+                        <a:t>water</a:t>
+                      </a:r>
+                    </a:p>
+                  </a:txBody>
+                  <a:tcPr/>
+                </a:tc>
+                <a:tc>
+                  <a:txBody>
+                    <a:bodyPr/>
+                    <a:lstStyle/>
+                    <a:p>
+                      <a:pPr algn="ctr"/>
+                      <a:r>
+                        <a:rPr lang="en-US" b="1" dirty="0"/>
+                        <a:t>0°C</a:t>
+                      </a:r>
+                    </a:p>
+                  </a:txBody>
+                  <a:tcPr/>
+                </a:tc>
+                <a:tc>
+                  <a:txBody>
+                    <a:bodyPr/>
+                    <a:lstStyle/>
+                    <a:p>
+                      <a:pPr marL="0" marR="0" lvl="0" indent="0" algn="ctr" defTabSz="914400" rtl="0" eaLnBrk="1" fontAlgn="auto" latinLnBrk="0" hangingPunct="1">
+                        <a:lnSpc>
+                          <a:spcPct val="100000"/>
+                        </a:lnSpc>
+                        <a:spcBef>
+                          <a:spcPts val="0"/>
+                        </a:spcBef>
+                        <a:spcAft>
+                          <a:spcPts val="0"/>
+                        </a:spcAft>
+                        <a:buClrTx/>
+                        <a:buSzTx/>
+                        <a:buFontTx/>
+                        <a:buNone/>
+                        <a:tabLst/>
+                        <a:defRPr/>
+                      </a:pPr>
+                      <a:r>
+                        <a:rPr lang="en-US" b="1" dirty="0"/>
+                        <a:t>100°C</a:t>
+                      </a:r>
+                    </a:p>
+                  </a:txBody>
+                  <a:tcPr/>
+                </a:tc>
+                <a:extLst>
+                  <a:ext uri="{0D108BD9-81ED-4DB2-BD59-A6C34878D82A}">
+                    <a16:rowId xmlns:a16="http://schemas.microsoft.com/office/drawing/2014/main" val="1175790087"/>
+                  </a:ext>
+                </a:extLst>
+              </a:tr>
+              <a:tr h="347767">
+                <a:tc>
+                  <a:txBody>
+                    <a:bodyPr/>
+                    <a:lstStyle/>
+                    <a:p>
+                      <a:r>
+                        <a:rPr lang="en-US" b="1" dirty="0"/>
+                        <a:t>ammonia</a:t>
+                      </a:r>
+                    </a:p>
+                  </a:txBody>
+                  <a:tcPr/>
+                </a:tc>
+                <a:tc>
+                  <a:txBody>
+                    <a:bodyPr/>
+                    <a:lstStyle/>
+                    <a:p>
+                      <a:pPr algn="ctr"/>
+                      <a:r>
+                        <a:rPr lang="en-US" b="1" dirty="0"/>
+                        <a:t>–78°C</a:t>
+                      </a:r>
+                    </a:p>
+                  </a:txBody>
+                  <a:tcPr/>
+                </a:tc>
+                <a:tc>
+                  <a:txBody>
+                    <a:bodyPr/>
+                    <a:lstStyle/>
+                    <a:p>
+                      <a:pPr marL="0" marR="0" lvl="0" indent="0" algn="ctr" defTabSz="914400" rtl="0" eaLnBrk="1" fontAlgn="auto" latinLnBrk="0" hangingPunct="1">
+                        <a:lnSpc>
+                          <a:spcPct val="100000"/>
+                        </a:lnSpc>
+                        <a:spcBef>
+                          <a:spcPts val="0"/>
+                        </a:spcBef>
+                        <a:spcAft>
+                          <a:spcPts val="0"/>
+                        </a:spcAft>
+                        <a:buClrTx/>
+                        <a:buSzTx/>
+                        <a:buFontTx/>
+                        <a:buNone/>
+                        <a:tabLst/>
+                        <a:defRPr/>
+                      </a:pPr>
+                      <a:r>
+                        <a:rPr lang="en-US" b="1" dirty="0"/>
+                        <a:t>–33°C</a:t>
+                      </a:r>
+                    </a:p>
+                  </a:txBody>
+                  <a:tcPr/>
+                </a:tc>
+                <a:extLst>
+                  <a:ext uri="{0D108BD9-81ED-4DB2-BD59-A6C34878D82A}">
+                    <a16:rowId xmlns:a16="http://schemas.microsoft.com/office/drawing/2014/main" val="3347284248"/>
+                  </a:ext>
+                </a:extLst>
+              </a:tr>
+              <a:tr h="347767">
+                <a:tc>
+                  <a:txBody>
+                    <a:bodyPr/>
+                    <a:lstStyle/>
+                    <a:p>
+                      <a:r>
+                        <a:rPr lang="en-US" b="1" dirty="0"/>
+                        <a:t>Methane</a:t>
+                      </a:r>
+                    </a:p>
+                  </a:txBody>
+                  <a:tcPr/>
+                </a:tc>
+                <a:tc>
+                  <a:txBody>
+                    <a:bodyPr/>
+                    <a:lstStyle/>
+                    <a:p>
+                      <a:pPr algn="ctr"/>
+                      <a:r>
+                        <a:rPr lang="en-US" b="1" dirty="0"/>
+                        <a:t>–182°C</a:t>
+                      </a:r>
+                    </a:p>
+                  </a:txBody>
+                  <a:tcPr/>
+                </a:tc>
+                <a:tc>
+                  <a:txBody>
+                    <a:bodyPr/>
+                    <a:lstStyle/>
+                    <a:p>
+                      <a:pPr marL="0" marR="0" lvl="0" indent="0" algn="ctr" defTabSz="914400" rtl="0" eaLnBrk="1" fontAlgn="auto" latinLnBrk="0" hangingPunct="1">
+                        <a:lnSpc>
+                          <a:spcPct val="100000"/>
+                        </a:lnSpc>
+                        <a:spcBef>
+                          <a:spcPts val="0"/>
+                        </a:spcBef>
+                        <a:spcAft>
+                          <a:spcPts val="0"/>
+                        </a:spcAft>
+                        <a:buClrTx/>
+                        <a:buSzTx/>
+                        <a:buFontTx/>
+                        <a:buNone/>
+                        <a:tabLst/>
+                        <a:defRPr/>
+                      </a:pPr>
+                      <a:r>
+                        <a:rPr lang="en-US" b="1" dirty="0"/>
+                        <a:t>–162°C</a:t>
+                      </a:r>
+                    </a:p>
+                  </a:txBody>
+                  <a:tcPr/>
+                </a:tc>
+                <a:extLst>
+                  <a:ext uri="{0D108BD9-81ED-4DB2-BD59-A6C34878D82A}">
+                    <a16:rowId xmlns:a16="http://schemas.microsoft.com/office/drawing/2014/main" val="1713215468"/>
+                  </a:ext>
+                </a:extLst>
+              </a:tr>
+            </a:tbl>
+          </a:graphicData>
+        </a:graphic>
+      </p:graphicFrame>
+      <p:sp>
+        <p:nvSpPr>
+          <p:cNvPr id="5" name="Slide Number Placeholder 4">
+            <a:extLst>
+              <a:ext uri="{FF2B5EF4-FFF2-40B4-BE49-F238E27FC236}">
+                <a16:creationId xmlns:a16="http://schemas.microsoft.com/office/drawing/2014/main" id="{FB49865C-29E6-B007-6C5D-E0A1DE6CB6A8}"/>
+              </a:ext>
+            </a:extLst>
+          </p:cNvPr>
+          <p:cNvSpPr>
+            <a:spLocks noGrp="1"/>
+          </p:cNvSpPr>
+          <p:nvPr>
+            <p:ph type="sldNum" sz="quarter" idx="10"/>
+          </p:nvPr>
+        </p:nvSpPr>
+        <p:spPr/>
+        <p:txBody>
+          <a:bodyPr/>
+          <a:lstStyle/>
+          <a:p>
+            <a:fld id="{B434390E-5614-49FD-B636-0EE8DCB870C2}" type="slidenum">
+              <a:rPr lang="en-US" smtClean="0"/>
+              <a:pPr/>
+              <a:t>6</a:t>
+            </a:fld>
+            <a:endParaRPr lang="en-US" dirty="0"/>
+          </a:p>
+        </p:txBody>
+      </p:sp>
+    </p:spTree>
+    <p:extLst>
+      <p:ext uri="{BB962C8B-B14F-4D97-AF65-F5344CB8AC3E}">
+        <p14:creationId xmlns:p14="http://schemas.microsoft.com/office/powerpoint/2010/main" val="3422933352"/>
+      </p:ext>
+    </p:extLst>
+  </p:cSld>
+  <p:clrMapOvr>
+    <a:masterClrMapping/>
+  </p:clrMapOvr>
+</p:sld>
+</file>
+
+<file path=ppt/slides/slide7.xml><?xml version="1.0" encoding="utf-8"?>
+<p:sld xmlns:a="http://schemas.openxmlformats.org/drawingml/2006/main" xmlns:r="http://schemas.openxmlformats.org/officeDocument/2006/relationships" xmlns:p="http://schemas.openxmlformats.org/presentationml/2006/main">
+  <p:cSld>
+    <p:spTree>
+      <p:nvGrpSpPr>
+        <p:cNvPr id="1" name="">
+          <a:extLst>
+            <a:ext uri="{FF2B5EF4-FFF2-40B4-BE49-F238E27FC236}">
+              <a16:creationId xmlns:a16="http://schemas.microsoft.com/office/drawing/2014/main" id="{82AA94CB-2BB4-6AE7-749B-176A3EEF7EFA}"/>
+            </a:ext>
+          </a:extLst>
+        </p:cNvPr>
+        <p:cNvGrpSpPr/>
+        <p:nvPr/>
+      </p:nvGrpSpPr>
+      <p:grpSpPr>
+        <a:xfrm>
+          <a:off x="0" y="0"/>
+          <a:ext cx="0" cy="0"/>
+          <a:chOff x="0" y="0"/>
+          <a:chExt cx="0" cy="0"/>
+        </a:xfrm>
+      </p:grpSpPr>
+      <p:sp>
+        <p:nvSpPr>
+          <p:cNvPr id="2" name="Title 1">
+            <a:extLst>
+              <a:ext uri="{FF2B5EF4-FFF2-40B4-BE49-F238E27FC236}">
+                <a16:creationId xmlns:a16="http://schemas.microsoft.com/office/drawing/2014/main" id="{6C624545-CC36-49C9-3A51-A8EFF3E437B9}"/>
+              </a:ext>
+            </a:extLst>
+          </p:cNvPr>
+          <p:cNvSpPr>
+            <a:spLocks noGrp="1"/>
+          </p:cNvSpPr>
+          <p:nvPr>
+            <p:ph type="title"/>
+          </p:nvPr>
+        </p:nvSpPr>
+        <p:spPr>
+          <a:xfrm>
+            <a:off x="349955" y="394566"/>
+            <a:ext cx="8421512" cy="769441"/>
+          </a:xfrm>
+        </p:spPr>
+        <p:txBody>
+          <a:bodyPr/>
+          <a:lstStyle/>
+          <a:p>
+            <a:r>
+              <a:rPr lang="en-US" sz="4400" dirty="0"/>
+              <a:t>Some Terms, Definitions</a:t>
+            </a:r>
+          </a:p>
+        </p:txBody>
+      </p:sp>
+      <p:sp>
+        <p:nvSpPr>
+          <p:cNvPr id="3" name="Content Placeholder 2">
+            <a:extLst>
+              <a:ext uri="{FF2B5EF4-FFF2-40B4-BE49-F238E27FC236}">
+                <a16:creationId xmlns:a16="http://schemas.microsoft.com/office/drawing/2014/main" id="{5118D6EB-0DFA-006E-517B-334E34F51E3E}"/>
+              </a:ext>
+            </a:extLst>
+          </p:cNvPr>
+          <p:cNvSpPr>
+            <a:spLocks noGrp="1"/>
+          </p:cNvSpPr>
+          <p:nvPr>
+            <p:ph idx="1"/>
+          </p:nvPr>
+        </p:nvSpPr>
+        <p:spPr/>
+        <p:txBody>
+          <a:bodyPr/>
+          <a:lstStyle/>
+          <a:p>
+            <a:r>
+              <a:rPr lang="en-US" dirty="0"/>
+              <a:t>In the topics on surface tension, viscosity and capillary action to be discussed, certain terms should be understood</a:t>
+            </a:r>
+          </a:p>
+          <a:p>
+            <a:r>
+              <a:rPr lang="en-US" dirty="0">
+                <a:solidFill>
+                  <a:srgbClr val="00FF00"/>
+                </a:solidFill>
+              </a:rPr>
+              <a:t>Cohesion</a:t>
+            </a:r>
+            <a:r>
+              <a:rPr lang="en-US" dirty="0"/>
+              <a:t> describes the </a:t>
+            </a:r>
+            <a:r>
+              <a:rPr lang="en-US" dirty="0">
+                <a:solidFill>
+                  <a:srgbClr val="FFFF00"/>
+                </a:solidFill>
+              </a:rPr>
+              <a:t>force</a:t>
+            </a:r>
+            <a:r>
+              <a:rPr lang="en-US" dirty="0"/>
+              <a:t> or </a:t>
+            </a:r>
+            <a:r>
+              <a:rPr lang="en-US" dirty="0">
+                <a:solidFill>
+                  <a:srgbClr val="FFFF00"/>
+                </a:solidFill>
+              </a:rPr>
+              <a:t>attraction</a:t>
+            </a:r>
+            <a:r>
+              <a:rPr lang="en-US" dirty="0"/>
+              <a:t> of </a:t>
+            </a:r>
+            <a:r>
+              <a:rPr lang="en-US" dirty="0">
+                <a:solidFill>
+                  <a:schemeClr val="accent1">
+                    <a:lumMod val="60000"/>
+                    <a:lumOff val="40000"/>
+                  </a:schemeClr>
+                </a:solidFill>
+              </a:rPr>
+              <a:t>molecules</a:t>
+            </a:r>
+            <a:r>
+              <a:rPr lang="en-US" dirty="0"/>
+              <a:t> of the </a:t>
+            </a:r>
+            <a:r>
+              <a:rPr lang="en-US" dirty="0">
+                <a:solidFill>
+                  <a:srgbClr val="FFFF00"/>
+                </a:solidFill>
+              </a:rPr>
+              <a:t>same kind/identity</a:t>
+            </a:r>
+            <a:r>
+              <a:rPr lang="en-US" dirty="0"/>
+              <a:t> to each other. This describes how H</a:t>
+            </a:r>
+            <a:r>
+              <a:rPr lang="en-US" baseline="-25000" dirty="0"/>
+              <a:t>2</a:t>
+            </a:r>
+            <a:r>
+              <a:rPr lang="en-US" dirty="0"/>
+              <a:t>O (water) molecules will create a water droplet. Verb infinitive: </a:t>
+            </a:r>
+            <a:r>
+              <a:rPr lang="en-US" dirty="0">
+                <a:solidFill>
+                  <a:srgbClr val="FFFF00"/>
+                </a:solidFill>
+              </a:rPr>
+              <a:t>to cohere</a:t>
+            </a:r>
+          </a:p>
+          <a:p>
+            <a:r>
+              <a:rPr lang="en-US" dirty="0">
+                <a:solidFill>
+                  <a:srgbClr val="00FF00"/>
+                </a:solidFill>
+              </a:rPr>
+              <a:t>Adhesion</a:t>
+            </a:r>
+            <a:r>
+              <a:rPr lang="en-US" dirty="0"/>
+              <a:t> describes the </a:t>
+            </a:r>
+            <a:r>
+              <a:rPr lang="en-US" dirty="0">
+                <a:solidFill>
+                  <a:srgbClr val="FFFF00"/>
+                </a:solidFill>
+              </a:rPr>
+              <a:t>force</a:t>
+            </a:r>
+            <a:r>
+              <a:rPr lang="en-US" dirty="0"/>
+              <a:t> or </a:t>
+            </a:r>
+            <a:r>
+              <a:rPr lang="en-US" dirty="0">
+                <a:solidFill>
+                  <a:srgbClr val="FFFF00"/>
+                </a:solidFill>
+              </a:rPr>
+              <a:t>attraction</a:t>
+            </a:r>
+            <a:r>
+              <a:rPr lang="en-US" dirty="0"/>
+              <a:t> of </a:t>
+            </a:r>
+            <a:r>
+              <a:rPr lang="en-US" dirty="0">
+                <a:solidFill>
+                  <a:schemeClr val="accent1">
+                    <a:lumMod val="60000"/>
+                    <a:lumOff val="40000"/>
+                  </a:schemeClr>
+                </a:solidFill>
+              </a:rPr>
+              <a:t>molecules</a:t>
+            </a:r>
+            <a:r>
+              <a:rPr lang="en-US" dirty="0"/>
+              <a:t> of different kind/identity to each other, such as when H</a:t>
+            </a:r>
+            <a:r>
+              <a:rPr lang="en-US" baseline="-25000" dirty="0"/>
+              <a:t>2</a:t>
+            </a:r>
+            <a:r>
+              <a:rPr lang="en-US" dirty="0"/>
+              <a:t>O (water) sticks to sides of glass. Verb infinitive: </a:t>
+            </a:r>
+            <a:r>
+              <a:rPr lang="en-US" dirty="0">
+                <a:solidFill>
+                  <a:srgbClr val="FFFF00"/>
+                </a:solidFill>
+              </a:rPr>
+              <a:t>to adhere</a:t>
+            </a:r>
+          </a:p>
+          <a:p>
+            <a:pPr marL="0" indent="0">
+              <a:buNone/>
+            </a:pPr>
+            <a:endParaRPr lang="en-US" dirty="0"/>
+          </a:p>
+        </p:txBody>
+      </p:sp>
+      <p:sp>
+        <p:nvSpPr>
+          <p:cNvPr id="5" name="Slide Number Placeholder 4">
+            <a:extLst>
+              <a:ext uri="{FF2B5EF4-FFF2-40B4-BE49-F238E27FC236}">
+                <a16:creationId xmlns:a16="http://schemas.microsoft.com/office/drawing/2014/main" id="{6ED3E9BE-B1C0-B54E-A410-D5CACCBB8C3E}"/>
+              </a:ext>
+            </a:extLst>
+          </p:cNvPr>
+          <p:cNvSpPr>
+            <a:spLocks noGrp="1"/>
+          </p:cNvSpPr>
+          <p:nvPr>
+            <p:ph type="sldNum" sz="quarter" idx="10"/>
+          </p:nvPr>
+        </p:nvSpPr>
+        <p:spPr/>
+        <p:txBody>
+          <a:bodyPr/>
+          <a:lstStyle/>
+          <a:p>
+            <a:fld id="{B434390E-5614-49FD-B636-0EE8DCB870C2}" type="slidenum">
+              <a:rPr lang="en-US" smtClean="0"/>
+              <a:pPr/>
+              <a:t>7</a:t>
+            </a:fld>
+            <a:endParaRPr lang="en-US" dirty="0"/>
+          </a:p>
+        </p:txBody>
+      </p:sp>
+    </p:spTree>
+    <p:extLst>
+      <p:ext uri="{BB962C8B-B14F-4D97-AF65-F5344CB8AC3E}">
+        <p14:creationId xmlns:p14="http://schemas.microsoft.com/office/powerpoint/2010/main" val="361311334"/>
+      </p:ext>
+    </p:extLst>
+  </p:cSld>
+  <p:clrMapOvr>
+    <a:masterClrMapping/>
+  </p:clrMapOvr>
+</p:sld>
+</file>
+
+<file path=ppt/slides/slide8.xml><?xml version="1.0" encoding="utf-8"?>
 <p:sld xmlns:a="http://schemas.openxmlformats.org/drawingml/2006/main" xmlns:r="http://schemas.openxmlformats.org/officeDocument/2006/relationships" xmlns:p="http://schemas.openxmlformats.org/presentationml/2006/main">
   <p:cSld>
     <p:spTree>
@@ -10846,7 +13960,12 @@
             <p:ph type="title"/>
           </p:nvPr>
         </p:nvSpPr>
-        <p:spPr/>
+        <p:spPr>
+          <a:xfrm>
+            <a:off x="338666" y="310445"/>
+            <a:ext cx="8421512" cy="830997"/>
+          </a:xfrm>
+        </p:spPr>
         <p:txBody>
           <a:bodyPr/>
           <a:lstStyle/>
@@ -10874,12 +13993,128 @@
             <p:ph idx="1"/>
           </p:nvPr>
         </p:nvSpPr>
+        <p:spPr>
+          <a:xfrm>
+            <a:off x="372533" y="1272988"/>
+            <a:ext cx="8387645" cy="5274567"/>
+          </a:xfrm>
+        </p:spPr>
+        <p:txBody>
+          <a:bodyPr/>
+          <a:lstStyle/>
+          <a:p>
+            <a:r>
+              <a:rPr lang="en-US" sz="2200" dirty="0">
+                <a:solidFill>
+                  <a:srgbClr val="00FF00"/>
+                </a:solidFill>
+              </a:rPr>
+              <a:t>Surface tension </a:t>
+            </a:r>
+            <a:r>
+              <a:rPr lang="en-US" sz="2200" dirty="0"/>
+              <a:t>is the property of a liquid's surface to resist an external force by minimizing its surface area, caused by the cohesive (intermolecular) forces between liquid molecules that are imbalanced at the surface</a:t>
+            </a:r>
+          </a:p>
+          <a:p>
+            <a:r>
+              <a:rPr lang="en-US" sz="2200" dirty="0"/>
+              <a:t>Water has a high surface tension: it explains why water forms droplets form on a waxy surface (leaves, car bodies) rather than spread themselves thin</a:t>
+            </a:r>
+          </a:p>
+          <a:p>
+            <a:r>
+              <a:rPr lang="en-US" sz="2200" dirty="0"/>
+              <a:t>Minimizing surface area: explains</a:t>
+            </a:r>
+            <a:br>
+              <a:rPr lang="en-US" sz="2200" dirty="0"/>
+            </a:br>
+            <a:r>
+              <a:rPr lang="en-US" sz="2200" dirty="0"/>
+              <a:t>why water forms spherical droplets</a:t>
+            </a:r>
+            <a:br>
+              <a:rPr lang="en-US" sz="2200" dirty="0"/>
+            </a:br>
+            <a:r>
+              <a:rPr lang="en-US" sz="2200" dirty="0"/>
+              <a:t>because sphere is smallest</a:t>
+            </a:r>
+            <a:br>
+              <a:rPr lang="en-US" sz="2200" dirty="0"/>
+            </a:br>
+            <a:r>
+              <a:rPr lang="en-US" sz="2200" dirty="0"/>
+              <a:t>possible surface area for any</a:t>
+            </a:r>
+            <a:br>
+              <a:rPr lang="en-US" sz="2200" dirty="0"/>
+            </a:br>
+            <a:r>
+              <a:rPr lang="en-US" sz="2200" dirty="0"/>
+              <a:t>volume</a:t>
+            </a:r>
+          </a:p>
+        </p:txBody>
+      </p:sp>
+      <p:pic>
+        <p:nvPicPr>
+          <p:cNvPr id="5" name="Picture 4">
+            <a:extLst>
+              <a:ext uri="{FF2B5EF4-FFF2-40B4-BE49-F238E27FC236}">
+                <a16:creationId xmlns:a16="http://schemas.microsoft.com/office/drawing/2014/main" id="{F1EE9D5B-8829-BE3A-579F-3032FF2EE4AB}"/>
+              </a:ext>
+            </a:extLst>
+          </p:cNvPr>
+          <p:cNvPicPr>
+            <a:picLocks noChangeAspect="1"/>
+          </p:cNvPicPr>
+          <p:nvPr/>
+        </p:nvPicPr>
+        <p:blipFill>
+          <a:blip r:embed="rId2"/>
+          <a:stretch>
+            <a:fillRect/>
+          </a:stretch>
+        </p:blipFill>
+        <p:spPr>
+          <a:xfrm>
+            <a:off x="5783181" y="3942104"/>
+            <a:ext cx="3110347" cy="2605451"/>
+          </a:xfrm>
+          <a:prstGeom prst="rect">
+            <a:avLst/>
+          </a:prstGeom>
+        </p:spPr>
+      </p:pic>
+      <p:sp>
+        <p:nvSpPr>
+          <p:cNvPr id="8" name="Slide Number Placeholder 7">
+            <a:extLst>
+              <a:ext uri="{FF2B5EF4-FFF2-40B4-BE49-F238E27FC236}">
+                <a16:creationId xmlns:a16="http://schemas.microsoft.com/office/drawing/2014/main" id="{70407C49-26D9-4C91-E60C-724208251E66}"/>
+              </a:ext>
+            </a:extLst>
+          </p:cNvPr>
+          <p:cNvSpPr>
+            <a:spLocks noGrp="1"/>
+          </p:cNvSpPr>
+          <p:nvPr>
+            <p:ph type="sldNum" sz="quarter" idx="10"/>
+          </p:nvPr>
+        </p:nvSpPr>
         <p:spPr/>
         <p:txBody>
           <a:bodyPr/>
           <a:lstStyle/>
           <a:p>
-            <a:endParaRPr lang="en-US"/>
+            <a:fld id="{B434390E-5614-49FD-B636-0EE8DCB870C2}" type="slidenum">
+              <a:rPr lang="en-US" smtClean="0"/>
+              <a:pPr/>
+              <a:t>8</a:t>
+            </a:fld>
+            <a:endParaRPr lang="en-US" dirty="0"/>
           </a:p>
         </p:txBody>
       </p:sp>
@@ -10896,12 +14131,18 @@
 </p:sld>
 </file>
 
-<file path=ppt/slides/slide5.xml><?xml version="1.0" encoding="utf-8"?>
+<file path=ppt/slides/slide9.xml><?xml version="1.0" encoding="utf-8"?>
 <p:sld xmlns:a="http://schemas.openxmlformats.org/drawingml/2006/main" xmlns:r="http://schemas.openxmlformats.org/officeDocument/2006/relationships" xmlns:p="http://schemas.openxmlformats.org/presentationml/2006/main">
   <p:cSld>
     <p:spTree>
       <p:nvGrpSpPr>
-        <p:cNvPr id="1" name=""/>
+        <p:cNvPr id="1" name="">
+          <a:extLst>
+            <a:ext uri="{FF2B5EF4-FFF2-40B4-BE49-F238E27FC236}">
+              <a16:creationId xmlns:a16="http://schemas.microsoft.com/office/drawing/2014/main" id="{CFB609AC-499A-86AB-C7EA-EE3CF4E9C380}"/>
+            </a:ext>
+          </a:extLst>
+        </p:cNvPr>
         <p:cNvGrpSpPr/>
         <p:nvPr/>
       </p:nvGrpSpPr>
@@ -10918,277 +14159,7 @@
           <p:cNvPr id="2" name="Title 1">
             <a:extLst>
               <a:ext uri="{FF2B5EF4-FFF2-40B4-BE49-F238E27FC236}">
-                <a16:creationId xmlns:a16="http://schemas.microsoft.com/office/drawing/2014/main" id="{B7834DAF-9A42-3CDC-4E7B-43FFCD1B26A8}"/>
-              </a:ext>
-            </a:extLst>
-          </p:cNvPr>
-          <p:cNvSpPr>
-            <a:spLocks noGrp="1"/>
-          </p:cNvSpPr>
-          <p:nvPr>
-            <p:ph type="title"/>
-          </p:nvPr>
-        </p:nvSpPr>
-        <p:spPr/>
-        <p:txBody>
-          <a:bodyPr/>
-          <a:lstStyle/>
-          <a:p>
-            <a:r>
-              <a:rPr lang="en-US" dirty="0"/>
-              <a:t>Viscosity</a:t>
-            </a:r>
-          </a:p>
-        </p:txBody>
-      </p:sp>
-      <p:sp>
-        <p:nvSpPr>
-          <p:cNvPr id="3" name="Content Placeholder 2">
-            <a:extLst>
-              <a:ext uri="{FF2B5EF4-FFF2-40B4-BE49-F238E27FC236}">
-                <a16:creationId xmlns:a16="http://schemas.microsoft.com/office/drawing/2014/main" id="{0A9F6DE0-2CBF-1512-E352-BCCD7E6B917D}"/>
-              </a:ext>
-            </a:extLst>
-          </p:cNvPr>
-          <p:cNvSpPr>
-            <a:spLocks noGrp="1"/>
-          </p:cNvSpPr>
-          <p:nvPr>
-            <p:ph idx="1"/>
-          </p:nvPr>
-        </p:nvSpPr>
-        <p:spPr/>
-        <p:txBody>
-          <a:bodyPr/>
-          <a:lstStyle/>
-          <a:p>
-            <a:endParaRPr lang="en-US"/>
-          </a:p>
-        </p:txBody>
-      </p:sp>
-    </p:spTree>
-    <p:extLst>
-      <p:ext uri="{BB962C8B-B14F-4D97-AF65-F5344CB8AC3E}">
-        <p14:creationId xmlns:p14="http://schemas.microsoft.com/office/powerpoint/2010/main" val="3800201995"/>
-      </p:ext>
-    </p:extLst>
-  </p:cSld>
-  <p:clrMapOvr>
-    <a:masterClrMapping/>
-  </p:clrMapOvr>
-</p:sld>
-</file>
-
-<file path=ppt/slides/slide6.xml><?xml version="1.0" encoding="utf-8"?>
-<p:sld xmlns:a="http://schemas.openxmlformats.org/drawingml/2006/main" xmlns:r="http://schemas.openxmlformats.org/officeDocument/2006/relationships" xmlns:p="http://schemas.openxmlformats.org/presentationml/2006/main">
-  <p:cSld>
-    <p:spTree>
-      <p:nvGrpSpPr>
-        <p:cNvPr id="1" name=""/>
-        <p:cNvGrpSpPr/>
-        <p:nvPr/>
-      </p:nvGrpSpPr>
-      <p:grpSpPr>
-        <a:xfrm>
-          <a:off x="0" y="0"/>
-          <a:ext cx="0" cy="0"/>
-          <a:chOff x="0" y="0"/>
-          <a:chExt cx="0" cy="0"/>
-        </a:xfrm>
-      </p:grpSpPr>
-      <p:sp>
-        <p:nvSpPr>
-          <p:cNvPr id="2" name="Title 1">
-            <a:extLst>
-              <a:ext uri="{FF2B5EF4-FFF2-40B4-BE49-F238E27FC236}">
-                <a16:creationId xmlns:a16="http://schemas.microsoft.com/office/drawing/2014/main" id="{2487497F-00EF-FE28-8CF0-DC858BC3E126}"/>
-              </a:ext>
-            </a:extLst>
-          </p:cNvPr>
-          <p:cNvSpPr>
-            <a:spLocks noGrp="1"/>
-          </p:cNvSpPr>
-          <p:nvPr>
-            <p:ph type="title"/>
-          </p:nvPr>
-        </p:nvSpPr>
-        <p:spPr/>
-        <p:txBody>
-          <a:bodyPr/>
-          <a:lstStyle/>
-          <a:p>
-            <a:r>
-              <a:rPr lang="en-US" dirty="0"/>
-              <a:t>Capillary Action</a:t>
-            </a:r>
-          </a:p>
-        </p:txBody>
-      </p:sp>
-      <p:sp>
-        <p:nvSpPr>
-          <p:cNvPr id="3" name="Content Placeholder 2">
-            <a:extLst>
-              <a:ext uri="{FF2B5EF4-FFF2-40B4-BE49-F238E27FC236}">
-                <a16:creationId xmlns:a16="http://schemas.microsoft.com/office/drawing/2014/main" id="{72BA9B55-7CA5-6103-730F-5DFB5596F94B}"/>
-              </a:ext>
-            </a:extLst>
-          </p:cNvPr>
-          <p:cNvSpPr>
-            <a:spLocks noGrp="1"/>
-          </p:cNvSpPr>
-          <p:nvPr>
-            <p:ph idx="1"/>
-          </p:nvPr>
-        </p:nvSpPr>
-        <p:spPr/>
-        <p:txBody>
-          <a:bodyPr/>
-          <a:lstStyle/>
-          <a:p>
-            <a:endParaRPr lang="en-US"/>
-          </a:p>
-        </p:txBody>
-      </p:sp>
-    </p:spTree>
-    <p:extLst>
-      <p:ext uri="{BB962C8B-B14F-4D97-AF65-F5344CB8AC3E}">
-        <p14:creationId xmlns:p14="http://schemas.microsoft.com/office/powerpoint/2010/main" val="1353970882"/>
-      </p:ext>
-    </p:extLst>
-  </p:cSld>
-  <p:clrMapOvr>
-    <a:masterClrMapping/>
-  </p:clrMapOvr>
-</p:sld>
-</file>
-
-<file path=ppt/slides/slide7.xml><?xml version="1.0" encoding="utf-8"?>
-<p:sld xmlns:a="http://schemas.openxmlformats.org/drawingml/2006/main" xmlns:r="http://schemas.openxmlformats.org/officeDocument/2006/relationships" xmlns:p="http://schemas.openxmlformats.org/presentationml/2006/main">
-  <p:cSld>
-    <p:spTree>
-      <p:nvGrpSpPr>
-        <p:cNvPr id="1" name=""/>
-        <p:cNvGrpSpPr/>
-        <p:nvPr/>
-      </p:nvGrpSpPr>
-      <p:grpSpPr>
-        <a:xfrm>
-          <a:off x="0" y="0"/>
-          <a:ext cx="0" cy="0"/>
-          <a:chOff x="0" y="0"/>
-          <a:chExt cx="0" cy="0"/>
-        </a:xfrm>
-      </p:grpSpPr>
-      <p:sp>
-        <p:nvSpPr>
-          <p:cNvPr id="2" name="Title 1">
-            <a:extLst>
-              <a:ext uri="{FF2B5EF4-FFF2-40B4-BE49-F238E27FC236}">
-                <a16:creationId xmlns:a16="http://schemas.microsoft.com/office/drawing/2014/main" id="{B9C2640B-47F0-1DEC-82B8-B9CC67E1B5E8}"/>
-              </a:ext>
-            </a:extLst>
-          </p:cNvPr>
-          <p:cNvSpPr>
-            <a:spLocks noGrp="1"/>
-          </p:cNvSpPr>
-          <p:nvPr>
-            <p:ph type="title"/>
-          </p:nvPr>
-        </p:nvSpPr>
-        <p:spPr/>
-        <p:txBody>
-          <a:bodyPr/>
-          <a:lstStyle/>
-          <a:p>
-            <a:r>
-              <a:rPr lang="en-US" dirty="0"/>
-              <a:t>Crystalline Solid Classes</a:t>
-            </a:r>
-          </a:p>
-        </p:txBody>
-      </p:sp>
-      <p:sp>
-        <p:nvSpPr>
-          <p:cNvPr id="3" name="Content Placeholder 2">
-            <a:extLst>
-              <a:ext uri="{FF2B5EF4-FFF2-40B4-BE49-F238E27FC236}">
-                <a16:creationId xmlns:a16="http://schemas.microsoft.com/office/drawing/2014/main" id="{C7A057BA-8575-05EB-1794-60AEC2A3449E}"/>
-              </a:ext>
-            </a:extLst>
-          </p:cNvPr>
-          <p:cNvSpPr>
-            <a:spLocks noGrp="1"/>
-          </p:cNvSpPr>
-          <p:nvPr>
-            <p:ph idx="1"/>
-          </p:nvPr>
-        </p:nvSpPr>
-        <p:spPr/>
-        <p:txBody>
-          <a:bodyPr/>
-          <a:lstStyle/>
-          <a:p>
-            <a:r>
-              <a:rPr lang="en-US" dirty="0"/>
-              <a:t>Ionic</a:t>
-            </a:r>
-          </a:p>
-          <a:p>
-            <a:r>
-              <a:rPr lang="en-US" dirty="0"/>
-              <a:t>Metallic</a:t>
-            </a:r>
-          </a:p>
-          <a:p>
-            <a:r>
-              <a:rPr lang="en-US" dirty="0"/>
-              <a:t>Covalent Network</a:t>
-            </a:r>
-          </a:p>
-          <a:p>
-            <a:r>
-              <a:rPr lang="en-US" dirty="0"/>
-              <a:t>Molecular</a:t>
-            </a:r>
-          </a:p>
-        </p:txBody>
-      </p:sp>
-    </p:spTree>
-    <p:extLst>
-      <p:ext uri="{BB962C8B-B14F-4D97-AF65-F5344CB8AC3E}">
-        <p14:creationId xmlns:p14="http://schemas.microsoft.com/office/powerpoint/2010/main" val="1531776802"/>
-      </p:ext>
-    </p:extLst>
-  </p:cSld>
-  <p:clrMapOvr>
-    <a:masterClrMapping/>
-  </p:clrMapOvr>
-</p:sld>
-</file>
-
-<file path=ppt/slides/slide8.xml><?xml version="1.0" encoding="utf-8"?>
-<p:sld xmlns:a="http://schemas.openxmlformats.org/drawingml/2006/main" xmlns:r="http://schemas.openxmlformats.org/officeDocument/2006/relationships" xmlns:p="http://schemas.openxmlformats.org/presentationml/2006/main">
-  <p:cSld>
-    <p:spTree>
-      <p:nvGrpSpPr>
-        <p:cNvPr id="1" name=""/>
-        <p:cNvGrpSpPr/>
-        <p:nvPr/>
-      </p:nvGrpSpPr>
-      <p:grpSpPr>
-        <a:xfrm>
-          <a:off x="0" y="0"/>
-          <a:ext cx="0" cy="0"/>
-          <a:chOff x="0" y="0"/>
-          <a:chExt cx="0" cy="0"/>
-        </a:xfrm>
-      </p:grpSpPr>
-      <p:sp>
-        <p:nvSpPr>
-          <p:cNvPr id="2" name="Title 1">
-            <a:extLst>
-              <a:ext uri="{FF2B5EF4-FFF2-40B4-BE49-F238E27FC236}">
-                <a16:creationId xmlns:a16="http://schemas.microsoft.com/office/drawing/2014/main" id="{6C6EF278-0B78-20F3-1C32-7E883331388E}"/>
+                <a16:creationId xmlns:a16="http://schemas.microsoft.com/office/drawing/2014/main" id="{F46130B5-8B25-60F1-1D59-D3963B22B3F6}"/>
               </a:ext>
             </a:extLst>
           </p:cNvPr>
@@ -11201,8 +14172,8 @@
         </p:nvSpPr>
         <p:spPr>
           <a:xfrm>
-            <a:off x="349955" y="394566"/>
-            <a:ext cx="8421512" cy="769441"/>
+            <a:off x="338666" y="310445"/>
+            <a:ext cx="8421512" cy="830997"/>
           </a:xfrm>
         </p:spPr>
         <p:txBody>
@@ -11210,8 +14181,8 @@
           <a:lstStyle/>
           <a:p>
             <a:r>
-              <a:rPr lang="en-US" sz="4400" dirty="0"/>
-              <a:t>LAW of Conservation of Energy</a:t>
+              <a:rPr lang="en-US" dirty="0"/>
+              <a:t>Surface Tension UNITS</a:t>
             </a:r>
           </a:p>
         </p:txBody>
@@ -11221,7 +14192,7 @@
           <p:cNvPr id="3" name="Content Placeholder 2">
             <a:extLst>
               <a:ext uri="{FF2B5EF4-FFF2-40B4-BE49-F238E27FC236}">
-                <a16:creationId xmlns:a16="http://schemas.microsoft.com/office/drawing/2014/main" id="{5CD1001B-BA36-3610-32EC-DA7E2F68D37E}"/>
+                <a16:creationId xmlns:a16="http://schemas.microsoft.com/office/drawing/2014/main" id="{EBC129E9-88AE-0C7B-055D-1660CE1DF9F4}"/>
               </a:ext>
             </a:extLst>
           </p:cNvPr>
@@ -11232,63 +14203,693 @@
             <p:ph idx="1"/>
           </p:nvPr>
         </p:nvSpPr>
-        <p:spPr/>
+        <p:spPr>
+          <a:xfrm>
+            <a:off x="372533" y="1272988"/>
+            <a:ext cx="8387645" cy="2392361"/>
+          </a:xfrm>
+        </p:spPr>
         <p:txBody>
           <a:bodyPr/>
           <a:lstStyle/>
           <a:p>
             <a:r>
-              <a:rPr lang="en-US" dirty="0"/>
-              <a:t>Exothermic</a:t>
-            </a:r>
-          </a:p>
-          <a:p>
-            <a:r>
-              <a:rPr lang="en-US" dirty="0"/>
-              <a:t>Endothermic</a:t>
-            </a:r>
-          </a:p>
-          <a:p>
-            <a:endParaRPr lang="en-US" dirty="0"/>
+              <a:rPr lang="en-US" sz="2000" dirty="0"/>
+              <a:t>Surface tension is a </a:t>
+            </a:r>
+            <a:r>
+              <a:rPr lang="en-US" sz="2000" dirty="0">
+                <a:solidFill>
+                  <a:srgbClr val="FFFF00"/>
+                </a:solidFill>
+              </a:rPr>
+              <a:t>quantity</a:t>
+            </a:r>
+            <a:r>
+              <a:rPr lang="en-US" sz="2000" dirty="0"/>
+              <a:t> with </a:t>
+            </a:r>
+            <a:r>
+              <a:rPr lang="en-US" sz="2000" dirty="0">
+                <a:solidFill>
+                  <a:schemeClr val="accent1">
+                    <a:lumMod val="60000"/>
+                    <a:lumOff val="40000"/>
+                  </a:schemeClr>
+                </a:solidFill>
+              </a:rPr>
+              <a:t>units</a:t>
+            </a:r>
+            <a:r>
+              <a:rPr lang="en-US" sz="2000" dirty="0"/>
+              <a:t> of </a:t>
+            </a:r>
+            <a:r>
+              <a:rPr lang="en-US" sz="2000" dirty="0">
+                <a:solidFill>
+                  <a:srgbClr val="FFC000"/>
+                </a:solidFill>
+              </a:rPr>
+              <a:t>joules</a:t>
+            </a:r>
+            <a:r>
+              <a:rPr lang="en-US" sz="2000" dirty="0"/>
+              <a:t> (</a:t>
+            </a:r>
+            <a:r>
+              <a:rPr lang="en-US" sz="2000" dirty="0">
+                <a:solidFill>
+                  <a:srgbClr val="FFC000"/>
+                </a:solidFill>
+              </a:rPr>
+              <a:t>J</a:t>
+            </a:r>
+            <a:r>
+              <a:rPr lang="en-US" sz="2000" dirty="0"/>
+              <a:t>) per square meter (</a:t>
+            </a:r>
+            <a:r>
+              <a:rPr lang="en-US" sz="2000" dirty="0">
+                <a:solidFill>
+                  <a:srgbClr val="FFC000"/>
+                </a:solidFill>
+              </a:rPr>
+              <a:t>m</a:t>
+            </a:r>
+            <a:r>
+              <a:rPr lang="en-US" sz="2000" baseline="30000" dirty="0">
+                <a:solidFill>
+                  <a:srgbClr val="FFC000"/>
+                </a:solidFill>
+              </a:rPr>
+              <a:t>2</a:t>
+            </a:r>
+            <a:r>
+              <a:rPr lang="en-US" sz="2000" dirty="0"/>
+              <a:t>):  </a:t>
+            </a:r>
+            <a:r>
+              <a:rPr lang="en-US" sz="2000" dirty="0">
+                <a:solidFill>
+                  <a:srgbClr val="FFC000"/>
+                </a:solidFill>
+              </a:rPr>
+              <a:t>J / m</a:t>
+            </a:r>
+            <a:r>
+              <a:rPr lang="en-US" sz="2000" baseline="30000" dirty="0">
+                <a:solidFill>
+                  <a:srgbClr val="FFC000"/>
+                </a:solidFill>
+              </a:rPr>
+              <a:t>2</a:t>
+            </a:r>
+            <a:r>
+              <a:rPr lang="en-US" sz="2000" dirty="0">
+                <a:solidFill>
+                  <a:srgbClr val="FFC000"/>
+                </a:solidFill>
+              </a:rPr>
+              <a:t>  </a:t>
+            </a:r>
+            <a:r>
+              <a:rPr lang="en-US" sz="2000" dirty="0"/>
+              <a:t>OR </a:t>
+            </a:r>
+            <a:br>
+              <a:rPr lang="en-US" sz="2000" dirty="0"/>
+            </a:br>
+            <a:r>
+              <a:rPr lang="en-US" sz="2000" dirty="0">
+                <a:solidFill>
+                  <a:srgbClr val="FFC000"/>
+                </a:solidFill>
+              </a:rPr>
+              <a:t>dyne</a:t>
+            </a:r>
+            <a:r>
+              <a:rPr lang="en-US" sz="2000" dirty="0"/>
+              <a:t> (</a:t>
+            </a:r>
+            <a:r>
+              <a:rPr lang="en-US" sz="2000" dirty="0" err="1">
+                <a:solidFill>
+                  <a:srgbClr val="FFC000"/>
+                </a:solidFill>
+              </a:rPr>
+              <a:t>dyn</a:t>
+            </a:r>
+            <a:r>
+              <a:rPr lang="en-US" sz="2000" dirty="0"/>
+              <a:t>) per </a:t>
+            </a:r>
+            <a:r>
+              <a:rPr lang="en-US" sz="2000" dirty="0">
+                <a:solidFill>
+                  <a:srgbClr val="FFC000"/>
+                </a:solidFill>
+              </a:rPr>
+              <a:t>centimeter</a:t>
+            </a:r>
+            <a:r>
+              <a:rPr lang="en-US" sz="2000" dirty="0"/>
+              <a:t> (</a:t>
+            </a:r>
+            <a:r>
+              <a:rPr lang="en-US" sz="2000" dirty="0">
+                <a:solidFill>
+                  <a:srgbClr val="FFC000"/>
+                </a:solidFill>
+              </a:rPr>
+              <a:t>cm</a:t>
+            </a:r>
+            <a:r>
+              <a:rPr lang="en-US" sz="2000" dirty="0"/>
+              <a:t>):  </a:t>
+            </a:r>
+            <a:r>
+              <a:rPr lang="en-US" sz="2000" dirty="0" err="1">
+                <a:solidFill>
+                  <a:srgbClr val="FFC000"/>
+                </a:solidFill>
+              </a:rPr>
+              <a:t>dyn</a:t>
+            </a:r>
+            <a:r>
+              <a:rPr lang="en-US" sz="2000" dirty="0">
+                <a:solidFill>
+                  <a:srgbClr val="FFC000"/>
+                </a:solidFill>
+              </a:rPr>
+              <a:t>/cm</a:t>
+            </a:r>
+          </a:p>
+          <a:p>
+            <a:r>
+              <a:rPr lang="en-US" sz="2000" dirty="0"/>
+              <a:t>The </a:t>
+            </a:r>
+            <a:r>
+              <a:rPr lang="en-US" sz="2000" dirty="0">
+                <a:solidFill>
+                  <a:srgbClr val="FFFF00"/>
+                </a:solidFill>
+              </a:rPr>
+              <a:t>joule</a:t>
+            </a:r>
+            <a:r>
+              <a:rPr lang="en-US" sz="2000" dirty="0"/>
+              <a:t> is measure of </a:t>
+            </a:r>
+            <a:r>
+              <a:rPr lang="en-US" sz="2000" b="1" dirty="0">
+                <a:solidFill>
+                  <a:schemeClr val="accent1">
+                    <a:lumMod val="60000"/>
+                    <a:lumOff val="40000"/>
+                  </a:schemeClr>
+                </a:solidFill>
+              </a:rPr>
+              <a:t>energy</a:t>
+            </a:r>
+            <a:r>
+              <a:rPr lang="en-US" sz="2000" dirty="0"/>
+              <a:t> while the </a:t>
+            </a:r>
+            <a:r>
+              <a:rPr lang="en-US" sz="2000" dirty="0">
+                <a:solidFill>
+                  <a:srgbClr val="FFFF00"/>
+                </a:solidFill>
+              </a:rPr>
+              <a:t>dyne</a:t>
+            </a:r>
+            <a:r>
+              <a:rPr lang="en-US" sz="2000" dirty="0"/>
+              <a:t> and the </a:t>
+            </a:r>
+            <a:r>
+              <a:rPr lang="en-US" sz="2000" dirty="0">
+                <a:solidFill>
+                  <a:srgbClr val="FFC000"/>
+                </a:solidFill>
+              </a:rPr>
+              <a:t>newton</a:t>
+            </a:r>
+            <a:r>
+              <a:rPr lang="en-US" sz="2000" dirty="0"/>
+              <a:t> [</a:t>
+            </a:r>
+            <a:r>
+              <a:rPr lang="en-US" sz="2000" dirty="0">
+                <a:solidFill>
+                  <a:srgbClr val="FFC000"/>
+                </a:solidFill>
+              </a:rPr>
+              <a:t>N</a:t>
+            </a:r>
+            <a:r>
+              <a:rPr lang="en-US" sz="2000" dirty="0"/>
+              <a:t>] (1 </a:t>
+            </a:r>
+            <a:r>
+              <a:rPr lang="en-US" sz="2000" dirty="0">
+                <a:solidFill>
+                  <a:srgbClr val="FFC000"/>
+                </a:solidFill>
+              </a:rPr>
+              <a:t>N</a:t>
+            </a:r>
+            <a:r>
+              <a:rPr lang="en-US" sz="2000" dirty="0"/>
+              <a:t> = 100,000 </a:t>
+            </a:r>
+            <a:r>
+              <a:rPr lang="en-US" sz="2000" dirty="0" err="1">
+                <a:solidFill>
+                  <a:srgbClr val="FFFF00"/>
+                </a:solidFill>
+              </a:rPr>
+              <a:t>dyn</a:t>
+            </a:r>
+            <a:r>
+              <a:rPr lang="en-US" sz="2000" dirty="0"/>
+              <a:t>) is a measure of </a:t>
+            </a:r>
+            <a:r>
+              <a:rPr lang="en-US" sz="2000" b="1" dirty="0">
+                <a:solidFill>
+                  <a:schemeClr val="accent1">
+                    <a:lumMod val="60000"/>
+                    <a:lumOff val="40000"/>
+                  </a:schemeClr>
+                </a:solidFill>
+              </a:rPr>
+              <a:t>force</a:t>
+            </a:r>
+          </a:p>
+          <a:p>
+            <a:r>
+              <a:rPr lang="en-US" sz="2200" dirty="0"/>
+              <a:t>The higher (stronger) the intermolecular forces, the higher the surface tension</a:t>
+            </a:r>
+          </a:p>
+          <a:p>
+            <a:r>
+              <a:rPr lang="en-US" sz="2200" dirty="0">
+                <a:solidFill>
+                  <a:schemeClr val="accent1">
+                    <a:lumMod val="60000"/>
+                    <a:lumOff val="40000"/>
+                  </a:schemeClr>
+                </a:solidFill>
+              </a:rPr>
+              <a:t>Water</a:t>
+            </a:r>
+            <a:r>
+              <a:rPr lang="en-US" sz="2200" dirty="0"/>
+              <a:t> has </a:t>
+            </a:r>
+            <a:r>
+              <a:rPr lang="en-US" sz="2200" dirty="0">
+                <a:solidFill>
+                  <a:srgbClr val="FFFF00"/>
+                </a:solidFill>
+              </a:rPr>
+              <a:t>very high intermolecular force</a:t>
+            </a:r>
+            <a:r>
+              <a:rPr lang="en-US" sz="2200" dirty="0"/>
+              <a:t> (because of </a:t>
+            </a:r>
+            <a:r>
+              <a:rPr lang="en-US" sz="2200" dirty="0">
+                <a:solidFill>
+                  <a:srgbClr val="00FF00"/>
+                </a:solidFill>
+              </a:rPr>
+              <a:t>hydrogen bonding </a:t>
+            </a:r>
+            <a:r>
+              <a:rPr lang="en-US" sz="2200" dirty="0"/>
+              <a:t>[later] while </a:t>
+            </a:r>
+            <a:r>
+              <a:rPr lang="en-US" sz="2200" dirty="0">
+                <a:solidFill>
+                  <a:schemeClr val="accent1">
+                    <a:lumMod val="60000"/>
+                    <a:lumOff val="40000"/>
+                  </a:schemeClr>
+                </a:solidFill>
+              </a:rPr>
+              <a:t>organic molecules</a:t>
+            </a:r>
+            <a:r>
+              <a:rPr lang="en-US" sz="2200" dirty="0"/>
+              <a:t> have </a:t>
+            </a:r>
+            <a:r>
+              <a:rPr lang="en-US" sz="2200" dirty="0">
+                <a:solidFill>
+                  <a:srgbClr val="FFFF00"/>
+                </a:solidFill>
+              </a:rPr>
+              <a:t>lower intermolecular force/surface tension</a:t>
+            </a:r>
+          </a:p>
+          <a:p>
+            <a:pPr marL="0" indent="0">
+              <a:buNone/>
+            </a:pPr>
+            <a:endParaRPr lang="en-US" b="1" dirty="0">
+              <a:solidFill>
+                <a:schemeClr val="accent1">
+                  <a:lumMod val="60000"/>
+                  <a:lumOff val="40000"/>
+                </a:schemeClr>
+              </a:solidFill>
+            </a:endParaRPr>
           </a:p>
         </p:txBody>
       </p:sp>
-    </p:spTree>
-    <p:extLst>
-      <p:ext uri="{BB962C8B-B14F-4D97-AF65-F5344CB8AC3E}">
-        <p14:creationId xmlns:p14="http://schemas.microsoft.com/office/powerpoint/2010/main" val="3530750774"/>
-      </p:ext>
-    </p:extLst>
-  </p:cSld>
-  <p:clrMapOvr>
-    <a:masterClrMapping/>
-  </p:clrMapOvr>
-</p:sld>
-</file>
-
-<file path=ppt/slides/slide9.xml><?xml version="1.0" encoding="utf-8"?>
-<p:sld xmlns:a="http://schemas.openxmlformats.org/drawingml/2006/main" xmlns:r="http://schemas.openxmlformats.org/officeDocument/2006/relationships" xmlns:p="http://schemas.openxmlformats.org/presentationml/2006/main">
-  <p:cSld>
-    <p:spTree>
-      <p:nvGrpSpPr>
-        <p:cNvPr id="1" name=""/>
-        <p:cNvGrpSpPr/>
-        <p:nvPr/>
-      </p:nvGrpSpPr>
-      <p:grpSpPr>
-        <a:xfrm>
-          <a:off x="0" y="0"/>
-          <a:ext cx="0" cy="0"/>
-          <a:chOff x="0" y="0"/>
-          <a:chExt cx="0" cy="0"/>
-        </a:xfrm>
-      </p:grpSpPr>
+      <mc:AlternateContent xmlns:mc="http://schemas.openxmlformats.org/markup-compatibility/2006" xmlns:a14="http://schemas.microsoft.com/office/drawing/2010/main">
+        <mc:Choice Requires="a14">
+          <p:sp>
+            <p:nvSpPr>
+              <p:cNvPr id="4" name="TextBox 3">
+                <a:extLst>
+                  <a:ext uri="{FF2B5EF4-FFF2-40B4-BE49-F238E27FC236}">
+                    <a16:creationId xmlns:a16="http://schemas.microsoft.com/office/drawing/2014/main" id="{F21F5B07-8FE3-3FEE-785F-C2D766A0913B}"/>
+                  </a:ext>
+                </a:extLst>
+              </p:cNvPr>
+              <p:cNvSpPr txBox="1"/>
+              <p:nvPr/>
+            </p:nvSpPr>
+            <p:spPr>
+              <a:xfrm>
+                <a:off x="855802" y="5193338"/>
+                <a:ext cx="7387240" cy="1354217"/>
+              </a:xfrm>
+              <a:prstGeom prst="rect">
+                <a:avLst/>
+              </a:prstGeom>
+              <a:gradFill>
+                <a:gsLst>
+                  <a:gs pos="0">
+                    <a:srgbClr val="92D050"/>
+                  </a:gs>
+                  <a:gs pos="100000">
+                    <a:srgbClr val="FFFF00"/>
+                  </a:gs>
+                </a:gsLst>
+                <a:lin ang="2700000" scaled="1"/>
+              </a:gradFill>
+            </p:spPr>
+            <p:txBody>
+              <a:bodyPr wrap="square" rtlCol="0">
+                <a:spAutoFit/>
+              </a:bodyPr>
+              <a:lstStyle/>
+              <a:p>
+                <a:r>
+                  <a:rPr lang="en-US" sz="2000" dirty="0">
+                    <a:solidFill>
+                      <a:srgbClr val="00B0F0"/>
+                    </a:solidFill>
+                  </a:rPr>
+                  <a:t>Force</a:t>
+                </a:r>
+                <a:r>
+                  <a:rPr lang="en-US" sz="2000" dirty="0">
+                    <a:solidFill>
+                      <a:schemeClr val="tx1"/>
+                    </a:solidFill>
+                  </a:rPr>
+                  <a:t> (F) is related to </a:t>
+                </a:r>
+                <a:r>
+                  <a:rPr lang="en-US" sz="2000" dirty="0">
+                    <a:solidFill>
+                      <a:srgbClr val="00B0F0"/>
+                    </a:solidFill>
+                  </a:rPr>
+                  <a:t>energy</a:t>
+                </a:r>
+                <a:r>
+                  <a:rPr lang="en-US" sz="2000" dirty="0">
+                    <a:solidFill>
+                      <a:schemeClr val="tx1"/>
+                    </a:solidFill>
+                  </a:rPr>
+                  <a:t> (E) as </a:t>
+                </a:r>
+                <a:r>
+                  <a:rPr lang="en-US" sz="2000" dirty="0">
+                    <a:solidFill>
+                      <a:srgbClr val="00B0F0"/>
+                    </a:solidFill>
+                  </a:rPr>
+                  <a:t>work </a:t>
+                </a:r>
+                <a:r>
+                  <a:rPr lang="en-US" sz="2000" dirty="0"/>
+                  <a:t>(W)</a:t>
+                </a:r>
+                <a:r>
+                  <a:rPr lang="en-US" sz="2000" dirty="0">
+                    <a:solidFill>
+                      <a:schemeClr val="tx1"/>
+                    </a:solidFill>
+                  </a:rPr>
+                  <a:t> (both </a:t>
+                </a:r>
+                <a:r>
+                  <a:rPr lang="en-US" sz="2000" dirty="0">
+                    <a:solidFill>
+                      <a:srgbClr val="00B0F0"/>
+                    </a:solidFill>
+                  </a:rPr>
+                  <a:t>work</a:t>
+                </a:r>
+                <a:r>
+                  <a:rPr lang="en-US" sz="2000" dirty="0">
+                    <a:solidFill>
+                      <a:schemeClr val="tx1"/>
+                    </a:solidFill>
+                  </a:rPr>
+                  <a:t> and </a:t>
+                </a:r>
+                <a:r>
+                  <a:rPr lang="en-US" sz="2000" dirty="0">
+                    <a:solidFill>
+                      <a:srgbClr val="00B0F0"/>
+                    </a:solidFill>
+                  </a:rPr>
+                  <a:t>energy</a:t>
+                </a:r>
+                <a:r>
+                  <a:rPr lang="en-US" sz="2000" dirty="0">
+                    <a:solidFill>
+                      <a:schemeClr val="tx1"/>
+                    </a:solidFill>
+                  </a:rPr>
+                  <a:t> are measured in </a:t>
+                </a:r>
+                <a:r>
+                  <a:rPr lang="en-US" sz="2000" dirty="0">
+                    <a:solidFill>
+                      <a:srgbClr val="C00000"/>
+                    </a:solidFill>
+                  </a:rPr>
+                  <a:t>joules</a:t>
+                </a:r>
+                <a:r>
+                  <a:rPr lang="en-US" sz="2000" dirty="0">
+                    <a:solidFill>
+                      <a:schemeClr val="tx1"/>
+                    </a:solidFill>
+                  </a:rPr>
+                  <a:t>) by a </a:t>
+                </a:r>
+                <a:r>
+                  <a:rPr lang="en-US" sz="2000" dirty="0">
+                    <a:solidFill>
+                      <a:srgbClr val="7030A0"/>
+                    </a:solidFill>
+                  </a:rPr>
+                  <a:t>distance/length </a:t>
+                </a:r>
+                <a:r>
+                  <a:rPr lang="en-US" sz="2000" dirty="0"/>
+                  <a:t>(d) factor</a:t>
+                </a:r>
+              </a:p>
+              <a:p>
+                <a:pPr marL="0" indent="0">
+                  <a:spcBef>
+                    <a:spcPts val="1200"/>
+                  </a:spcBef>
+                  <a:buNone/>
+                </a:pPr>
+                <a14:m>
+                  <m:oMathPara xmlns:m="http://schemas.openxmlformats.org/officeDocument/2006/math">
+                    <m:oMathParaPr>
+                      <m:jc m:val="centerGroup"/>
+                    </m:oMathParaPr>
+                    <m:oMath xmlns:m="http://schemas.openxmlformats.org/officeDocument/2006/math">
+                      <m:r>
+                        <a:rPr lang="en-US" sz="2400" i="1">
+                          <a:solidFill>
+                            <a:schemeClr val="tx1"/>
+                          </a:solidFill>
+                          <a:latin typeface="Cambria Math" panose="02040503050406030204" pitchFamily="18" charset="0"/>
+                        </a:rPr>
+                        <m:t>𝐸</m:t>
+                      </m:r>
+                      <m:r>
+                        <a:rPr lang="en-US" sz="2400" i="1">
+                          <a:solidFill>
+                            <a:schemeClr val="tx1"/>
+                          </a:solidFill>
+                          <a:latin typeface="Cambria Math" panose="02040503050406030204" pitchFamily="18" charset="0"/>
+                        </a:rPr>
+                        <m:t> </m:t>
+                      </m:r>
+                      <m:r>
+                        <a:rPr lang="en-US" sz="2400" i="1">
+                          <a:solidFill>
+                            <a:schemeClr val="tx1"/>
+                          </a:solidFill>
+                          <a:latin typeface="Cambria Math" panose="02040503050406030204" pitchFamily="18" charset="0"/>
+                        </a:rPr>
+                        <m:t>𝑜𝑟</m:t>
+                      </m:r>
+                      <m:r>
+                        <a:rPr lang="en-US" sz="2400" i="1">
+                          <a:solidFill>
+                            <a:schemeClr val="tx1"/>
+                          </a:solidFill>
+                          <a:latin typeface="Cambria Math" panose="02040503050406030204" pitchFamily="18" charset="0"/>
+                        </a:rPr>
+                        <m:t> </m:t>
+                      </m:r>
+                      <m:r>
+                        <a:rPr lang="en-US" sz="2400" i="1">
+                          <a:solidFill>
+                            <a:schemeClr val="tx1"/>
+                          </a:solidFill>
+                          <a:latin typeface="Cambria Math" panose="02040503050406030204" pitchFamily="18" charset="0"/>
+                        </a:rPr>
+                        <m:t>𝑊</m:t>
+                      </m:r>
+                      <m:r>
+                        <a:rPr lang="en-US" sz="2400" i="1">
+                          <a:solidFill>
+                            <a:schemeClr val="tx1"/>
+                          </a:solidFill>
+                          <a:latin typeface="Cambria Math" panose="02040503050406030204" pitchFamily="18" charset="0"/>
+                        </a:rPr>
+                        <m:t>=</m:t>
+                      </m:r>
+                      <m:r>
+                        <a:rPr lang="en-US" sz="2400" i="1">
+                          <a:solidFill>
+                            <a:schemeClr val="tx1"/>
+                          </a:solidFill>
+                          <a:latin typeface="Cambria Math" panose="02040503050406030204" pitchFamily="18" charset="0"/>
+                        </a:rPr>
+                        <m:t>𝐹</m:t>
+                      </m:r>
+                      <m:r>
+                        <a:rPr lang="en-US" sz="2400" i="1">
+                          <a:solidFill>
+                            <a:schemeClr val="tx1"/>
+                          </a:solidFill>
+                          <a:latin typeface="Cambria Math" panose="02040503050406030204" pitchFamily="18" charset="0"/>
+                        </a:rPr>
+                        <m:t> ×</m:t>
+                      </m:r>
+                      <m:r>
+                        <a:rPr lang="en-US" sz="2400" i="1">
+                          <a:solidFill>
+                            <a:schemeClr val="tx1"/>
+                          </a:solidFill>
+                          <a:latin typeface="Cambria Math" panose="02040503050406030204" pitchFamily="18" charset="0"/>
+                          <a:ea typeface="Cambria Math" panose="02040503050406030204" pitchFamily="18" charset="0"/>
+                        </a:rPr>
+                        <m:t>𝑑</m:t>
+                      </m:r>
+                    </m:oMath>
+                  </m:oMathPara>
+                </a14:m>
+                <a:endParaRPr lang="en-US" sz="2400" dirty="0">
+                  <a:solidFill>
+                    <a:schemeClr val="tx1"/>
+                  </a:solidFill>
+                </a:endParaRPr>
+              </a:p>
+              <a:p>
+                <a:r>
+                  <a:rPr lang="en-US" dirty="0"/>
+                  <a:t>You learn this is physics</a:t>
+                </a:r>
+              </a:p>
+            </p:txBody>
+          </p:sp>
+        </mc:Choice>
+        <mc:Fallback xmlns="">
+          <p:sp>
+            <p:nvSpPr>
+              <p:cNvPr id="4" name="TextBox 3">
+                <a:extLst>
+                  <a:ext uri="{FF2B5EF4-FFF2-40B4-BE49-F238E27FC236}">
+                    <a16:creationId xmlns:a16="http://schemas.microsoft.com/office/drawing/2014/main" id="{F21F5B07-8FE3-3FEE-785F-C2D766A0913B}"/>
+                  </a:ext>
+                </a:extLst>
+              </p:cNvPr>
+              <p:cNvSpPr txBox="1">
+                <a:spLocks noRot="1" noChangeAspect="1" noMove="1" noResize="1" noEditPoints="1" noAdjustHandles="1" noChangeArrowheads="1" noChangeShapeType="1" noTextEdit="1"/>
+              </p:cNvSpPr>
+              <p:nvPr/>
+            </p:nvSpPr>
+            <p:spPr>
+              <a:xfrm>
+                <a:off x="855802" y="5193338"/>
+                <a:ext cx="7387240" cy="1354217"/>
+              </a:xfrm>
+              <a:prstGeom prst="rect">
+                <a:avLst/>
+              </a:prstGeom>
+              <a:blipFill>
+                <a:blip r:embed="rId2"/>
+                <a:stretch>
+                  <a:fillRect l="-825" t="-2252" b="-6306"/>
+                </a:stretch>
+              </a:blipFill>
+            </p:spPr>
+            <p:txBody>
+              <a:bodyPr/>
+              <a:lstStyle/>
+              <a:p>
+                <a:r>
+                  <a:rPr lang="en-US">
+                    <a:noFill/>
+                  </a:rPr>
+                  <a:t> </a:t>
+                </a:r>
+              </a:p>
+            </p:txBody>
+          </p:sp>
+        </mc:Fallback>
+      </mc:AlternateContent>
       <p:sp>
         <p:nvSpPr>
-          <p:cNvPr id="2" name="Title 1">
+          <p:cNvPr id="6" name="Slide Number Placeholder 5">
             <a:extLst>
               <a:ext uri="{FF2B5EF4-FFF2-40B4-BE49-F238E27FC236}">
-                <a16:creationId xmlns:a16="http://schemas.microsoft.com/office/drawing/2014/main" id="{17E81964-9C7F-AFB8-9BF6-3D127A705423}"/>
+                <a16:creationId xmlns:a16="http://schemas.microsoft.com/office/drawing/2014/main" id="{498B1179-EDA8-5A3B-9024-927C5A394522}"/>
               </a:ext>
             </a:extLst>
           </p:cNvPr>
@@ -11296,7 +14897,7 @@
             <a:spLocks noGrp="1"/>
           </p:cNvSpPr>
           <p:nvPr>
-            <p:ph type="title"/>
+            <p:ph type="sldNum" sz="quarter" idx="10"/>
           </p:nvPr>
         </p:nvSpPr>
         <p:spPr/>
@@ -11304,63 +14905,19 @@
           <a:bodyPr/>
           <a:lstStyle/>
           <a:p>
-            <a:r>
-              <a:rPr lang="en-US" dirty="0"/>
-              <a:t>Energy: Heat &amp; Work</a:t>
-            </a:r>
-          </a:p>
-        </p:txBody>
-      </p:sp>
-      <p:sp>
-        <p:nvSpPr>
-          <p:cNvPr id="3" name="Content Placeholder 2">
-            <a:extLst>
-              <a:ext uri="{FF2B5EF4-FFF2-40B4-BE49-F238E27FC236}">
-                <a16:creationId xmlns:a16="http://schemas.microsoft.com/office/drawing/2014/main" id="{88F2E7C4-CE10-A6EA-5A0A-004DAA22E05B}"/>
-              </a:ext>
-            </a:extLst>
-          </p:cNvPr>
-          <p:cNvSpPr>
-            <a:spLocks noGrp="1"/>
-          </p:cNvSpPr>
-          <p:nvPr>
-            <p:ph idx="1"/>
-          </p:nvPr>
-        </p:nvSpPr>
-        <p:spPr/>
-        <p:txBody>
-          <a:bodyPr/>
-          <a:lstStyle/>
-          <a:p>
-            <a:r>
-              <a:rPr lang="en-US" dirty="0"/>
-              <a:t>Kinetic Energy</a:t>
-            </a:r>
-          </a:p>
-          <a:p>
-            <a:r>
-              <a:rPr lang="en-US" dirty="0"/>
-              <a:t>Potential Energy</a:t>
-            </a:r>
-          </a:p>
-          <a:p>
-            <a:r>
-              <a:rPr lang="en-US" dirty="0"/>
-              <a:t>Chemical Energy</a:t>
-            </a:r>
-          </a:p>
-          <a:p>
-            <a:r>
-              <a:rPr lang="en-US" dirty="0"/>
-              <a:t>Measuring Energy</a:t>
-            </a:r>
+            <a:fld id="{B434390E-5614-49FD-B636-0EE8DCB870C2}" type="slidenum">
+              <a:rPr lang="en-US" smtClean="0"/>
+              <a:pPr/>
+              <a:t>9</a:t>
+            </a:fld>
+            <a:endParaRPr lang="en-US" dirty="0"/>
           </a:p>
         </p:txBody>
       </p:sp>
     </p:spTree>
     <p:extLst>
       <p:ext uri="{BB962C8B-B14F-4D97-AF65-F5344CB8AC3E}">
-        <p14:creationId xmlns:p14="http://schemas.microsoft.com/office/powerpoint/2010/main" val="644269312"/>
+        <p14:creationId xmlns:p14="http://schemas.microsoft.com/office/powerpoint/2010/main" val="3635046807"/>
       </p:ext>
     </p:extLst>
   </p:cSld>
